--- a/notes7-strand space.pptx
+++ b/notes7-strand space.pptx
@@ -13,6 +13,12 @@
     <p:sldId id="261" r:id="rId8"/>
     <p:sldId id="262" r:id="rId9"/>
     <p:sldId id="263" r:id="rId10"/>
+    <p:sldId id="264" r:id="rId11"/>
+    <p:sldId id="265" r:id="rId12"/>
+    <p:sldId id="266" r:id="rId13"/>
+    <p:sldId id="267" r:id="rId14"/>
+    <p:sldId id="268" r:id="rId15"/>
+    <p:sldId id="269" r:id="rId16"/>
   </p:sldIdLst>
   <p:sldSz cx="12192000" cy="6858000"/>
   <p:notesSz cx="6858000" cy="9144000"/>
@@ -2974,6 +2980,579 @@
 </p:sld>
 </file>
 
+<file path=ppt/slides/slide10.xml><?xml version="1.0" encoding="utf-8"?>
+<p:sld xmlns:a="http://schemas.openxmlformats.org/drawingml/2006/main" xmlns:r="http://schemas.openxmlformats.org/officeDocument/2006/relationships" xmlns:p="http://schemas.openxmlformats.org/presentationml/2006/main">
+  <p:cSld>
+    <p:spTree>
+      <p:nvGrpSpPr>
+        <p:cNvPr id="1" name=""/>
+        <p:cNvGrpSpPr/>
+        <p:nvPr/>
+      </p:nvGrpSpPr>
+      <p:grpSpPr/>
+      <p:sp>
+        <p:nvSpPr>
+          <p:cNvPr id="5" name="Title 4"/>
+          <p:cNvSpPr>
+            <a:spLocks noGrp="1"/>
+          </p:cNvSpPr>
+          <p:nvPr>
+            <p:ph type="title"/>
+          </p:nvPr>
+        </p:nvSpPr>
+        <p:spPr/>
+        <p:txBody>
+          <a:bodyPr/>
+          <a:p>
+            <a:r>
+              <a:rPr lang="en-US">
+                <a:sym typeface="+mn-ea"/>
+              </a:rPr>
+              <a:t>Preliminaries</a:t>
+            </a:r>
+            <a:endParaRPr lang="en-US"/>
+          </a:p>
+        </p:txBody>
+      </p:sp>
+      <p:sp>
+        <p:nvSpPr>
+          <p:cNvPr id="6" name="Content Placeholder 5"/>
+          <p:cNvSpPr>
+            <a:spLocks noGrp="1"/>
+          </p:cNvSpPr>
+          <p:nvPr>
+            <p:ph idx="1"/>
+          </p:nvPr>
+        </p:nvSpPr>
+        <p:spPr/>
+        <p:txBody>
+          <a:bodyPr/>
+          <a:p>
+            <a:r>
+              <a:rPr lang="en-US"/>
+              <a:t>Protocol modeling using strands</a:t>
+            </a:r>
+            <a:endParaRPr lang="en-US"/>
+          </a:p>
+          <a:p>
+            <a:pPr lvl="1"/>
+            <a:r>
+              <a:rPr lang="en-US"/>
+              <a:t>role: initiators, responders,servers</a:t>
+            </a:r>
+            <a:endParaRPr lang="en-US"/>
+          </a:p>
+          <a:p>
+            <a:pPr lvl="1"/>
+            <a:r>
+              <a:rPr lang="en-US"/>
+              <a:t>parameter: names, nonces</a:t>
+            </a:r>
+            <a:endParaRPr lang="en-US"/>
+          </a:p>
+          <a:p>
+            <a:pPr lvl="1"/>
+            <a:r>
+              <a:rPr lang="en-US"/>
+              <a:t>parameterized strand: role[parameter list]</a:t>
+            </a:r>
+            <a:endParaRPr lang="en-US"/>
+          </a:p>
+          <a:p>
+            <a:pPr lvl="1"/>
+            <a:endParaRPr lang="en-US"/>
+          </a:p>
+        </p:txBody>
+      </p:sp>
+      <p:pic>
+        <p:nvPicPr>
+          <p:cNvPr id="7" name="Picture 6"/>
+          <p:cNvPicPr>
+            <a:picLocks noChangeAspect="1"/>
+          </p:cNvPicPr>
+          <p:nvPr/>
+        </p:nvPicPr>
+        <p:blipFill>
+          <a:blip r:embed="rId1"/>
+          <a:stretch>
+            <a:fillRect/>
+          </a:stretch>
+        </p:blipFill>
+        <p:spPr>
+          <a:xfrm>
+            <a:off x="152400" y="4975225"/>
+            <a:ext cx="11887200" cy="1438275"/>
+          </a:xfrm>
+          <a:prstGeom prst="rect">
+            <a:avLst/>
+          </a:prstGeom>
+        </p:spPr>
+      </p:pic>
+      <p:sp>
+        <p:nvSpPr>
+          <p:cNvPr id="8" name="Text Box 7"/>
+          <p:cNvSpPr txBox="1"/>
+          <p:nvPr/>
+        </p:nvSpPr>
+        <p:spPr>
+          <a:xfrm>
+            <a:off x="215900" y="4634865"/>
+            <a:ext cx="4006850" cy="368300"/>
+          </a:xfrm>
+          <a:prstGeom prst="rect">
+            <a:avLst/>
+          </a:prstGeom>
+          <a:noFill/>
+        </p:spPr>
+        <p:txBody>
+          <a:bodyPr wrap="square" rtlCol="0">
+            <a:spAutoFit/>
+          </a:bodyPr>
+          <a:p>
+            <a:r>
+              <a:rPr lang="en-US" b="1"/>
+              <a:t>example</a:t>
+            </a:r>
+            <a:r>
+              <a:rPr lang="zh-CN" altLang="en-US" b="1"/>
+              <a:t>： </a:t>
+            </a:r>
+            <a:r>
+              <a:rPr lang="en-US" b="1"/>
+              <a:t>NSL</a:t>
+            </a:r>
+            <a:endParaRPr lang="en-US" b="1"/>
+          </a:p>
+        </p:txBody>
+      </p:sp>
+    </p:spTree>
+  </p:cSld>
+  <p:clrMapOvr>
+    <a:masterClrMapping/>
+  </p:clrMapOvr>
+</p:sld>
+</file>
+
+<file path=ppt/slides/slide11.xml><?xml version="1.0" encoding="utf-8"?>
+<p:sld xmlns:a="http://schemas.openxmlformats.org/drawingml/2006/main" xmlns:r="http://schemas.openxmlformats.org/officeDocument/2006/relationships" xmlns:p="http://schemas.openxmlformats.org/presentationml/2006/main">
+  <p:cSld>
+    <p:spTree>
+      <p:nvGrpSpPr>
+        <p:cNvPr id="1" name=""/>
+        <p:cNvGrpSpPr/>
+        <p:nvPr/>
+      </p:nvGrpSpPr>
+      <p:grpSpPr/>
+      <p:sp>
+        <p:nvSpPr>
+          <p:cNvPr id="2" name="Title 1"/>
+          <p:cNvSpPr>
+            <a:spLocks noGrp="1"/>
+          </p:cNvSpPr>
+          <p:nvPr>
+            <p:ph type="title"/>
+          </p:nvPr>
+        </p:nvSpPr>
+        <p:spPr/>
+        <p:txBody>
+          <a:bodyPr/>
+          <a:p>
+            <a:r>
+              <a:rPr lang="en-US">
+                <a:sym typeface="+mn-ea"/>
+              </a:rPr>
+              <a:t>Preliminaries</a:t>
+            </a:r>
+            <a:endParaRPr lang="en-US"/>
+          </a:p>
+        </p:txBody>
+      </p:sp>
+      <p:sp>
+        <p:nvSpPr>
+          <p:cNvPr id="3" name="Content Placeholder 2"/>
+          <p:cNvSpPr>
+            <a:spLocks noGrp="1"/>
+          </p:cNvSpPr>
+          <p:nvPr>
+            <p:ph idx="1"/>
+          </p:nvPr>
+        </p:nvSpPr>
+        <p:spPr/>
+        <p:txBody>
+          <a:bodyPr/>
+          <a:p>
+            <a:r>
+              <a:rPr lang="en-US"/>
+              <a:t>Penetrator</a:t>
+            </a:r>
+            <a:endParaRPr lang="en-US"/>
+          </a:p>
+          <a:p>
+            <a:pPr lvl="1"/>
+            <a:r>
+              <a:rPr lang="en-US"/>
+              <a:t>bad and regular</a:t>
+            </a:r>
+            <a:endParaRPr lang="en-US"/>
+          </a:p>
+          <a:p>
+            <a:pPr lvl="1"/>
+            <a:r>
+              <a:rPr lang="en-US"/>
+              <a:t>the set </a:t>
+            </a:r>
+            <a:r>
+              <a:rPr lang="en-US" i="1"/>
+              <a:t>bad</a:t>
+            </a:r>
+            <a:r>
+              <a:rPr lang="zh-CN" altLang="en-US"/>
+              <a:t>：the set of all penetrators</a:t>
+            </a:r>
+            <a:endParaRPr lang="zh-CN" altLang="en-US"/>
+          </a:p>
+          <a:p>
+            <a:pPr lvl="1"/>
+            <a:r>
+              <a:rPr lang="zh-CN" altLang="en-US"/>
+              <a:t>penetrator strands</a:t>
+            </a:r>
+            <a:endParaRPr lang="zh-CN" altLang="en-US"/>
+          </a:p>
+          <a:p>
+            <a:pPr lvl="1"/>
+            <a:r>
+              <a:rPr lang="zh-CN" altLang="en-US"/>
+              <a:t>KP：a set of keys known to all penetrators initially</a:t>
+            </a:r>
+            <a:endParaRPr lang="zh-CN" altLang="en-US"/>
+          </a:p>
+          <a:p>
+            <a:pPr lvl="1"/>
+            <a:endParaRPr lang="zh-CN" altLang="en-US"/>
+          </a:p>
+          <a:p>
+            <a:pPr lvl="1"/>
+            <a:endParaRPr lang="zh-CN" altLang="en-US"/>
+          </a:p>
+        </p:txBody>
+      </p:sp>
+    </p:spTree>
+  </p:cSld>
+  <p:clrMapOvr>
+    <a:masterClrMapping/>
+  </p:clrMapOvr>
+</p:sld>
+</file>
+
+<file path=ppt/slides/slide12.xml><?xml version="1.0" encoding="utf-8"?>
+<p:sld xmlns:a="http://schemas.openxmlformats.org/drawingml/2006/main" xmlns:r="http://schemas.openxmlformats.org/officeDocument/2006/relationships" xmlns:p="http://schemas.openxmlformats.org/presentationml/2006/main">
+  <p:cSld>
+    <p:spTree>
+      <p:nvGrpSpPr>
+        <p:cNvPr id="1" name=""/>
+        <p:cNvGrpSpPr/>
+        <p:nvPr/>
+      </p:nvGrpSpPr>
+      <p:grpSpPr/>
+      <p:sp>
+        <p:nvSpPr>
+          <p:cNvPr id="2" name="Title 1"/>
+          <p:cNvSpPr>
+            <a:spLocks noGrp="1"/>
+          </p:cNvSpPr>
+          <p:nvPr>
+            <p:ph type="title"/>
+          </p:nvPr>
+        </p:nvSpPr>
+        <p:spPr/>
+        <p:txBody>
+          <a:bodyPr/>
+          <a:p>
+            <a:r>
+              <a:rPr lang="en-US">
+                <a:sym typeface="+mn-ea"/>
+              </a:rPr>
+              <a:t>Preliminaries</a:t>
+            </a:r>
+            <a:endParaRPr lang="en-US"/>
+          </a:p>
+        </p:txBody>
+      </p:sp>
+      <p:pic>
+        <p:nvPicPr>
+          <p:cNvPr id="4" name="Content Placeholder 3"/>
+          <p:cNvPicPr>
+            <a:picLocks noChangeAspect="1"/>
+          </p:cNvPicPr>
+          <p:nvPr>
+            <p:ph idx="1"/>
+          </p:nvPr>
+        </p:nvPicPr>
+        <p:blipFill>
+          <a:blip r:embed="rId1">
+            <a:lum bright="-12000" contrast="24000"/>
+          </a:blip>
+          <a:stretch>
+            <a:fillRect/>
+          </a:stretch>
+        </p:blipFill>
+        <p:spPr>
+          <a:xfrm>
+            <a:off x="838200" y="1565910"/>
+            <a:ext cx="8077200" cy="3390900"/>
+          </a:xfrm>
+          <a:prstGeom prst="rect">
+            <a:avLst/>
+          </a:prstGeom>
+        </p:spPr>
+      </p:pic>
+    </p:spTree>
+  </p:cSld>
+  <p:clrMapOvr>
+    <a:masterClrMapping/>
+  </p:clrMapOvr>
+</p:sld>
+</file>
+
+<file path=ppt/slides/slide13.xml><?xml version="1.0" encoding="utf-8"?>
+<p:sld xmlns:a="http://schemas.openxmlformats.org/drawingml/2006/main" xmlns:r="http://schemas.openxmlformats.org/officeDocument/2006/relationships" xmlns:p="http://schemas.openxmlformats.org/presentationml/2006/main">
+  <p:cSld>
+    <p:spTree>
+      <p:nvGrpSpPr>
+        <p:cNvPr id="1" name=""/>
+        <p:cNvGrpSpPr/>
+        <p:nvPr/>
+      </p:nvGrpSpPr>
+      <p:grpSpPr/>
+      <p:sp>
+        <p:nvSpPr>
+          <p:cNvPr id="2" name="Title 1"/>
+          <p:cNvSpPr>
+            <a:spLocks noGrp="1"/>
+          </p:cNvSpPr>
+          <p:nvPr>
+            <p:ph type="title"/>
+          </p:nvPr>
+        </p:nvSpPr>
+        <p:spPr/>
+        <p:txBody>
+          <a:bodyPr/>
+          <a:p>
+            <a:r>
+              <a:rPr lang="en-US">
+                <a:sym typeface="+mn-ea"/>
+              </a:rPr>
+              <a:t>Preliminaries</a:t>
+            </a:r>
+            <a:endParaRPr lang="en-US"/>
+          </a:p>
+        </p:txBody>
+      </p:sp>
+      <p:sp>
+        <p:nvSpPr>
+          <p:cNvPr id="3" name="Content Placeholder 2"/>
+          <p:cNvSpPr>
+            <a:spLocks noGrp="1"/>
+          </p:cNvSpPr>
+          <p:nvPr>
+            <p:ph idx="1"/>
+          </p:nvPr>
+        </p:nvSpPr>
+        <p:spPr/>
+        <p:txBody>
+          <a:bodyPr/>
+          <a:p>
+            <a:r>
+              <a:rPr lang="en-US"/>
+              <a:t>Specifying security properties</a:t>
+            </a:r>
+            <a:endParaRPr lang="en-US"/>
+          </a:p>
+          <a:p>
+            <a:pPr lvl="1"/>
+            <a:r>
+              <a:rPr lang="en-US"/>
+              <a:t>authentication</a:t>
+            </a:r>
+            <a:endParaRPr lang="en-US"/>
+          </a:p>
+          <a:p>
+            <a:pPr lvl="2"/>
+            <a:r>
+              <a:rPr lang="en-US" sz="2000"/>
+              <a:t>there is a responder strand Resp[</a:t>
+            </a:r>
+            <a:r>
+              <a:rPr lang="en-US" sz="2000" i="1"/>
+              <a:t>x</a:t>
+            </a:r>
+            <a:r>
+              <a:rPr lang="en-US" sz="2000"/>
+              <a:t>] and the i-th node of the strand is in a bundle b, then there is an initiator strand Init[</a:t>
+            </a:r>
+            <a:r>
+              <a:rPr lang="en-US" sz="2000" i="1"/>
+              <a:t>x</a:t>
+            </a:r>
+            <a:r>
+              <a:rPr lang="en-US" sz="2000"/>
+              <a:t>] and some j-th node of the initiator strand is in b.</a:t>
+            </a:r>
+            <a:endParaRPr lang="en-US" sz="2000"/>
+          </a:p>
+          <a:p>
+            <a:pPr lvl="1"/>
+            <a:r>
+              <a:rPr lang="en-US"/>
+              <a:t>secrecy</a:t>
+            </a:r>
+            <a:endParaRPr lang="en-US"/>
+          </a:p>
+          <a:p>
+            <a:pPr lvl="2"/>
+            <a:r>
+              <a:rPr lang="en-US"/>
+              <a:t>A message </a:t>
+            </a:r>
+            <a:r>
+              <a:rPr lang="en-US" i="1"/>
+              <a:t>g</a:t>
+            </a:r>
+            <a:r>
+              <a:rPr lang="en-US"/>
+              <a:t> is secret for a protocol if in every bundle </a:t>
+            </a:r>
+            <a:r>
+              <a:rPr lang="en-US" i="1"/>
+              <a:t>b</a:t>
+            </a:r>
+            <a:r>
+              <a:rPr lang="en-US"/>
+              <a:t> of the protocol the penetrator cannot receive </a:t>
+            </a:r>
+            <a:r>
+              <a:rPr lang="en-US" i="1"/>
+              <a:t>g </a:t>
+            </a:r>
+            <a:r>
+              <a:rPr lang="en-US"/>
+              <a:t>in cleartext</a:t>
+            </a:r>
+            <a:endParaRPr lang="en-US"/>
+          </a:p>
+          <a:p>
+            <a:pPr lvl="2"/>
+            <a:r>
+              <a:rPr lang="en-US"/>
+              <a:t>For a key K, if Key  K can be kept secret, then K is safe</a:t>
+            </a:r>
+            <a:endParaRPr lang="en-US"/>
+          </a:p>
+        </p:txBody>
+      </p:sp>
+    </p:spTree>
+  </p:cSld>
+  <p:clrMapOvr>
+    <a:masterClrMapping/>
+  </p:clrMapOvr>
+</p:sld>
+</file>
+
+<file path=ppt/slides/slide14.xml><?xml version="1.0" encoding="utf-8"?>
+<p:sld xmlns:a="http://schemas.openxmlformats.org/drawingml/2006/main" xmlns:r="http://schemas.openxmlformats.org/officeDocument/2006/relationships" xmlns:p="http://schemas.openxmlformats.org/presentationml/2006/main">
+  <p:cSld>
+    <p:spTree>
+      <p:nvGrpSpPr>
+        <p:cNvPr id="1" name=""/>
+        <p:cNvGrpSpPr/>
+        <p:nvPr/>
+      </p:nvGrpSpPr>
+      <p:grpSpPr/>
+      <p:sp>
+        <p:nvSpPr>
+          <p:cNvPr id="2" name="Title 1"/>
+          <p:cNvSpPr>
+            <a:spLocks noGrp="1"/>
+          </p:cNvSpPr>
+          <p:nvPr>
+            <p:ph type="title"/>
+          </p:nvPr>
+        </p:nvSpPr>
+        <p:spPr/>
+        <p:txBody>
+          <a:bodyPr>
+            <a:normAutofit/>
+          </a:bodyPr>
+          <a:p>
+            <a:r>
+              <a:rPr lang="en-US">
+                <a:sym typeface="+mn-ea"/>
+              </a:rPr>
+              <a:t>Preliminaries</a:t>
+            </a:r>
+            <a:endParaRPr lang="en-US"/>
+          </a:p>
+        </p:txBody>
+      </p:sp>
+      <p:sp>
+        <p:nvSpPr>
+          <p:cNvPr id="3" name="Content Placeholder 2"/>
+          <p:cNvSpPr>
+            <a:spLocks noGrp="1"/>
+          </p:cNvSpPr>
+          <p:nvPr>
+            <p:ph idx="1"/>
+          </p:nvPr>
+        </p:nvSpPr>
+        <p:spPr/>
+        <p:txBody>
+          <a:bodyPr/>
+          <a:p>
+            <a:r>
+              <a:rPr lang="en-US"/>
+              <a:t>Authentication tests</a:t>
+            </a:r>
+            <a:endParaRPr lang="en-US"/>
+          </a:p>
+          <a:p>
+            <a:pPr lvl="1"/>
+            <a:r>
+              <a:rPr lang="en-US" sz="2400"/>
+              <a:t>Outgoing tests</a:t>
+            </a:r>
+            <a:endParaRPr lang="en-US" sz="2400"/>
+          </a:p>
+          <a:p>
+            <a:pPr lvl="1"/>
+            <a:r>
+              <a:rPr lang="en-US"/>
+              <a:t>Incoming tests</a:t>
+            </a:r>
+            <a:endParaRPr lang="en-US" sz="2400"/>
+          </a:p>
+          <a:p>
+            <a:pPr lvl="1"/>
+            <a:r>
+              <a:rPr lang="en-US"/>
+              <a:t>Unsolicited tests</a:t>
+            </a:r>
+            <a:endParaRPr lang="en-US"/>
+          </a:p>
+          <a:p>
+            <a:pPr lvl="1"/>
+            <a:endParaRPr lang="en-US"/>
+          </a:p>
+        </p:txBody>
+      </p:sp>
+    </p:spTree>
+  </p:cSld>
+  <p:clrMapOvr>
+    <a:masterClrMapping/>
+  </p:clrMapOvr>
+</p:sld>
+</file>
+
 <file path=ppt/slides/slide2.xml><?xml version="1.0" encoding="utf-8"?>
 <p:sld xmlns:a="http://schemas.openxmlformats.org/drawingml/2006/main" xmlns:r="http://schemas.openxmlformats.org/officeDocument/2006/relationships" xmlns:p="http://schemas.openxmlformats.org/presentationml/2006/main">
   <p:cSld>
@@ -3678,8 +4257,16 @@
         </p:nvSpPr>
         <p:spPr/>
         <p:txBody>
-          <a:bodyPr/>
-          <a:p>
+          <a:bodyPr>
+            <a:normAutofit/>
+          </a:bodyPr>
+          <a:p>
+            <a:r>
+              <a:rPr lang="en-US">
+                <a:sym typeface="+mn-ea"/>
+              </a:rPr>
+              <a:t>Preliminaries</a:t>
+            </a:r>
             <a:endParaRPr lang="en-US"/>
           </a:p>
         </p:txBody>
@@ -3698,10 +4285,481 @@
         <p:txBody>
           <a:bodyPr/>
           <a:p>
-            <a:endParaRPr lang="en-US"/>
-          </a:p>
-        </p:txBody>
-      </p:sp>
+            <a:r>
+              <a:rPr lang="en-US"/>
+              <a:t>Strands and strand space</a:t>
+            </a:r>
+            <a:endParaRPr lang="en-US"/>
+          </a:p>
+          <a:p>
+            <a:pPr lvl="1"/>
+            <a:r>
+              <a:rPr lang="en-US">
+                <a:solidFill>
+                  <a:srgbClr val="FF0000"/>
+                </a:solidFill>
+              </a:rPr>
+              <a:t>Actions</a:t>
+            </a:r>
+            <a:r>
+              <a:rPr lang="zh-CN" altLang="en-US"/>
+              <a:t>：send and receive</a:t>
+            </a:r>
+            <a:r>
+              <a:rPr lang="en-US" altLang="zh-CN"/>
+              <a:t>/Sign ={+, −}</a:t>
+            </a:r>
+            <a:endParaRPr lang="en-US" altLang="zh-CN"/>
+          </a:p>
+          <a:p>
+            <a:pPr lvl="1"/>
+            <a:r>
+              <a:rPr lang="en-US">
+                <a:solidFill>
+                  <a:srgbClr val="FF0000"/>
+                </a:solidFill>
+              </a:rPr>
+              <a:t>Events</a:t>
+            </a:r>
+            <a:r>
+              <a:rPr lang="zh-CN" altLang="en-US"/>
+              <a:t>：</a:t>
+            </a:r>
+            <a:r>
+              <a:rPr lang="en-US" altLang="zh-CN"/>
+              <a:t>(</a:t>
+            </a:r>
+            <a:r>
+              <a:rPr lang="zh-CN" altLang="en-US">
+                <a:latin typeface="宋体" panose="02010600030101010101" pitchFamily="2" charset="-122"/>
+                <a:ea typeface="宋体" panose="02010600030101010101" pitchFamily="2" charset="-122"/>
+              </a:rPr>
+              <a:t>σ</a:t>
+            </a:r>
+            <a:r>
+              <a:rPr lang="en-US" altLang="zh-CN">
+                <a:latin typeface="宋体" panose="02010600030101010101" pitchFamily="2" charset="-122"/>
+                <a:ea typeface="宋体" panose="02010600030101010101" pitchFamily="2" charset="-122"/>
+              </a:rPr>
+              <a:t>,t</a:t>
+            </a:r>
+            <a:r>
+              <a:rPr lang="en-US" altLang="zh-CN">
+                <a:latin typeface="Arial" panose="020B0604020202020204" pitchFamily="34" charset="0"/>
+                <a:ea typeface="宋体" panose="02010600030101010101" pitchFamily="2" charset="-122"/>
+                <a:cs typeface="Arial" panose="020B0604020202020204" pitchFamily="34" charset="0"/>
+              </a:rPr>
+              <a:t>)</a:t>
+            </a:r>
+            <a:endParaRPr lang="en-US" altLang="zh-CN">
+              <a:latin typeface="宋体" panose="02010600030101010101" pitchFamily="2" charset="-122"/>
+              <a:ea typeface="宋体" panose="02010600030101010101" pitchFamily="2" charset="-122"/>
+            </a:endParaRPr>
+          </a:p>
+          <a:p>
+            <a:pPr lvl="1"/>
+            <a:r>
+              <a:rPr lang="en-US" altLang="zh-CN">
+                <a:latin typeface="Arial" panose="020B0604020202020204" pitchFamily="34" charset="0"/>
+                <a:ea typeface="宋体" panose="02010600030101010101" pitchFamily="2" charset="-122"/>
+                <a:cs typeface="Arial" panose="020B0604020202020204" pitchFamily="34" charset="0"/>
+              </a:rPr>
+              <a:t>A protocol defines a sequence of events for each agent’s role.</a:t>
+            </a:r>
+            <a:endParaRPr lang="en-US" altLang="zh-CN">
+              <a:latin typeface="Arial" panose="020B0604020202020204" pitchFamily="34" charset="0"/>
+              <a:ea typeface="宋体" panose="02010600030101010101" pitchFamily="2" charset="-122"/>
+              <a:cs typeface="Arial" panose="020B0604020202020204" pitchFamily="34" charset="0"/>
+            </a:endParaRPr>
+          </a:p>
+          <a:p>
+            <a:pPr lvl="1"/>
+            <a:r>
+              <a:rPr lang="en-US" altLang="zh-CN">
+                <a:latin typeface="Arial" panose="020B0604020202020204" pitchFamily="34" charset="0"/>
+                <a:ea typeface="宋体" panose="02010600030101010101" pitchFamily="2" charset="-122"/>
+                <a:cs typeface="Arial" panose="020B0604020202020204" pitchFamily="34" charset="0"/>
+              </a:rPr>
+              <a:t>A </a:t>
+            </a:r>
+            <a:r>
+              <a:rPr lang="en-US" altLang="zh-CN">
+                <a:solidFill>
+                  <a:srgbClr val="FF0000"/>
+                </a:solidFill>
+                <a:latin typeface="Arial" panose="020B0604020202020204" pitchFamily="34" charset="0"/>
+                <a:ea typeface="宋体" panose="02010600030101010101" pitchFamily="2" charset="-122"/>
+                <a:cs typeface="Arial" panose="020B0604020202020204" pitchFamily="34" charset="0"/>
+              </a:rPr>
+              <a:t>strand</a:t>
+            </a:r>
+            <a:r>
+              <a:rPr lang="en-US" altLang="zh-CN">
+                <a:latin typeface="Arial" panose="020B0604020202020204" pitchFamily="34" charset="0"/>
+                <a:ea typeface="宋体" panose="02010600030101010101" pitchFamily="2" charset="-122"/>
+                <a:cs typeface="Arial" panose="020B0604020202020204" pitchFamily="34" charset="0"/>
+              </a:rPr>
+              <a:t> represents a sequence of an agent’s actions in a particular protocol run, and is an instance of a role</a:t>
+            </a:r>
+            <a:endParaRPr lang="en-US" altLang="zh-CN">
+              <a:latin typeface="Arial" panose="020B0604020202020204" pitchFamily="34" charset="0"/>
+              <a:ea typeface="宋体" panose="02010600030101010101" pitchFamily="2" charset="-122"/>
+              <a:cs typeface="Arial" panose="020B0604020202020204" pitchFamily="34" charset="0"/>
+            </a:endParaRPr>
+          </a:p>
+          <a:p>
+            <a:pPr lvl="1"/>
+            <a:r>
+              <a:rPr lang="en-US" altLang="zh-CN">
+                <a:latin typeface="Arial" panose="020B0604020202020204" pitchFamily="34" charset="0"/>
+                <a:ea typeface="宋体" panose="02010600030101010101" pitchFamily="2" charset="-122"/>
+                <a:cs typeface="Arial" panose="020B0604020202020204" pitchFamily="34" charset="0"/>
+              </a:rPr>
+              <a:t>A </a:t>
+            </a:r>
+            <a:r>
+              <a:rPr lang="en-US" altLang="zh-CN">
+                <a:solidFill>
+                  <a:srgbClr val="FF0000"/>
+                </a:solidFill>
+                <a:latin typeface="Arial" panose="020B0604020202020204" pitchFamily="34" charset="0"/>
+                <a:ea typeface="宋体" panose="02010600030101010101" pitchFamily="2" charset="-122"/>
+                <a:cs typeface="Arial" panose="020B0604020202020204" pitchFamily="34" charset="0"/>
+              </a:rPr>
+              <a:t>strand space</a:t>
+            </a:r>
+            <a:r>
+              <a:rPr lang="en-US" altLang="zh-CN">
+                <a:latin typeface="Arial" panose="020B0604020202020204" pitchFamily="34" charset="0"/>
+                <a:ea typeface="宋体" panose="02010600030101010101" pitchFamily="2" charset="-122"/>
+                <a:cs typeface="Arial" panose="020B0604020202020204" pitchFamily="34" charset="0"/>
+              </a:rPr>
+              <a:t> is a mapping from a strand set to a </a:t>
+            </a:r>
+            <a:r>
+              <a:rPr lang="en-US" altLang="zh-CN">
+                <a:solidFill>
+                  <a:srgbClr val="FF0000"/>
+                </a:solidFill>
+                <a:latin typeface="Arial" panose="020B0604020202020204" pitchFamily="34" charset="0"/>
+                <a:ea typeface="宋体" panose="02010600030101010101" pitchFamily="2" charset="-122"/>
+                <a:cs typeface="Arial" panose="020B0604020202020204" pitchFamily="34" charset="0"/>
+              </a:rPr>
+              <a:t>trace</a:t>
+            </a:r>
+            <a:endParaRPr lang="en-US" altLang="zh-CN">
+              <a:solidFill>
+                <a:srgbClr val="FF0000"/>
+              </a:solidFill>
+              <a:latin typeface="Arial" panose="020B0604020202020204" pitchFamily="34" charset="0"/>
+              <a:ea typeface="宋体" panose="02010600030101010101" pitchFamily="2" charset="-122"/>
+              <a:cs typeface="Arial" panose="020B0604020202020204" pitchFamily="34" charset="0"/>
+            </a:endParaRPr>
+          </a:p>
+          <a:p>
+            <a:pPr lvl="1"/>
+            <a:r>
+              <a:rPr lang="en-US" altLang="zh-CN">
+                <a:solidFill>
+                  <a:srgbClr val="FF0000"/>
+                </a:solidFill>
+                <a:latin typeface="Arial" panose="020B0604020202020204" pitchFamily="34" charset="0"/>
+                <a:ea typeface="宋体" panose="02010600030101010101" pitchFamily="2" charset="-122"/>
+                <a:cs typeface="Arial" panose="020B0604020202020204" pitchFamily="34" charset="0"/>
+              </a:rPr>
+              <a:t>node</a:t>
+            </a:r>
+            <a:r>
+              <a:rPr lang="en-US" altLang="zh-CN">
+                <a:latin typeface="Arial" panose="020B0604020202020204" pitchFamily="34" charset="0"/>
+                <a:ea typeface="宋体" panose="02010600030101010101" pitchFamily="2" charset="-122"/>
+                <a:cs typeface="Arial" panose="020B0604020202020204" pitchFamily="34" charset="0"/>
+              </a:rPr>
+              <a:t>, </a:t>
+            </a:r>
+            <a:r>
+              <a:rPr lang="en-US" altLang="zh-CN">
+                <a:solidFill>
+                  <a:srgbClr val="FF0000"/>
+                </a:solidFill>
+                <a:latin typeface="Arial" panose="020B0604020202020204" pitchFamily="34" charset="0"/>
+                <a:ea typeface="宋体" panose="02010600030101010101" pitchFamily="2" charset="-122"/>
+                <a:cs typeface="Arial" panose="020B0604020202020204" pitchFamily="34" charset="0"/>
+              </a:rPr>
+              <a:t>Domain</a:t>
+            </a:r>
+            <a:r>
+              <a:rPr lang="en-US" altLang="zh-CN">
+                <a:latin typeface="Arial" panose="020B0604020202020204" pitchFamily="34" charset="0"/>
+                <a:ea typeface="宋体" panose="02010600030101010101" pitchFamily="2" charset="-122"/>
+                <a:cs typeface="Arial" panose="020B0604020202020204" pitchFamily="34" charset="0"/>
+              </a:rPr>
+              <a:t>, </a:t>
+            </a:r>
+            <a:r>
+              <a:rPr lang="en-US" altLang="zh-CN">
+                <a:solidFill>
+                  <a:srgbClr val="FF0000"/>
+                </a:solidFill>
+                <a:latin typeface="Arial" panose="020B0604020202020204" pitchFamily="34" charset="0"/>
+                <a:ea typeface="宋体" panose="02010600030101010101" pitchFamily="2" charset="-122"/>
+                <a:cs typeface="Arial" panose="020B0604020202020204" pitchFamily="34" charset="0"/>
+              </a:rPr>
+              <a:t>=&gt;</a:t>
+            </a:r>
+            <a:r>
+              <a:rPr lang="en-US" altLang="zh-CN">
+                <a:latin typeface="Arial" panose="020B0604020202020204" pitchFamily="34" charset="0"/>
+                <a:ea typeface="宋体" panose="02010600030101010101" pitchFamily="2" charset="-122"/>
+                <a:cs typeface="Arial" panose="020B0604020202020204" pitchFamily="34" charset="0"/>
+              </a:rPr>
+              <a:t>,  </a:t>
+            </a:r>
+            <a:r>
+              <a:rPr lang="en-US" altLang="zh-CN">
+                <a:solidFill>
+                  <a:srgbClr val="FF0000"/>
+                </a:solidFill>
+                <a:latin typeface="Arial" panose="020B0604020202020204" pitchFamily="34" charset="0"/>
+                <a:ea typeface="宋体" panose="02010600030101010101" pitchFamily="2" charset="-122"/>
+                <a:cs typeface="Arial" panose="020B0604020202020204" pitchFamily="34" charset="0"/>
+              </a:rPr>
+              <a:t>-&gt;</a:t>
+            </a:r>
+            <a:r>
+              <a:rPr lang="en-US" altLang="zh-CN">
+                <a:latin typeface="Arial" panose="020B0604020202020204" pitchFamily="34" charset="0"/>
+                <a:ea typeface="宋体" panose="02010600030101010101" pitchFamily="2" charset="-122"/>
+                <a:cs typeface="Arial" panose="020B0604020202020204" pitchFamily="34" charset="0"/>
+              </a:rPr>
+              <a:t>, </a:t>
+            </a:r>
+            <a:endParaRPr lang="en-US" altLang="zh-CN">
+              <a:latin typeface="Arial" panose="020B0604020202020204" pitchFamily="34" charset="0"/>
+              <a:ea typeface="宋体" panose="02010600030101010101" pitchFamily="2" charset="-122"/>
+              <a:cs typeface="Arial" panose="020B0604020202020204" pitchFamily="34" charset="0"/>
+            </a:endParaRPr>
+          </a:p>
+          <a:p>
+            <a:pPr lvl="1"/>
+            <a:r>
+              <a:rPr lang="en-US" altLang="zh-CN">
+                <a:solidFill>
+                  <a:srgbClr val="FF0000"/>
+                </a:solidFill>
+                <a:latin typeface="Arial" panose="020B0604020202020204" pitchFamily="34" charset="0"/>
+                <a:ea typeface="宋体" panose="02010600030101010101" pitchFamily="2" charset="-122"/>
+                <a:cs typeface="Arial" panose="020B0604020202020204" pitchFamily="34" charset="0"/>
+              </a:rPr>
+              <a:t>Bundles</a:t>
+            </a:r>
+            <a:r>
+              <a:rPr lang="en-US" altLang="zh-CN">
+                <a:latin typeface="Arial" panose="020B0604020202020204" pitchFamily="34" charset="0"/>
+                <a:ea typeface="宋体" panose="02010600030101010101" pitchFamily="2" charset="-122"/>
+                <a:cs typeface="Arial" panose="020B0604020202020204" pitchFamily="34" charset="0"/>
+              </a:rPr>
+              <a:t>: represents a protocol execution </a:t>
+            </a:r>
+            <a:endParaRPr lang="en-US" altLang="zh-CN">
+              <a:latin typeface="Arial" panose="020B0604020202020204" pitchFamily="34" charset="0"/>
+              <a:ea typeface="宋体" panose="02010600030101010101" pitchFamily="2" charset="-122"/>
+              <a:cs typeface="Arial" panose="020B0604020202020204" pitchFamily="34" charset="0"/>
+            </a:endParaRPr>
+          </a:p>
+          <a:p>
+            <a:pPr lvl="1"/>
+            <a:r>
+              <a:rPr lang="en-US" altLang="zh-CN">
+                <a:solidFill>
+                  <a:srgbClr val="FF0000"/>
+                </a:solidFill>
+                <a:latin typeface="Arial" panose="020B0604020202020204" pitchFamily="34" charset="0"/>
+                <a:ea typeface="宋体" panose="02010600030101010101" pitchFamily="2" charset="-122"/>
+                <a:cs typeface="Arial" panose="020B0604020202020204" pitchFamily="34" charset="0"/>
+              </a:rPr>
+              <a:t>Causal precedence</a:t>
+            </a:r>
+            <a:endParaRPr lang="en-US" altLang="zh-CN">
+              <a:solidFill>
+                <a:srgbClr val="FF0000"/>
+              </a:solidFill>
+              <a:latin typeface="Arial" panose="020B0604020202020204" pitchFamily="34" charset="0"/>
+              <a:ea typeface="宋体" panose="02010600030101010101" pitchFamily="2" charset="-122"/>
+              <a:cs typeface="Arial" panose="020B0604020202020204" pitchFamily="34" charset="0"/>
+            </a:endParaRPr>
+          </a:p>
+        </p:txBody>
+      </p:sp>
+    </p:spTree>
+  </p:cSld>
+  <p:clrMapOvr>
+    <a:masterClrMapping/>
+  </p:clrMapOvr>
+</p:sld>
+</file>
+
+<file path=ppt/slides/slide9.xml><?xml version="1.0" encoding="utf-8"?>
+<p:sld xmlns:a="http://schemas.openxmlformats.org/drawingml/2006/main" xmlns:r="http://schemas.openxmlformats.org/officeDocument/2006/relationships" xmlns:p="http://schemas.openxmlformats.org/presentationml/2006/main">
+  <p:cSld>
+    <p:spTree>
+      <p:nvGrpSpPr>
+        <p:cNvPr id="1" name=""/>
+        <p:cNvGrpSpPr/>
+        <p:nvPr/>
+      </p:nvGrpSpPr>
+      <p:grpSpPr/>
+      <p:sp>
+        <p:nvSpPr>
+          <p:cNvPr id="2" name="Title 1"/>
+          <p:cNvSpPr>
+            <a:spLocks noGrp="1"/>
+          </p:cNvSpPr>
+          <p:nvPr>
+            <p:ph type="title"/>
+          </p:nvPr>
+        </p:nvSpPr>
+        <p:spPr/>
+        <p:txBody>
+          <a:bodyPr/>
+          <a:p>
+            <a:r>
+              <a:rPr lang="en-US">
+                <a:sym typeface="+mn-ea"/>
+              </a:rPr>
+              <a:t>Preliminaries</a:t>
+            </a:r>
+            <a:endParaRPr lang="en-US"/>
+          </a:p>
+        </p:txBody>
+      </p:sp>
+      <p:sp>
+        <p:nvSpPr>
+          <p:cNvPr id="3" name="Content Placeholder 2"/>
+          <p:cNvSpPr>
+            <a:spLocks noGrp="1"/>
+          </p:cNvSpPr>
+          <p:nvPr>
+            <p:ph sz="half" idx="1"/>
+          </p:nvPr>
+        </p:nvSpPr>
+        <p:spPr/>
+        <p:txBody>
+          <a:bodyPr/>
+          <a:p>
+            <a:r>
+              <a:rPr lang="en-US"/>
+              <a:t>Bundles</a:t>
+            </a:r>
+            <a:endParaRPr lang="en-US"/>
+          </a:p>
+          <a:p>
+            <a:endParaRPr lang="en-US"/>
+          </a:p>
+          <a:p>
+            <a:endParaRPr lang="en-US"/>
+          </a:p>
+          <a:p>
+            <a:endParaRPr lang="en-US"/>
+          </a:p>
+          <a:p>
+            <a:endParaRPr lang="en-US"/>
+          </a:p>
+          <a:p>
+            <a:r>
+              <a:rPr lang="en-US"/>
+              <a:t> casually well-founded graph</a:t>
+            </a:r>
+            <a:endParaRPr lang="en-US"/>
+          </a:p>
+          <a:p>
+            <a:pPr lvl="1"/>
+            <a:endParaRPr lang="en-US"/>
+          </a:p>
+        </p:txBody>
+      </p:sp>
+      <p:pic>
+        <p:nvPicPr>
+          <p:cNvPr id="4" name="Content Placeholder 3"/>
+          <p:cNvPicPr>
+            <a:picLocks noChangeAspect="1"/>
+          </p:cNvPicPr>
+          <p:nvPr>
+            <p:ph sz="half" idx="2"/>
+          </p:nvPr>
+        </p:nvPicPr>
+        <p:blipFill>
+          <a:blip r:embed="rId1">
+            <a:lum bright="-18000" contrast="36000"/>
+          </a:blip>
+          <a:srcRect b="16984"/>
+          <a:stretch>
+            <a:fillRect/>
+          </a:stretch>
+        </p:blipFill>
+        <p:spPr>
+          <a:xfrm>
+            <a:off x="1217295" y="2366645"/>
+            <a:ext cx="2705100" cy="332105"/>
+          </a:xfrm>
+          <a:prstGeom prst="rect">
+            <a:avLst/>
+          </a:prstGeom>
+        </p:spPr>
+      </p:pic>
+      <p:pic>
+        <p:nvPicPr>
+          <p:cNvPr id="5" name="Picture 4"/>
+          <p:cNvPicPr>
+            <a:picLocks noChangeAspect="1"/>
+          </p:cNvPicPr>
+          <p:nvPr/>
+        </p:nvPicPr>
+        <p:blipFill>
+          <a:blip r:embed="rId2">
+            <a:lum bright="-12000" contrast="24000"/>
+          </a:blip>
+          <a:stretch>
+            <a:fillRect/>
+          </a:stretch>
+        </p:blipFill>
+        <p:spPr>
+          <a:xfrm>
+            <a:off x="1294130" y="2848610"/>
+            <a:ext cx="10457815" cy="1447800"/>
+          </a:xfrm>
+          <a:prstGeom prst="rect">
+            <a:avLst/>
+          </a:prstGeom>
+        </p:spPr>
+      </p:pic>
+      <p:pic>
+        <p:nvPicPr>
+          <p:cNvPr id="7" name="Picture 6"/>
+          <p:cNvPicPr>
+            <a:picLocks noChangeAspect="1"/>
+          </p:cNvPicPr>
+          <p:nvPr/>
+        </p:nvPicPr>
+        <p:blipFill>
+          <a:blip r:embed="rId3">
+            <a:lum bright="-12000" contrast="24000"/>
+          </a:blip>
+          <a:srcRect b="9307"/>
+          <a:stretch>
+            <a:fillRect/>
+          </a:stretch>
+        </p:blipFill>
+        <p:spPr>
+          <a:xfrm>
+            <a:off x="1088390" y="5008245"/>
+            <a:ext cx="10481945" cy="556895"/>
+          </a:xfrm>
+          <a:prstGeom prst="rect">
+            <a:avLst/>
+          </a:prstGeom>
+        </p:spPr>
+      </p:pic>
     </p:spTree>
   </p:cSld>
   <p:clrMapOvr>

--- a/notes7-strand space.pptx
+++ b/notes7-strand space.pptx
@@ -19,6 +19,7 @@
     <p:sldId id="267" r:id="rId14"/>
     <p:sldId id="268" r:id="rId15"/>
     <p:sldId id="269" r:id="rId16"/>
+    <p:sldId id="270" r:id="rId17"/>
   </p:sldIdLst>
   <p:sldSz cx="12192000" cy="6858000"/>
   <p:notesSz cx="6858000" cy="9144000"/>
@@ -3511,7 +3512,15 @@
           <a:p>
             <a:r>
               <a:rPr lang="en-US"/>
-              <a:t>Authentication tests</a:t>
+              <a:t>Authentication tests (</a:t>
+            </a:r>
+            <a:r>
+              <a:rPr lang="en-US" sz="2000"/>
+              <a:t>guarantee the existence of the transforming edges in a bundle,  which is done by a regular agent</a:t>
+            </a:r>
+            <a:r>
+              <a:rPr lang="en-US"/>
+              <a:t>)</a:t>
             </a:r>
             <a:endParaRPr lang="en-US"/>
           </a:p>
@@ -3542,6 +3551,100 @@
           <a:p>
             <a:pPr lvl="1"/>
             <a:endParaRPr lang="en-US"/>
+          </a:p>
+          <a:p>
+            <a:pPr lvl="1"/>
+            <a:endParaRPr lang="en-US"/>
+          </a:p>
+        </p:txBody>
+      </p:sp>
+    </p:spTree>
+  </p:cSld>
+  <p:clrMapOvr>
+    <a:masterClrMapping/>
+  </p:clrMapOvr>
+</p:sld>
+</file>
+
+<file path=ppt/slides/slide15.xml><?xml version="1.0" encoding="utf-8"?>
+<p:sld xmlns:a="http://schemas.openxmlformats.org/drawingml/2006/main" xmlns:r="http://schemas.openxmlformats.org/officeDocument/2006/relationships" xmlns:p="http://schemas.openxmlformats.org/presentationml/2006/main">
+  <p:cSld>
+    <p:spTree>
+      <p:nvGrpSpPr>
+        <p:cNvPr id="1" name=""/>
+        <p:cNvGrpSpPr/>
+        <p:nvPr/>
+      </p:nvGrpSpPr>
+      <p:grpSpPr/>
+      <p:sp>
+        <p:nvSpPr>
+          <p:cNvPr id="2" name="标题 1"/>
+          <p:cNvSpPr>
+            <a:spLocks noGrp="1"/>
+          </p:cNvSpPr>
+          <p:nvPr>
+            <p:ph type="title"/>
+          </p:nvPr>
+        </p:nvSpPr>
+        <p:spPr/>
+        <p:txBody>
+          <a:bodyPr/>
+          <a:p>
+            <a:r>
+              <a:rPr lang="zh-CN" altLang="en-US"/>
+              <a:t>Motivations and contributions</a:t>
+            </a:r>
+            <a:endParaRPr lang="zh-CN" altLang="en-US"/>
+          </a:p>
+        </p:txBody>
+      </p:sp>
+      <p:sp>
+        <p:nvSpPr>
+          <p:cNvPr id="3" name="内容占位符 2"/>
+          <p:cNvSpPr>
+            <a:spLocks noGrp="1"/>
+          </p:cNvSpPr>
+          <p:nvPr>
+            <p:ph idx="1"/>
+          </p:nvPr>
+        </p:nvSpPr>
+        <p:spPr/>
+        <p:txBody>
+          <a:bodyPr/>
+          <a:p>
+            <a:r>
+              <a:rPr lang="en-US" altLang="zh-CN"/>
+              <a:t>motivations</a:t>
+            </a:r>
+            <a:endParaRPr lang="en-US" altLang="zh-CN"/>
+          </a:p>
+          <a:p>
+            <a:pPr lvl="1"/>
+            <a:r>
+              <a:rPr lang="en-US" altLang="zh-CN"/>
+              <a:t> a better definition of bundles to formalize the operational semantic protocol steps</a:t>
+            </a:r>
+            <a:endParaRPr lang="en-US" altLang="zh-CN"/>
+          </a:p>
+          <a:p>
+            <a:pPr lvl="1"/>
+            <a:r>
+              <a:rPr lang="en-US" altLang="zh-CN"/>
+              <a:t>many definitions and proofs of the strand space method are informal and complicated(rule induction)</a:t>
+            </a:r>
+            <a:endParaRPr lang="en-US" altLang="zh-CN"/>
+          </a:p>
+          <a:p>
+            <a:pPr lvl="1"/>
+            <a:r>
+              <a:rPr lang="en-US" altLang="zh-CN"/>
+              <a:t>proofs of authentication tests are extremely complicated</a:t>
+            </a:r>
+            <a:endParaRPr lang="en-US" altLang="zh-CN"/>
+          </a:p>
+          <a:p>
+            <a:pPr lvl="1"/>
+            <a:endParaRPr lang="en-US" altLang="zh-CN"/>
           </a:p>
         </p:txBody>
       </p:sp>

--- a/notes7-strand space.pptx
+++ b/notes7-strand space.pptx
@@ -20,6 +20,13 @@
     <p:sldId id="268" r:id="rId15"/>
     <p:sldId id="269" r:id="rId16"/>
     <p:sldId id="270" r:id="rId17"/>
+    <p:sldId id="271" r:id="rId18"/>
+    <p:sldId id="272" r:id="rId19"/>
+    <p:sldId id="273" r:id="rId20"/>
+    <p:sldId id="274" r:id="rId21"/>
+    <p:sldId id="275" r:id="rId22"/>
+    <p:sldId id="276" r:id="rId23"/>
+    <p:sldId id="277" r:id="rId24"/>
   </p:sldIdLst>
   <p:sldSz cx="12192000" cy="6858000"/>
   <p:notesSz cx="6858000" cy="9144000"/>
@@ -3592,7 +3599,15 @@
           <a:p>
             <a:r>
               <a:rPr lang="zh-CN" altLang="en-US"/>
-              <a:t>Motivations and contributions</a:t>
+              <a:t>Motivations and </a:t>
+            </a:r>
+            <a:r>
+              <a:rPr lang="en-US" altLang="zh-CN"/>
+              <a:t>C</a:t>
+            </a:r>
+            <a:r>
+              <a:rPr lang="zh-CN" altLang="en-US"/>
+              <a:t>ontributions</a:t>
             </a:r>
             <a:endParaRPr lang="zh-CN" altLang="en-US"/>
           </a:p>
@@ -3648,6 +3663,451 @@
           </a:p>
         </p:txBody>
       </p:sp>
+    </p:spTree>
+  </p:cSld>
+  <p:clrMapOvr>
+    <a:masterClrMapping/>
+  </p:clrMapOvr>
+</p:sld>
+</file>
+
+<file path=ppt/slides/slide16.xml><?xml version="1.0" encoding="utf-8"?>
+<p:sld xmlns:a="http://schemas.openxmlformats.org/drawingml/2006/main" xmlns:r="http://schemas.openxmlformats.org/officeDocument/2006/relationships" xmlns:p="http://schemas.openxmlformats.org/presentationml/2006/main">
+  <p:cSld>
+    <p:spTree>
+      <p:nvGrpSpPr>
+        <p:cNvPr id="1" name=""/>
+        <p:cNvGrpSpPr/>
+        <p:nvPr/>
+      </p:nvGrpSpPr>
+      <p:grpSpPr/>
+      <p:sp>
+        <p:nvSpPr>
+          <p:cNvPr id="2" name="Title 1"/>
+          <p:cNvSpPr>
+            <a:spLocks noGrp="1"/>
+          </p:cNvSpPr>
+          <p:nvPr>
+            <p:ph type="title"/>
+          </p:nvPr>
+        </p:nvSpPr>
+        <p:spPr/>
+        <p:txBody>
+          <a:bodyPr/>
+          <a:p>
+            <a:r>
+              <a:rPr lang="zh-CN" altLang="en-US">
+                <a:sym typeface="+mn-ea"/>
+              </a:rPr>
+              <a:t>Motivations and </a:t>
+            </a:r>
+            <a:r>
+              <a:rPr lang="en-US" altLang="zh-CN">
+                <a:sym typeface="+mn-ea"/>
+              </a:rPr>
+              <a:t>C</a:t>
+            </a:r>
+            <a:r>
+              <a:rPr lang="zh-CN" altLang="en-US">
+                <a:sym typeface="+mn-ea"/>
+              </a:rPr>
+              <a:t>ontributions</a:t>
+            </a:r>
+            <a:endParaRPr lang="en-US"/>
+          </a:p>
+        </p:txBody>
+      </p:sp>
+      <p:sp>
+        <p:nvSpPr>
+          <p:cNvPr id="3" name="Content Placeholder 2"/>
+          <p:cNvSpPr>
+            <a:spLocks noGrp="1"/>
+          </p:cNvSpPr>
+          <p:nvPr>
+            <p:ph idx="1"/>
+          </p:nvPr>
+        </p:nvSpPr>
+        <p:spPr/>
+        <p:txBody>
+          <a:bodyPr/>
+          <a:p>
+            <a:r>
+              <a:rPr lang="zh-CN" altLang="en-US">
+                <a:sym typeface="+mn-ea"/>
+              </a:rPr>
+              <a:t>contributions</a:t>
+            </a:r>
+            <a:endParaRPr lang="zh-CN" altLang="en-US">
+              <a:sym typeface="+mn-ea"/>
+            </a:endParaRPr>
+          </a:p>
+          <a:p>
+            <a:pPr lvl="1"/>
+            <a:r>
+              <a:rPr lang="zh-CN" altLang="en-US">
+                <a:sym typeface="+mn-ea"/>
+              </a:rPr>
+              <a:t>improve the strand space theory</a:t>
+            </a:r>
+            <a:endParaRPr lang="zh-CN" altLang="en-US">
+              <a:sym typeface="+mn-ea"/>
+            </a:endParaRPr>
+          </a:p>
+          <a:p>
+            <a:pPr lvl="2"/>
+            <a:r>
+              <a:rPr lang="en-US"/>
+              <a:t>inductive definition for bundles</a:t>
+            </a:r>
+            <a:endParaRPr lang="en-US"/>
+          </a:p>
+          <a:p>
+            <a:pPr lvl="2"/>
+            <a:r>
+              <a:rPr lang="en-US"/>
+              <a:t>redefine the subterm relation and introduce test suite formally</a:t>
+            </a:r>
+            <a:endParaRPr lang="en-US"/>
+          </a:p>
+          <a:p>
+            <a:pPr lvl="2"/>
+            <a:r>
+              <a:rPr lang="en-US"/>
+              <a:t>A generalized version of authentication tests </a:t>
+            </a:r>
+            <a:endParaRPr lang="en-US"/>
+          </a:p>
+          <a:p>
+            <a:pPr lvl="1"/>
+            <a:r>
+              <a:rPr lang="en-US"/>
+              <a:t>formalize the newly extended strand space theory in a theorem prover</a:t>
+            </a:r>
+            <a:endParaRPr lang="en-US" sz="2400"/>
+          </a:p>
+          <a:p>
+            <a:pPr lvl="2"/>
+            <a:r>
+              <a:rPr lang="en-US"/>
+              <a:t>A formal theory </a:t>
+            </a:r>
+            <a:r>
+              <a:rPr lang="en-US" i="1"/>
+              <a:t>strand.thy </a:t>
+            </a:r>
+            <a:r>
+              <a:rPr lang="en-US"/>
+              <a:t>in Isabelle/HOL</a:t>
+            </a:r>
+            <a:endParaRPr lang="en-US"/>
+          </a:p>
+          <a:p>
+            <a:pPr lvl="2"/>
+            <a:r>
+              <a:rPr lang="en-US"/>
+              <a:t>applicable generally for real-world protocol analysis</a:t>
+            </a:r>
+            <a:endParaRPr lang="en-US"/>
+          </a:p>
+          <a:p>
+            <a:pPr lvl="1"/>
+            <a:endParaRPr lang="en-US"/>
+          </a:p>
+        </p:txBody>
+      </p:sp>
+    </p:spTree>
+  </p:cSld>
+  <p:clrMapOvr>
+    <a:masterClrMapping/>
+  </p:clrMapOvr>
+</p:sld>
+</file>
+
+<file path=ppt/slides/slide17.xml><?xml version="1.0" encoding="utf-8"?>
+<p:sld xmlns:a="http://schemas.openxmlformats.org/drawingml/2006/main" xmlns:r="http://schemas.openxmlformats.org/officeDocument/2006/relationships" xmlns:p="http://schemas.openxmlformats.org/presentationml/2006/main">
+  <p:cSld>
+    <p:spTree>
+      <p:nvGrpSpPr>
+        <p:cNvPr id="1" name=""/>
+        <p:cNvGrpSpPr/>
+        <p:nvPr/>
+      </p:nvGrpSpPr>
+      <p:grpSpPr/>
+      <p:sp>
+        <p:nvSpPr>
+          <p:cNvPr id="2" name="Title 1"/>
+          <p:cNvSpPr>
+            <a:spLocks noGrp="1"/>
+          </p:cNvSpPr>
+          <p:nvPr>
+            <p:ph type="title"/>
+          </p:nvPr>
+        </p:nvSpPr>
+        <p:spPr/>
+        <p:txBody>
+          <a:bodyPr/>
+          <a:p>
+            <a:r>
+              <a:rPr lang="en-US"/>
+              <a:t>A formalized strand space theory in Isabelle</a:t>
+            </a:r>
+            <a:endParaRPr lang="en-US"/>
+          </a:p>
+        </p:txBody>
+      </p:sp>
+      <p:sp>
+        <p:nvSpPr>
+          <p:cNvPr id="3" name="Content Placeholder 2"/>
+          <p:cNvSpPr>
+            <a:spLocks noGrp="1"/>
+          </p:cNvSpPr>
+          <p:nvPr>
+            <p:ph sz="half" idx="1"/>
+          </p:nvPr>
+        </p:nvSpPr>
+        <p:spPr/>
+        <p:txBody>
+          <a:bodyPr/>
+          <a:p>
+            <a:r>
+              <a:rPr lang="en-US"/>
+              <a:t>Messages</a:t>
+            </a:r>
+            <a:endParaRPr lang="en-US"/>
+          </a:p>
+          <a:p>
+            <a:endParaRPr lang="en-US"/>
+          </a:p>
+          <a:p>
+            <a:endParaRPr lang="en-US"/>
+          </a:p>
+          <a:p>
+            <a:endParaRPr lang="en-US"/>
+          </a:p>
+          <a:p>
+            <a:pPr marL="0" indent="0">
+              <a:buNone/>
+            </a:pPr>
+            <a:endParaRPr lang="en-US"/>
+          </a:p>
+          <a:p>
+            <a:pPr lvl="1"/>
+            <a:endParaRPr lang="en-US"/>
+          </a:p>
+        </p:txBody>
+      </p:sp>
+      <p:pic>
+        <p:nvPicPr>
+          <p:cNvPr id="4" name="Content Placeholder 3"/>
+          <p:cNvPicPr>
+            <a:picLocks noChangeAspect="1"/>
+          </p:cNvPicPr>
+          <p:nvPr>
+            <p:ph sz="half" idx="2"/>
+          </p:nvPr>
+        </p:nvPicPr>
+        <p:blipFill>
+          <a:blip r:embed="rId1">
+            <a:lum bright="-12000" contrast="24000"/>
+          </a:blip>
+          <a:stretch>
+            <a:fillRect/>
+          </a:stretch>
+        </p:blipFill>
+        <p:spPr>
+          <a:xfrm>
+            <a:off x="1709420" y="2388235"/>
+            <a:ext cx="6256020" cy="1193800"/>
+          </a:xfrm>
+          <a:prstGeom prst="rect">
+            <a:avLst/>
+          </a:prstGeom>
+        </p:spPr>
+      </p:pic>
+    </p:spTree>
+  </p:cSld>
+  <p:clrMapOvr>
+    <a:masterClrMapping/>
+  </p:clrMapOvr>
+</p:sld>
+</file>
+
+<file path=ppt/slides/slide18.xml><?xml version="1.0" encoding="utf-8"?>
+<p:sld xmlns:a="http://schemas.openxmlformats.org/drawingml/2006/main" xmlns:r="http://schemas.openxmlformats.org/officeDocument/2006/relationships" xmlns:p="http://schemas.openxmlformats.org/presentationml/2006/main">
+  <p:cSld>
+    <p:spTree>
+      <p:nvGrpSpPr>
+        <p:cNvPr id="1" name=""/>
+        <p:cNvGrpSpPr/>
+        <p:nvPr/>
+      </p:nvGrpSpPr>
+      <p:grpSpPr/>
+      <p:sp>
+        <p:nvSpPr>
+          <p:cNvPr id="5" name="Title 4"/>
+          <p:cNvSpPr>
+            <a:spLocks noGrp="1"/>
+          </p:cNvSpPr>
+          <p:nvPr>
+            <p:ph type="title"/>
+          </p:nvPr>
+        </p:nvSpPr>
+        <p:spPr/>
+        <p:txBody>
+          <a:bodyPr/>
+          <a:p>
+            <a:r>
+              <a:rPr lang="en-US">
+                <a:sym typeface="+mn-ea"/>
+              </a:rPr>
+              <a:t>A formalized strand space theory in Isabelle</a:t>
+            </a:r>
+            <a:endParaRPr lang="en-US"/>
+          </a:p>
+        </p:txBody>
+      </p:sp>
+      <p:sp>
+        <p:nvSpPr>
+          <p:cNvPr id="6" name="Content Placeholder 5"/>
+          <p:cNvSpPr>
+            <a:spLocks noGrp="1"/>
+          </p:cNvSpPr>
+          <p:nvPr>
+            <p:ph sz="half" idx="1"/>
+          </p:nvPr>
+        </p:nvSpPr>
+        <p:spPr/>
+        <p:txBody>
+          <a:bodyPr/>
+          <a:p>
+            <a:r>
+              <a:rPr lang="en-US"/>
+              <a:t>parts and synth operators</a:t>
+            </a:r>
+            <a:endParaRPr lang="en-US"/>
+          </a:p>
+        </p:txBody>
+      </p:sp>
+      <p:pic>
+        <p:nvPicPr>
+          <p:cNvPr id="7" name="Content Placeholder 6"/>
+          <p:cNvPicPr>
+            <a:picLocks noChangeAspect="1"/>
+          </p:cNvPicPr>
+          <p:nvPr>
+            <p:ph sz="half" idx="2"/>
+          </p:nvPr>
+        </p:nvPicPr>
+        <p:blipFill>
+          <a:blip r:embed="rId1">
+            <a:lum bright="-12000" contrast="24000"/>
+          </a:blip>
+          <a:stretch>
+            <a:fillRect/>
+          </a:stretch>
+        </p:blipFill>
+        <p:spPr>
+          <a:xfrm>
+            <a:off x="1129030" y="2528570"/>
+            <a:ext cx="7046595" cy="2449195"/>
+          </a:xfrm>
+          <a:prstGeom prst="rect">
+            <a:avLst/>
+          </a:prstGeom>
+        </p:spPr>
+      </p:pic>
+    </p:spTree>
+  </p:cSld>
+  <p:clrMapOvr>
+    <a:masterClrMapping/>
+  </p:clrMapOvr>
+</p:sld>
+</file>
+
+<file path=ppt/slides/slide19.xml><?xml version="1.0" encoding="utf-8"?>
+<p:sld xmlns:a="http://schemas.openxmlformats.org/drawingml/2006/main" xmlns:r="http://schemas.openxmlformats.org/officeDocument/2006/relationships" xmlns:p="http://schemas.openxmlformats.org/presentationml/2006/main">
+  <p:cSld>
+    <p:spTree>
+      <p:nvGrpSpPr>
+        <p:cNvPr id="1" name=""/>
+        <p:cNvGrpSpPr/>
+        <p:nvPr/>
+      </p:nvGrpSpPr>
+      <p:grpSpPr/>
+      <p:sp>
+        <p:nvSpPr>
+          <p:cNvPr id="5" name="Title 4"/>
+          <p:cNvSpPr>
+            <a:spLocks noGrp="1"/>
+          </p:cNvSpPr>
+          <p:nvPr>
+            <p:ph type="title"/>
+          </p:nvPr>
+        </p:nvSpPr>
+        <p:spPr/>
+        <p:txBody>
+          <a:bodyPr/>
+          <a:p>
+            <a:r>
+              <a:rPr lang="en-US">
+                <a:sym typeface="+mn-ea"/>
+              </a:rPr>
+              <a:t>A formalized strand space theory in Isabelle</a:t>
+            </a:r>
+            <a:endParaRPr lang="en-US"/>
+          </a:p>
+        </p:txBody>
+      </p:sp>
+      <p:sp>
+        <p:nvSpPr>
+          <p:cNvPr id="6" name="Content Placeholder 5"/>
+          <p:cNvSpPr>
+            <a:spLocks noGrp="1"/>
+          </p:cNvSpPr>
+          <p:nvPr>
+            <p:ph sz="half" idx="1"/>
+          </p:nvPr>
+        </p:nvSpPr>
+        <p:spPr/>
+        <p:txBody>
+          <a:bodyPr/>
+          <a:p>
+            <a:r>
+              <a:rPr lang="en-US"/>
+              <a:t>Strands and strand spaces</a:t>
+            </a:r>
+            <a:endParaRPr lang="en-US"/>
+          </a:p>
+        </p:txBody>
+      </p:sp>
+      <p:pic>
+        <p:nvPicPr>
+          <p:cNvPr id="7" name="Content Placeholder 6"/>
+          <p:cNvPicPr>
+            <a:picLocks noChangeAspect="1"/>
+          </p:cNvPicPr>
+          <p:nvPr>
+            <p:ph sz="half" idx="2"/>
+          </p:nvPr>
+        </p:nvPicPr>
+        <p:blipFill>
+          <a:blip r:embed="rId1">
+            <a:lum bright="-12000" contrast="24000"/>
+          </a:blip>
+          <a:stretch>
+            <a:fillRect/>
+          </a:stretch>
+        </p:blipFill>
+        <p:spPr>
+          <a:xfrm>
+            <a:off x="1516380" y="2776220"/>
+            <a:ext cx="7024370" cy="2084070"/>
+          </a:xfrm>
+          <a:prstGeom prst="rect">
+            <a:avLst/>
+          </a:prstGeom>
+        </p:spPr>
+      </p:pic>
     </p:spTree>
   </p:cSld>
   <p:clrMapOvr>
@@ -3738,6 +4198,292 @@
               <a:rPr lang="en-US"/>
               <a:t>the strand space method</a:t>
             </a:r>
+            <a:endParaRPr lang="en-US"/>
+          </a:p>
+        </p:txBody>
+      </p:sp>
+    </p:spTree>
+  </p:cSld>
+  <p:clrMapOvr>
+    <a:masterClrMapping/>
+  </p:clrMapOvr>
+</p:sld>
+</file>
+
+<file path=ppt/slides/slide20.xml><?xml version="1.0" encoding="utf-8"?>
+<p:sld xmlns:a="http://schemas.openxmlformats.org/drawingml/2006/main" xmlns:r="http://schemas.openxmlformats.org/officeDocument/2006/relationships" xmlns:p="http://schemas.openxmlformats.org/presentationml/2006/main">
+  <p:cSld>
+    <p:spTree>
+      <p:nvGrpSpPr>
+        <p:cNvPr id="1" name=""/>
+        <p:cNvGrpSpPr/>
+        <p:nvPr/>
+      </p:nvGrpSpPr>
+      <p:grpSpPr/>
+      <p:sp>
+        <p:nvSpPr>
+          <p:cNvPr id="5" name="Title 4"/>
+          <p:cNvSpPr>
+            <a:spLocks noGrp="1"/>
+          </p:cNvSpPr>
+          <p:nvPr>
+            <p:ph type="title"/>
+          </p:nvPr>
+        </p:nvSpPr>
+        <p:spPr/>
+        <p:txBody>
+          <a:bodyPr/>
+          <a:p>
+            <a:r>
+              <a:rPr lang="en-US">
+                <a:sym typeface="+mn-ea"/>
+              </a:rPr>
+              <a:t>A formalized strand space theory in Isabelle</a:t>
+            </a:r>
+            <a:endParaRPr lang="en-US"/>
+          </a:p>
+        </p:txBody>
+      </p:sp>
+      <p:sp>
+        <p:nvSpPr>
+          <p:cNvPr id="6" name="Content Placeholder 5"/>
+          <p:cNvSpPr>
+            <a:spLocks noGrp="1"/>
+          </p:cNvSpPr>
+          <p:nvPr>
+            <p:ph idx="1"/>
+          </p:nvPr>
+        </p:nvSpPr>
+        <p:spPr/>
+        <p:txBody>
+          <a:bodyPr/>
+          <a:p>
+            <a:r>
+              <a:rPr lang="en-US"/>
+              <a:t>Domain: the set of all the nodes</a:t>
+            </a:r>
+            <a:endParaRPr lang="en-US"/>
+          </a:p>
+          <a:p>
+            <a:r>
+              <a:rPr lang="en-US"/>
+              <a:t>strand, index, term, sign: the operators on a node</a:t>
+            </a:r>
+            <a:endParaRPr lang="en-US"/>
+          </a:p>
+          <a:p>
+            <a:endParaRPr lang="en-US"/>
+          </a:p>
+        </p:txBody>
+      </p:sp>
+      <p:pic>
+        <p:nvPicPr>
+          <p:cNvPr id="7" name="Picture 6"/>
+          <p:cNvPicPr>
+            <a:picLocks noChangeAspect="1"/>
+          </p:cNvPicPr>
+          <p:nvPr/>
+        </p:nvPicPr>
+        <p:blipFill>
+          <a:blip r:embed="rId1">
+            <a:lum bright="-12000" contrast="24000"/>
+          </a:blip>
+          <a:stretch>
+            <a:fillRect/>
+          </a:stretch>
+        </p:blipFill>
+        <p:spPr>
+          <a:xfrm>
+            <a:off x="2453005" y="3009900"/>
+            <a:ext cx="6991350" cy="2886075"/>
+          </a:xfrm>
+          <a:prstGeom prst="rect">
+            <a:avLst/>
+          </a:prstGeom>
+        </p:spPr>
+      </p:pic>
+    </p:spTree>
+  </p:cSld>
+  <p:clrMapOvr>
+    <a:masterClrMapping/>
+  </p:clrMapOvr>
+</p:sld>
+</file>
+
+<file path=ppt/slides/slide21.xml><?xml version="1.0" encoding="utf-8"?>
+<p:sld xmlns:a="http://schemas.openxmlformats.org/drawingml/2006/main" xmlns:r="http://schemas.openxmlformats.org/officeDocument/2006/relationships" xmlns:p="http://schemas.openxmlformats.org/presentationml/2006/main">
+  <p:cSld>
+    <p:spTree>
+      <p:nvGrpSpPr>
+        <p:cNvPr id="1" name=""/>
+        <p:cNvGrpSpPr/>
+        <p:nvPr/>
+      </p:nvGrpSpPr>
+      <p:grpSpPr/>
+      <p:sp>
+        <p:nvSpPr>
+          <p:cNvPr id="2" name="Title 1"/>
+          <p:cNvSpPr>
+            <a:spLocks noGrp="1"/>
+          </p:cNvSpPr>
+          <p:nvPr>
+            <p:ph type="title"/>
+          </p:nvPr>
+        </p:nvSpPr>
+        <p:spPr/>
+        <p:txBody>
+          <a:bodyPr/>
+          <a:p>
+            <a:r>
+              <a:rPr lang="en-US">
+                <a:sym typeface="+mn-ea"/>
+              </a:rPr>
+              <a:t>A formalized strand space theory in Isabelle</a:t>
+            </a:r>
+            <a:endParaRPr lang="en-US"/>
+          </a:p>
+        </p:txBody>
+      </p:sp>
+      <p:sp>
+        <p:nvSpPr>
+          <p:cNvPr id="3" name="Content Placeholder 2"/>
+          <p:cNvSpPr>
+            <a:spLocks noGrp="1"/>
+          </p:cNvSpPr>
+          <p:nvPr>
+            <p:ph sz="half" idx="1"/>
+          </p:nvPr>
+        </p:nvSpPr>
+        <p:spPr/>
+        <p:txBody>
+          <a:bodyPr/>
+          <a:p>
+            <a:r>
+              <a:rPr lang="en-US"/>
+              <a:t>the causal relations</a:t>
+            </a:r>
+            <a:endParaRPr lang="en-US"/>
+          </a:p>
+        </p:txBody>
+      </p:sp>
+      <p:pic>
+        <p:nvPicPr>
+          <p:cNvPr id="4" name="Picture 3"/>
+          <p:cNvPicPr>
+            <a:picLocks noChangeAspect="1"/>
+          </p:cNvPicPr>
+          <p:nvPr/>
+        </p:nvPicPr>
+        <p:blipFill>
+          <a:blip r:embed="rId1"/>
+          <a:stretch>
+            <a:fillRect/>
+          </a:stretch>
+        </p:blipFill>
+        <p:spPr>
+          <a:xfrm>
+            <a:off x="4010660" y="1913255"/>
+            <a:ext cx="1209675" cy="276225"/>
+          </a:xfrm>
+          <a:prstGeom prst="rect">
+            <a:avLst/>
+          </a:prstGeom>
+        </p:spPr>
+      </p:pic>
+      <p:pic>
+        <p:nvPicPr>
+          <p:cNvPr id="5" name="Content Placeholder 4"/>
+          <p:cNvPicPr>
+            <a:picLocks noChangeAspect="1"/>
+          </p:cNvPicPr>
+          <p:nvPr>
+            <p:ph sz="half" idx="2"/>
+          </p:nvPr>
+        </p:nvPicPr>
+        <p:blipFill>
+          <a:blip r:embed="rId2">
+            <a:lum bright="-12000" contrast="24000"/>
+          </a:blip>
+          <a:stretch>
+            <a:fillRect/>
+          </a:stretch>
+        </p:blipFill>
+        <p:spPr>
+          <a:xfrm>
+            <a:off x="1870075" y="2559685"/>
+            <a:ext cx="7435850" cy="3190875"/>
+          </a:xfrm>
+          <a:prstGeom prst="rect">
+            <a:avLst/>
+          </a:prstGeom>
+        </p:spPr>
+      </p:pic>
+    </p:spTree>
+  </p:cSld>
+  <p:clrMapOvr>
+    <a:masterClrMapping/>
+  </p:clrMapOvr>
+</p:sld>
+</file>
+
+<file path=ppt/slides/slide22.xml><?xml version="1.0" encoding="utf-8"?>
+<p:sld xmlns:a="http://schemas.openxmlformats.org/drawingml/2006/main" xmlns:r="http://schemas.openxmlformats.org/officeDocument/2006/relationships" xmlns:p="http://schemas.openxmlformats.org/presentationml/2006/main">
+  <p:cSld>
+    <p:spTree>
+      <p:nvGrpSpPr>
+        <p:cNvPr id="1" name=""/>
+        <p:cNvGrpSpPr/>
+        <p:nvPr/>
+      </p:nvGrpSpPr>
+      <p:grpSpPr/>
+      <p:sp>
+        <p:nvSpPr>
+          <p:cNvPr id="5" name="Title 4"/>
+          <p:cNvSpPr>
+            <a:spLocks noGrp="1"/>
+          </p:cNvSpPr>
+          <p:nvPr>
+            <p:ph type="title"/>
+          </p:nvPr>
+        </p:nvSpPr>
+        <p:spPr/>
+        <p:txBody>
+          <a:bodyPr/>
+          <a:p>
+            <a:r>
+              <a:rPr lang="en-US">
+                <a:sym typeface="+mn-ea"/>
+              </a:rPr>
+              <a:t>A formalized strand space theory in Isabelle</a:t>
+            </a:r>
+            <a:endParaRPr lang="en-US"/>
+          </a:p>
+        </p:txBody>
+      </p:sp>
+      <p:sp>
+        <p:nvSpPr>
+          <p:cNvPr id="6" name="Content Placeholder 5"/>
+          <p:cNvSpPr>
+            <a:spLocks noGrp="1"/>
+          </p:cNvSpPr>
+          <p:nvPr>
+            <p:ph idx="1"/>
+          </p:nvPr>
+        </p:nvSpPr>
+        <p:spPr/>
+        <p:txBody>
+          <a:bodyPr/>
+          <a:p>
+            <a:r>
+              <a:rPr lang="en-US"/>
+              <a:t>Bundles</a:t>
+            </a:r>
+            <a:endParaRPr lang="en-US"/>
+          </a:p>
+          <a:p>
+            <a:pPr marL="457200" lvl="1" indent="0">
+              <a:buNone/>
+            </a:pPr>
             <a:endParaRPr lang="en-US"/>
           </a:p>
         </p:txBody>

--- a/notes7-strand space.pptx
+++ b/notes7-strand space.pptx
@@ -4,6 +4,9 @@
   <p:sldMasterIdLst>
     <p:sldMasterId id="2147483648" r:id="rId1"/>
   </p:sldMasterIdLst>
+  <p:notesMasterIdLst>
+    <p:notesMasterId r:id="rId25"/>
+  </p:notesMasterIdLst>
   <p:sldIdLst>
     <p:sldId id="256" r:id="rId3"/>
     <p:sldId id="257" r:id="rId4"/>
@@ -27,6 +30,13 @@
     <p:sldId id="275" r:id="rId22"/>
     <p:sldId id="276" r:id="rId23"/>
     <p:sldId id="277" r:id="rId24"/>
+    <p:sldId id="278" r:id="rId26"/>
+    <p:sldId id="279" r:id="rId27"/>
+    <p:sldId id="280" r:id="rId28"/>
+    <p:sldId id="281" r:id="rId29"/>
+    <p:sldId id="282" r:id="rId30"/>
+    <p:sldId id="283" r:id="rId31"/>
+    <p:sldId id="284" r:id="rId32"/>
   </p:sldIdLst>
   <p:sldSz cx="12192000" cy="6858000"/>
   <p:notesSz cx="6858000" cy="9144000"/>
@@ -126,6 +136,397 @@
     </a:lvl9pPr>
   </p:defaultTextStyle>
 </p:presentation>
+</file>
+
+<file path=ppt/notesMasters/notesMaster1.xml><?xml version="1.0" encoding="utf-8"?>
+<p:notesMaster xmlns:a="http://schemas.openxmlformats.org/drawingml/2006/main" xmlns:r="http://schemas.openxmlformats.org/officeDocument/2006/relationships" xmlns:p="http://schemas.openxmlformats.org/presentationml/2006/main">
+  <p:cSld>
+    <p:bg>
+      <p:bgRef idx="1001">
+        <a:schemeClr val="bg1"/>
+      </p:bgRef>
+    </p:bg>
+    <p:spTree>
+      <p:nvGrpSpPr>
+        <p:cNvPr id="1" name=""/>
+        <p:cNvGrpSpPr/>
+        <p:nvPr/>
+      </p:nvGrpSpPr>
+      <p:grpSpPr>
+        <a:xfrm>
+          <a:off x="0" y="0"/>
+          <a:ext cx="0" cy="0"/>
+          <a:chOff x="0" y="0"/>
+          <a:chExt cx="0" cy="0"/>
+        </a:xfrm>
+      </p:grpSpPr>
+      <p:sp>
+        <p:nvSpPr>
+          <p:cNvPr id="2" name="Header Placeholder 1"/>
+          <p:cNvSpPr>
+            <a:spLocks noGrp="1"/>
+          </p:cNvSpPr>
+          <p:nvPr>
+            <p:ph type="hdr" sz="quarter"/>
+          </p:nvPr>
+        </p:nvSpPr>
+        <p:spPr>
+          <a:xfrm>
+            <a:off x="0" y="0"/>
+            <a:ext cx="2971800" cy="458788"/>
+          </a:xfrm>
+          <a:prstGeom prst="rect">
+            <a:avLst/>
+          </a:prstGeom>
+        </p:spPr>
+        <p:txBody>
+          <a:bodyPr vert="horz" lIns="91440" tIns="45720" rIns="91440" bIns="45720" rtlCol="0"/>
+          <a:lstStyle>
+            <a:lvl1pPr algn="l">
+              <a:defRPr sz="1200"/>
+            </a:lvl1pPr>
+          </a:lstStyle>
+          <a:p>
+            <a:endParaRPr lang="en-US"/>
+          </a:p>
+        </p:txBody>
+      </p:sp>
+      <p:sp>
+        <p:nvSpPr>
+          <p:cNvPr id="3" name="Date Placeholder 2"/>
+          <p:cNvSpPr>
+            <a:spLocks noGrp="1"/>
+          </p:cNvSpPr>
+          <p:nvPr>
+            <p:ph type="dt" idx="1"/>
+          </p:nvPr>
+        </p:nvSpPr>
+        <p:spPr>
+          <a:xfrm>
+            <a:off x="3884613" y="0"/>
+            <a:ext cx="2971800" cy="458788"/>
+          </a:xfrm>
+          <a:prstGeom prst="rect">
+            <a:avLst/>
+          </a:prstGeom>
+        </p:spPr>
+        <p:txBody>
+          <a:bodyPr vert="horz" lIns="91440" tIns="45720" rIns="91440" bIns="45720" rtlCol="0"/>
+          <a:lstStyle>
+            <a:lvl1pPr algn="r">
+              <a:defRPr sz="1200"/>
+            </a:lvl1pPr>
+          </a:lstStyle>
+          <a:p>
+            <a:fld id="{3EFD42F7-718C-4B98-AAEC-167E6DDD60A7}" type="datetimeFigureOut">
+              <a:rPr lang="en-US" smtClean="0"/>
+            </a:fld>
+            <a:endParaRPr lang="en-US"/>
+          </a:p>
+        </p:txBody>
+      </p:sp>
+      <p:sp>
+        <p:nvSpPr>
+          <p:cNvPr id="4" name="Slide Image Placeholder 3"/>
+          <p:cNvSpPr>
+            <a:spLocks noGrp="1" noRot="1" noChangeAspect="1"/>
+          </p:cNvSpPr>
+          <p:nvPr>
+            <p:ph type="sldImg" idx="2"/>
+          </p:nvPr>
+        </p:nvSpPr>
+        <p:spPr>
+          <a:xfrm>
+            <a:off x="685800" y="1143000"/>
+            <a:ext cx="5486400" cy="3086100"/>
+          </a:xfrm>
+          <a:prstGeom prst="rect">
+            <a:avLst/>
+          </a:prstGeom>
+          <a:noFill/>
+          <a:ln w="12700">
+            <a:solidFill>
+              <a:prstClr val="black"/>
+            </a:solidFill>
+          </a:ln>
+        </p:spPr>
+        <p:txBody>
+          <a:bodyPr vert="horz" lIns="91440" tIns="45720" rIns="91440" bIns="45720" rtlCol="0" anchor="ctr"/>
+          <a:lstStyle/>
+          <a:p>
+            <a:endParaRPr lang="en-US"/>
+          </a:p>
+        </p:txBody>
+      </p:sp>
+      <p:sp>
+        <p:nvSpPr>
+          <p:cNvPr id="5" name="Notes Placeholder 4"/>
+          <p:cNvSpPr>
+            <a:spLocks noGrp="1"/>
+          </p:cNvSpPr>
+          <p:nvPr>
+            <p:ph type="body" sz="quarter" idx="3"/>
+          </p:nvPr>
+        </p:nvSpPr>
+        <p:spPr>
+          <a:xfrm>
+            <a:off x="685800" y="4400550"/>
+            <a:ext cx="5486400" cy="3600450"/>
+          </a:xfrm>
+          <a:prstGeom prst="rect">
+            <a:avLst/>
+          </a:prstGeom>
+        </p:spPr>
+        <p:txBody>
+          <a:bodyPr vert="horz" lIns="91440" tIns="45720" rIns="91440" bIns="45720" rtlCol="0"/>
+          <a:lstStyle/>
+          <a:p>
+            <a:pPr lvl="0"/>
+            <a:r>
+              <a:rPr lang="en-US" smtClean="0"/>
+              <a:t>Click to edit Master text styles</a:t>
+            </a:r>
+            <a:endParaRPr lang="en-US" smtClean="0"/>
+          </a:p>
+          <a:p>
+            <a:pPr lvl="1"/>
+            <a:r>
+              <a:rPr lang="en-US" smtClean="0"/>
+              <a:t>Second level</a:t>
+            </a:r>
+            <a:endParaRPr lang="en-US" smtClean="0"/>
+          </a:p>
+          <a:p>
+            <a:pPr lvl="2"/>
+            <a:r>
+              <a:rPr lang="en-US" smtClean="0"/>
+              <a:t>Third level</a:t>
+            </a:r>
+            <a:endParaRPr lang="en-US" smtClean="0"/>
+          </a:p>
+          <a:p>
+            <a:pPr lvl="3"/>
+            <a:r>
+              <a:rPr lang="en-US" smtClean="0"/>
+              <a:t>Fourth level</a:t>
+            </a:r>
+            <a:endParaRPr lang="en-US" smtClean="0"/>
+          </a:p>
+          <a:p>
+            <a:pPr lvl="4"/>
+            <a:r>
+              <a:rPr lang="en-US" smtClean="0"/>
+              <a:t>Fifth level</a:t>
+            </a:r>
+            <a:endParaRPr lang="en-US"/>
+          </a:p>
+        </p:txBody>
+      </p:sp>
+      <p:sp>
+        <p:nvSpPr>
+          <p:cNvPr id="6" name="Footer Placeholder 5"/>
+          <p:cNvSpPr>
+            <a:spLocks noGrp="1"/>
+          </p:cNvSpPr>
+          <p:nvPr>
+            <p:ph type="ftr" sz="quarter" idx="4"/>
+          </p:nvPr>
+        </p:nvSpPr>
+        <p:spPr>
+          <a:xfrm>
+            <a:off x="0" y="8685213"/>
+            <a:ext cx="2971800" cy="458787"/>
+          </a:xfrm>
+          <a:prstGeom prst="rect">
+            <a:avLst/>
+          </a:prstGeom>
+        </p:spPr>
+        <p:txBody>
+          <a:bodyPr vert="horz" lIns="91440" tIns="45720" rIns="91440" bIns="45720" rtlCol="0" anchor="b"/>
+          <a:lstStyle>
+            <a:lvl1pPr algn="l">
+              <a:defRPr sz="1200"/>
+            </a:lvl1pPr>
+          </a:lstStyle>
+          <a:p>
+            <a:endParaRPr lang="en-US"/>
+          </a:p>
+        </p:txBody>
+      </p:sp>
+      <p:sp>
+        <p:nvSpPr>
+          <p:cNvPr id="7" name="Slide Number Placeholder 6"/>
+          <p:cNvSpPr>
+            <a:spLocks noGrp="1"/>
+          </p:cNvSpPr>
+          <p:nvPr>
+            <p:ph type="sldNum" sz="quarter" idx="5"/>
+          </p:nvPr>
+        </p:nvSpPr>
+        <p:spPr>
+          <a:xfrm>
+            <a:off x="3884613" y="8685213"/>
+            <a:ext cx="2971800" cy="458787"/>
+          </a:xfrm>
+          <a:prstGeom prst="rect">
+            <a:avLst/>
+          </a:prstGeom>
+        </p:spPr>
+        <p:txBody>
+          <a:bodyPr vert="horz" lIns="91440" tIns="45720" rIns="91440" bIns="45720" rtlCol="0" anchor="b"/>
+          <a:lstStyle>
+            <a:lvl1pPr algn="r">
+              <a:defRPr sz="1200"/>
+            </a:lvl1pPr>
+          </a:lstStyle>
+          <a:p>
+            <a:fld id="{21B2AA4F-B828-4D7C-AFD3-893933DAFCB4}" type="slidenum">
+              <a:rPr lang="en-US" smtClean="0"/>
+            </a:fld>
+            <a:endParaRPr lang="en-US"/>
+          </a:p>
+        </p:txBody>
+      </p:sp>
+    </p:spTree>
+  </p:cSld>
+  <p:clrMap bg1="lt1" tx1="dk1" bg2="lt2" tx2="dk2" accent1="accent1" accent2="accent2" accent3="accent3" accent4="accent4" accent5="accent5" accent6="accent6" hlink="hlink" folHlink="folHlink"/>
+  <p:notesStyle>
+    <a:lvl1pPr marL="0" algn="l" defTabSz="914400" rtl="0" eaLnBrk="1" latinLnBrk="0" hangingPunct="1">
+      <a:defRPr sz="1200" kern="1200">
+        <a:solidFill>
+          <a:schemeClr val="tx1"/>
+        </a:solidFill>
+        <a:latin typeface="+mn-lt"/>
+        <a:ea typeface="+mn-ea"/>
+        <a:cs typeface="+mn-cs"/>
+      </a:defRPr>
+    </a:lvl1pPr>
+    <a:lvl2pPr marL="457200" algn="l" defTabSz="914400" rtl="0" eaLnBrk="1" latinLnBrk="0" hangingPunct="1">
+      <a:defRPr sz="1200" kern="1200">
+        <a:solidFill>
+          <a:schemeClr val="tx1"/>
+        </a:solidFill>
+        <a:latin typeface="+mn-lt"/>
+        <a:ea typeface="+mn-ea"/>
+        <a:cs typeface="+mn-cs"/>
+      </a:defRPr>
+    </a:lvl2pPr>
+    <a:lvl3pPr marL="914400" algn="l" defTabSz="914400" rtl="0" eaLnBrk="1" latinLnBrk="0" hangingPunct="1">
+      <a:defRPr sz="1200" kern="1200">
+        <a:solidFill>
+          <a:schemeClr val="tx1"/>
+        </a:solidFill>
+        <a:latin typeface="+mn-lt"/>
+        <a:ea typeface="+mn-ea"/>
+        <a:cs typeface="+mn-cs"/>
+      </a:defRPr>
+    </a:lvl3pPr>
+    <a:lvl4pPr marL="1371600" algn="l" defTabSz="914400" rtl="0" eaLnBrk="1" latinLnBrk="0" hangingPunct="1">
+      <a:defRPr sz="1200" kern="1200">
+        <a:solidFill>
+          <a:schemeClr val="tx1"/>
+        </a:solidFill>
+        <a:latin typeface="+mn-lt"/>
+        <a:ea typeface="+mn-ea"/>
+        <a:cs typeface="+mn-cs"/>
+      </a:defRPr>
+    </a:lvl4pPr>
+    <a:lvl5pPr marL="1828800" algn="l" defTabSz="914400" rtl="0" eaLnBrk="1" latinLnBrk="0" hangingPunct="1">
+      <a:defRPr sz="1200" kern="1200">
+        <a:solidFill>
+          <a:schemeClr val="tx1"/>
+        </a:solidFill>
+        <a:latin typeface="+mn-lt"/>
+        <a:ea typeface="+mn-ea"/>
+        <a:cs typeface="+mn-cs"/>
+      </a:defRPr>
+    </a:lvl5pPr>
+    <a:lvl6pPr marL="2286000" algn="l" defTabSz="914400" rtl="0" eaLnBrk="1" latinLnBrk="0" hangingPunct="1">
+      <a:defRPr sz="1200" kern="1200">
+        <a:solidFill>
+          <a:schemeClr val="tx1"/>
+        </a:solidFill>
+        <a:latin typeface="+mn-lt"/>
+        <a:ea typeface="+mn-ea"/>
+        <a:cs typeface="+mn-cs"/>
+      </a:defRPr>
+    </a:lvl6pPr>
+    <a:lvl7pPr marL="2743200" algn="l" defTabSz="914400" rtl="0" eaLnBrk="1" latinLnBrk="0" hangingPunct="1">
+      <a:defRPr sz="1200" kern="1200">
+        <a:solidFill>
+          <a:schemeClr val="tx1"/>
+        </a:solidFill>
+        <a:latin typeface="+mn-lt"/>
+        <a:ea typeface="+mn-ea"/>
+        <a:cs typeface="+mn-cs"/>
+      </a:defRPr>
+    </a:lvl7pPr>
+    <a:lvl8pPr marL="3200400" algn="l" defTabSz="914400" rtl="0" eaLnBrk="1" latinLnBrk="0" hangingPunct="1">
+      <a:defRPr sz="1200" kern="1200">
+        <a:solidFill>
+          <a:schemeClr val="tx1"/>
+        </a:solidFill>
+        <a:latin typeface="+mn-lt"/>
+        <a:ea typeface="+mn-ea"/>
+        <a:cs typeface="+mn-cs"/>
+      </a:defRPr>
+    </a:lvl8pPr>
+    <a:lvl9pPr marL="3657600" algn="l" defTabSz="914400" rtl="0" eaLnBrk="1" latinLnBrk="0" hangingPunct="1">
+      <a:defRPr sz="1200" kern="1200">
+        <a:solidFill>
+          <a:schemeClr val="tx1"/>
+        </a:solidFill>
+        <a:latin typeface="+mn-lt"/>
+        <a:ea typeface="+mn-ea"/>
+        <a:cs typeface="+mn-cs"/>
+      </a:defRPr>
+    </a:lvl9pPr>
+  </p:notesStyle>
+</p:notesMaster>
+</file>
+
+<file path=ppt/notesSlides/notesSlide1.xml><?xml version="1.0" encoding="utf-8"?>
+<p:notes xmlns:a="http://schemas.openxmlformats.org/drawingml/2006/main" xmlns:r="http://schemas.openxmlformats.org/officeDocument/2006/relationships" xmlns:p="http://schemas.openxmlformats.org/presentationml/2006/main">
+  <p:cSld>
+    <p:spTree>
+      <p:nvGrpSpPr>
+        <p:cNvPr id="1" name=""/>
+        <p:cNvGrpSpPr/>
+        <p:nvPr/>
+      </p:nvGrpSpPr>
+      <p:grpSpPr/>
+      <p:sp>
+        <p:nvSpPr>
+          <p:cNvPr id="2" name="Slide Image Placeholder 1"/>
+          <p:cNvSpPr/>
+          <p:nvPr>
+            <p:ph type="sldImg" idx="2"/>
+          </p:nvPr>
+        </p:nvSpPr>
+        <p:spPr/>
+      </p:sp>
+      <p:sp>
+        <p:nvSpPr>
+          <p:cNvPr id="3" name="Text Placeholder 2"/>
+          <p:cNvSpPr/>
+          <p:nvPr>
+            <p:ph type="body" idx="3"/>
+          </p:nvPr>
+        </p:nvSpPr>
+        <p:spPr/>
+        <p:txBody>
+          <a:bodyPr/>
+          <a:p>
+            <a:endParaRPr lang="en-US"/>
+          </a:p>
+        </p:txBody>
+      </p:sp>
+    </p:spTree>
+  </p:cSld>
+  <p:clrMapOvr>
+    <a:masterClrMapping/>
+  </p:clrMapOvr>
+</p:notes>
 </file>
 
 <file path=ppt/slideLayouts/slideLayout1.xml><?xml version="1.0" encoding="utf-8"?>
@@ -4476,18 +4877,1196 @@
           <a:p>
             <a:r>
               <a:rPr lang="en-US"/>
-              <a:t>Bundles</a:t>
-            </a:r>
-            <a:endParaRPr lang="en-US"/>
-          </a:p>
-          <a:p>
-            <a:pPr marL="457200" lvl="1" indent="0">
-              <a:buNone/>
-            </a:pPr>
-            <a:endParaRPr lang="en-US"/>
-          </a:p>
-        </p:txBody>
-      </p:sp>
+              <a:t>Bundles——inductive definition </a:t>
+            </a:r>
+            <a:endParaRPr lang="en-US"/>
+          </a:p>
+          <a:p>
+            <a:pPr lvl="1"/>
+            <a:r>
+              <a:rPr lang="en-US"/>
+              <a:t>Rule Nil specifies an empty bundle</a:t>
+            </a:r>
+            <a:endParaRPr lang="en-US"/>
+          </a:p>
+          <a:p>
+            <a:pPr lvl="1"/>
+            <a:r>
+              <a:rPr lang="en-US"/>
+              <a:t>Rule Add_Pos1</a:t>
+            </a:r>
+            <a:endParaRPr lang="en-US"/>
+          </a:p>
+          <a:p>
+            <a:pPr lvl="1"/>
+            <a:r>
+              <a:rPr lang="en-US"/>
+              <a:t>Rule Add_Pos2</a:t>
+            </a:r>
+            <a:endParaRPr lang="en-US"/>
+          </a:p>
+          <a:p>
+            <a:pPr lvl="1"/>
+            <a:r>
+              <a:rPr lang="en-US">
+                <a:sym typeface="+mn-ea"/>
+              </a:rPr>
+              <a:t>Rule Add_Neg1</a:t>
+            </a:r>
+            <a:endParaRPr lang="en-US">
+              <a:sym typeface="+mn-ea"/>
+            </a:endParaRPr>
+          </a:p>
+          <a:p>
+            <a:pPr lvl="1"/>
+            <a:r>
+              <a:rPr lang="en-US">
+                <a:sym typeface="+mn-ea"/>
+              </a:rPr>
+              <a:t>Rule Add_Neg2</a:t>
+            </a:r>
+            <a:endParaRPr lang="en-US">
+              <a:sym typeface="+mn-ea"/>
+            </a:endParaRPr>
+          </a:p>
+          <a:p>
+            <a:pPr lvl="0"/>
+            <a:r>
+              <a:rPr lang="en-US"/>
+              <a:t>P holds for every bundles -- inductive principle</a:t>
+            </a:r>
+            <a:endParaRPr lang="en-US"/>
+          </a:p>
+          <a:p>
+            <a:pPr lvl="1"/>
+            <a:r>
+              <a:rPr lang="en-US"/>
+              <a:t>elimination rule </a:t>
+            </a:r>
+            <a:r>
+              <a:rPr lang="en-US" i="1"/>
+              <a:t>bundles.induct</a:t>
+            </a:r>
+            <a:endParaRPr lang="en-US" i="1"/>
+          </a:p>
+        </p:txBody>
+      </p:sp>
+    </p:spTree>
+  </p:cSld>
+  <p:clrMapOvr>
+    <a:masterClrMapping/>
+  </p:clrMapOvr>
+</p:sld>
+</file>
+
+<file path=ppt/slides/slide23.xml><?xml version="1.0" encoding="utf-8"?>
+<p:sld xmlns:a="http://schemas.openxmlformats.org/drawingml/2006/main" xmlns:r="http://schemas.openxmlformats.org/officeDocument/2006/relationships" xmlns:p="http://schemas.openxmlformats.org/presentationml/2006/main">
+  <p:cSld>
+    <p:spTree>
+      <p:nvGrpSpPr>
+        <p:cNvPr id="1" name=""/>
+        <p:cNvGrpSpPr/>
+        <p:nvPr/>
+      </p:nvGrpSpPr>
+      <p:grpSpPr/>
+      <p:sp>
+        <p:nvSpPr>
+          <p:cNvPr id="2" name="Title 1"/>
+          <p:cNvSpPr>
+            <a:spLocks noGrp="1"/>
+          </p:cNvSpPr>
+          <p:nvPr>
+            <p:ph type="title"/>
+          </p:nvPr>
+        </p:nvSpPr>
+        <p:spPr/>
+        <p:txBody>
+          <a:bodyPr/>
+          <a:p>
+            <a:r>
+              <a:rPr lang="en-US">
+                <a:sym typeface="+mn-ea"/>
+              </a:rPr>
+              <a:t>A formalized strand space theory in Isabelle</a:t>
+            </a:r>
+            <a:endParaRPr lang="en-US"/>
+          </a:p>
+        </p:txBody>
+      </p:sp>
+      <p:sp>
+        <p:nvSpPr>
+          <p:cNvPr id="3" name="Content Placeholder 2"/>
+          <p:cNvSpPr>
+            <a:spLocks noGrp="1"/>
+          </p:cNvSpPr>
+          <p:nvPr>
+            <p:ph sz="half" idx="1"/>
+          </p:nvPr>
+        </p:nvSpPr>
+        <p:spPr/>
+        <p:txBody>
+          <a:bodyPr/>
+          <a:p>
+            <a:r>
+              <a:rPr lang="en-US"/>
+              <a:t>Prove that a bundle is a well-founded graph</a:t>
+            </a:r>
+            <a:endParaRPr lang="en-US"/>
+          </a:p>
+          <a:p>
+            <a:pPr lvl="1"/>
+            <a:r>
+              <a:rPr lang="en-US"/>
+              <a:t>finite x : denote that x is a finite set.</a:t>
+            </a:r>
+            <a:endParaRPr lang="en-US"/>
+          </a:p>
+          <a:p>
+            <a:pPr lvl="1"/>
+            <a:r>
+              <a:rPr lang="en-US"/>
+              <a:t>wf r: denote that r is a well-founded relation.</a:t>
+            </a:r>
+            <a:endParaRPr lang="en-US"/>
+          </a:p>
+          <a:p>
+            <a:pPr lvl="0"/>
+            <a:endParaRPr lang="en-US"/>
+          </a:p>
+        </p:txBody>
+      </p:sp>
+      <p:pic>
+        <p:nvPicPr>
+          <p:cNvPr id="4" name="Picture 3"/>
+          <p:cNvPicPr>
+            <a:picLocks noChangeAspect="1"/>
+          </p:cNvPicPr>
+          <p:nvPr/>
+        </p:nvPicPr>
+        <p:blipFill>
+          <a:blip r:embed="rId1">
+            <a:lum bright="-12000" contrast="30000"/>
+          </a:blip>
+          <a:stretch>
+            <a:fillRect/>
+          </a:stretch>
+        </p:blipFill>
+        <p:spPr>
+          <a:xfrm>
+            <a:off x="838200" y="2910840"/>
+            <a:ext cx="6867525" cy="352425"/>
+          </a:xfrm>
+          <a:prstGeom prst="rect">
+            <a:avLst/>
+          </a:prstGeom>
+        </p:spPr>
+      </p:pic>
+      <p:pic>
+        <p:nvPicPr>
+          <p:cNvPr id="5" name="Picture 4"/>
+          <p:cNvPicPr>
+            <a:picLocks noChangeAspect="1"/>
+          </p:cNvPicPr>
+          <p:nvPr/>
+        </p:nvPicPr>
+        <p:blipFill>
+          <a:blip r:embed="rId2">
+            <a:lum bright="-12000" contrast="24000"/>
+          </a:blip>
+          <a:stretch>
+            <a:fillRect/>
+          </a:stretch>
+        </p:blipFill>
+        <p:spPr>
+          <a:xfrm>
+            <a:off x="838200" y="3395345"/>
+            <a:ext cx="10734675" cy="790575"/>
+          </a:xfrm>
+          <a:prstGeom prst="rect">
+            <a:avLst/>
+          </a:prstGeom>
+        </p:spPr>
+      </p:pic>
+      <p:pic>
+        <p:nvPicPr>
+          <p:cNvPr id="6" name="Picture 5"/>
+          <p:cNvPicPr>
+            <a:picLocks noChangeAspect="1"/>
+          </p:cNvPicPr>
+          <p:nvPr/>
+        </p:nvPicPr>
+        <p:blipFill>
+          <a:blip r:embed="rId3">
+            <a:lum bright="-12000" contrast="30000"/>
+          </a:blip>
+          <a:stretch>
+            <a:fillRect/>
+          </a:stretch>
+        </p:blipFill>
+        <p:spPr>
+          <a:xfrm>
+            <a:off x="838200" y="4285615"/>
+            <a:ext cx="5781675" cy="381000"/>
+          </a:xfrm>
+          <a:prstGeom prst="rect">
+            <a:avLst/>
+          </a:prstGeom>
+        </p:spPr>
+      </p:pic>
+      <p:pic>
+        <p:nvPicPr>
+          <p:cNvPr id="7" name="Picture 6"/>
+          <p:cNvPicPr>
+            <a:picLocks noChangeAspect="1"/>
+          </p:cNvPicPr>
+          <p:nvPr/>
+        </p:nvPicPr>
+        <p:blipFill>
+          <a:blip r:embed="rId4">
+            <a:lum bright="-12000" contrast="24000"/>
+          </a:blip>
+          <a:stretch>
+            <a:fillRect/>
+          </a:stretch>
+        </p:blipFill>
+        <p:spPr>
+          <a:xfrm>
+            <a:off x="743585" y="4874260"/>
+            <a:ext cx="4829175" cy="409575"/>
+          </a:xfrm>
+          <a:prstGeom prst="rect">
+            <a:avLst/>
+          </a:prstGeom>
+        </p:spPr>
+      </p:pic>
+      <p:pic>
+        <p:nvPicPr>
+          <p:cNvPr id="8" name="Picture 7"/>
+          <p:cNvPicPr>
+            <a:picLocks noChangeAspect="1"/>
+          </p:cNvPicPr>
+          <p:nvPr/>
+        </p:nvPicPr>
+        <p:blipFill>
+          <a:blip r:embed="rId5">
+            <a:lum bright="-12000" contrast="24000"/>
+          </a:blip>
+          <a:stretch>
+            <a:fillRect/>
+          </a:stretch>
+        </p:blipFill>
+        <p:spPr>
+          <a:xfrm>
+            <a:off x="838200" y="5283835"/>
+            <a:ext cx="4800600" cy="419100"/>
+          </a:xfrm>
+          <a:prstGeom prst="rect">
+            <a:avLst/>
+          </a:prstGeom>
+        </p:spPr>
+      </p:pic>
+      <p:pic>
+        <p:nvPicPr>
+          <p:cNvPr id="9" name="Picture 8"/>
+          <p:cNvPicPr>
+            <a:picLocks noChangeAspect="1"/>
+          </p:cNvPicPr>
+          <p:nvPr/>
+        </p:nvPicPr>
+        <p:blipFill>
+          <a:blip r:embed="rId6">
+            <a:lum bright="-18000" contrast="42000"/>
+          </a:blip>
+          <a:stretch>
+            <a:fillRect/>
+          </a:stretch>
+        </p:blipFill>
+        <p:spPr>
+          <a:xfrm>
+            <a:off x="838200" y="6261100"/>
+            <a:ext cx="9277350" cy="390525"/>
+          </a:xfrm>
+          <a:prstGeom prst="rect">
+            <a:avLst/>
+          </a:prstGeom>
+        </p:spPr>
+      </p:pic>
+      <p:pic>
+        <p:nvPicPr>
+          <p:cNvPr id="11" name="Content Placeholder 10"/>
+          <p:cNvPicPr>
+            <a:picLocks noChangeAspect="1"/>
+          </p:cNvPicPr>
+          <p:nvPr>
+            <p:ph sz="half" idx="2"/>
+          </p:nvPr>
+        </p:nvPicPr>
+        <p:blipFill>
+          <a:blip r:embed="rId7"/>
+          <a:stretch>
+            <a:fillRect/>
+          </a:stretch>
+        </p:blipFill>
+        <p:spPr>
+          <a:xfrm>
+            <a:off x="917575" y="5934075"/>
+            <a:ext cx="5181600" cy="327025"/>
+          </a:xfrm>
+          <a:prstGeom prst="rect">
+            <a:avLst/>
+          </a:prstGeom>
+        </p:spPr>
+      </p:pic>
+    </p:spTree>
+  </p:cSld>
+  <p:clrMapOvr>
+    <a:masterClrMapping/>
+  </p:clrMapOvr>
+</p:sld>
+</file>
+
+<file path=ppt/slides/slide24.xml><?xml version="1.0" encoding="utf-8"?>
+<p:sld xmlns:a="http://schemas.openxmlformats.org/drawingml/2006/main" xmlns:r="http://schemas.openxmlformats.org/officeDocument/2006/relationships" xmlns:p="http://schemas.openxmlformats.org/presentationml/2006/main">
+  <p:cSld>
+    <p:spTree>
+      <p:nvGrpSpPr>
+        <p:cNvPr id="1" name=""/>
+        <p:cNvGrpSpPr/>
+        <p:nvPr/>
+      </p:nvGrpSpPr>
+      <p:grpSpPr/>
+      <p:sp>
+        <p:nvSpPr>
+          <p:cNvPr id="5" name="Title 4"/>
+          <p:cNvSpPr>
+            <a:spLocks noGrp="1"/>
+          </p:cNvSpPr>
+          <p:nvPr>
+            <p:ph type="title"/>
+          </p:nvPr>
+        </p:nvSpPr>
+        <p:spPr>
+          <a:xfrm>
+            <a:off x="383540" y="365125"/>
+            <a:ext cx="10970260" cy="1325880"/>
+          </a:xfrm>
+        </p:spPr>
+        <p:txBody>
+          <a:bodyPr/>
+          <a:p>
+            <a:r>
+              <a:rPr lang="en-US">
+                <a:sym typeface="+mn-ea"/>
+              </a:rPr>
+              <a:t>A formalized strand space theory in Isabelle</a:t>
+            </a:r>
+            <a:endParaRPr lang="en-US"/>
+          </a:p>
+        </p:txBody>
+      </p:sp>
+      <p:sp>
+        <p:nvSpPr>
+          <p:cNvPr id="6" name="Content Placeholder 5"/>
+          <p:cNvSpPr>
+            <a:spLocks noGrp="1"/>
+          </p:cNvSpPr>
+          <p:nvPr>
+            <p:ph idx="1"/>
+          </p:nvPr>
+        </p:nvSpPr>
+        <p:spPr>
+          <a:xfrm>
+            <a:off x="292735" y="1393825"/>
+            <a:ext cx="11061065" cy="4783455"/>
+          </a:xfrm>
+        </p:spPr>
+        <p:txBody>
+          <a:bodyPr/>
+          <a:p>
+            <a:r>
+              <a:rPr lang="en-US"/>
+              <a:t>Freshness assumptions</a:t>
+            </a:r>
+            <a:endParaRPr lang="en-US"/>
+          </a:p>
+          <a:p>
+            <a:pPr lvl="1"/>
+            <a:r>
+              <a:rPr lang="en-US"/>
+              <a:t>confidential items such as nonces and session keys uniquely originate from some node</a:t>
+            </a:r>
+            <a:endParaRPr lang="en-US"/>
+          </a:p>
+          <a:p>
+            <a:pPr lvl="1"/>
+            <a:r>
+              <a:rPr lang="en-US"/>
+              <a:t>predicate: </a:t>
+            </a:r>
+            <a:r>
+              <a:rPr lang="en-US" i="1"/>
+              <a:t>originate g n </a:t>
+            </a:r>
+            <a:r>
+              <a:rPr lang="en-US"/>
+              <a:t>(n is the first node where g occurs in the strand)</a:t>
+            </a:r>
+            <a:endParaRPr lang="en-US" i="1" u="sng"/>
+          </a:p>
+          <a:p>
+            <a:pPr lvl="1"/>
+            <a:r>
+              <a:rPr lang="en-US">
+                <a:sym typeface="+mn-ea"/>
+              </a:rPr>
+              <a:t>predicate:</a:t>
+            </a:r>
+            <a:r>
+              <a:rPr lang="en-US" i="1">
+                <a:sym typeface="+mn-ea"/>
+              </a:rPr>
+              <a:t> uniquely_originate g n </a:t>
+            </a:r>
+            <a:r>
+              <a:rPr lang="en-US">
+                <a:sym typeface="+mn-ea"/>
+              </a:rPr>
+              <a:t>(there is only one node which originates g)</a:t>
+            </a:r>
+            <a:endParaRPr lang="en-US">
+              <a:sym typeface="+mn-ea"/>
+            </a:endParaRPr>
+          </a:p>
+          <a:p>
+            <a:pPr lvl="1"/>
+            <a:endParaRPr lang="en-US">
+              <a:sym typeface="+mn-ea"/>
+            </a:endParaRPr>
+          </a:p>
+        </p:txBody>
+      </p:sp>
+      <p:pic>
+        <p:nvPicPr>
+          <p:cNvPr id="7" name="Picture 6"/>
+          <p:cNvPicPr>
+            <a:picLocks noChangeAspect="1"/>
+          </p:cNvPicPr>
+          <p:nvPr/>
+        </p:nvPicPr>
+        <p:blipFill>
+          <a:blip r:embed="rId1">
+            <a:lum bright="-24000" contrast="48000"/>
+          </a:blip>
+          <a:stretch>
+            <a:fillRect/>
+          </a:stretch>
+        </p:blipFill>
+        <p:spPr>
+          <a:xfrm>
+            <a:off x="704850" y="3492500"/>
+            <a:ext cx="11487150" cy="1533525"/>
+          </a:xfrm>
+          <a:prstGeom prst="rect">
+            <a:avLst/>
+          </a:prstGeom>
+        </p:spPr>
+      </p:pic>
+      <p:pic>
+        <p:nvPicPr>
+          <p:cNvPr id="8" name="Picture 7"/>
+          <p:cNvPicPr>
+            <a:picLocks noChangeAspect="1"/>
+          </p:cNvPicPr>
+          <p:nvPr/>
+        </p:nvPicPr>
+        <p:blipFill>
+          <a:blip r:embed="rId2">
+            <a:lum bright="-12000" contrast="24000"/>
+          </a:blip>
+          <a:stretch>
+            <a:fillRect/>
+          </a:stretch>
+        </p:blipFill>
+        <p:spPr>
+          <a:xfrm>
+            <a:off x="704850" y="5026025"/>
+            <a:ext cx="11471275" cy="1469390"/>
+          </a:xfrm>
+          <a:prstGeom prst="rect">
+            <a:avLst/>
+          </a:prstGeom>
+        </p:spPr>
+      </p:pic>
+    </p:spTree>
+  </p:cSld>
+  <p:clrMapOvr>
+    <a:masterClrMapping/>
+  </p:clrMapOvr>
+</p:sld>
+</file>
+
+<file path=ppt/slides/slide25.xml><?xml version="1.0" encoding="utf-8"?>
+<p:sld xmlns:a="http://schemas.openxmlformats.org/drawingml/2006/main" xmlns:r="http://schemas.openxmlformats.org/officeDocument/2006/relationships" xmlns:p="http://schemas.openxmlformats.org/presentationml/2006/main">
+  <p:cSld>
+    <p:spTree>
+      <p:nvGrpSpPr>
+        <p:cNvPr id="1" name=""/>
+        <p:cNvGrpSpPr/>
+        <p:nvPr/>
+      </p:nvGrpSpPr>
+      <p:grpSpPr/>
+      <p:sp>
+        <p:nvSpPr>
+          <p:cNvPr id="2" name="Title 1"/>
+          <p:cNvSpPr>
+            <a:spLocks noGrp="1"/>
+          </p:cNvSpPr>
+          <p:nvPr>
+            <p:ph type="title"/>
+          </p:nvPr>
+        </p:nvSpPr>
+        <p:spPr/>
+        <p:txBody>
+          <a:bodyPr/>
+          <a:p>
+            <a:r>
+              <a:rPr lang="en-US">
+                <a:sym typeface="+mn-ea"/>
+              </a:rPr>
+              <a:t>A formalized strand space theory in Isabelle</a:t>
+            </a:r>
+            <a:endParaRPr lang="en-US"/>
+          </a:p>
+        </p:txBody>
+      </p:sp>
+      <p:sp>
+        <p:nvSpPr>
+          <p:cNvPr id="3" name="Content Placeholder 2"/>
+          <p:cNvSpPr>
+            <a:spLocks noGrp="1"/>
+          </p:cNvSpPr>
+          <p:nvPr>
+            <p:ph idx="1"/>
+          </p:nvPr>
+        </p:nvSpPr>
+        <p:spPr/>
+        <p:txBody>
+          <a:bodyPr/>
+          <a:p>
+            <a:r>
+              <a:rPr lang="en-US">
+                <a:sym typeface="+mn-ea"/>
+              </a:rPr>
+              <a:t>Freshness assumptions</a:t>
+            </a:r>
+            <a:endParaRPr lang="en-US"/>
+          </a:p>
+          <a:p>
+            <a:pPr lvl="1"/>
+            <a:r>
+              <a:rPr lang="en-US"/>
+              <a:t>predicate: </a:t>
+            </a:r>
+            <a:r>
+              <a:rPr lang="en-US" i="1"/>
+              <a:t>non_originate g s </a:t>
+            </a:r>
+            <a:r>
+              <a:rPr lang="en-US"/>
+              <a:t>( message g does not originate from any node in strand s)</a:t>
+            </a:r>
+            <a:endParaRPr lang="en-US"/>
+          </a:p>
+          <a:p>
+            <a:pPr lvl="1"/>
+            <a:r>
+              <a:rPr lang="en-US"/>
+              <a:t>predicate: </a:t>
+            </a:r>
+            <a:r>
+              <a:rPr lang="en-US" i="1"/>
+              <a:t>first_node_in_nonorigi_strand g n m</a:t>
+            </a:r>
+            <a:r>
+              <a:rPr lang="en-US"/>
+              <a:t>( g does not originate from the strand in which n and m lie, and m is the first node containing g in this strand)</a:t>
+            </a:r>
+            <a:endParaRPr lang="en-US"/>
+          </a:p>
+        </p:txBody>
+      </p:sp>
+      <p:pic>
+        <p:nvPicPr>
+          <p:cNvPr id="4" name="Picture 3"/>
+          <p:cNvPicPr>
+            <a:picLocks noChangeAspect="1"/>
+          </p:cNvPicPr>
+          <p:nvPr/>
+        </p:nvPicPr>
+        <p:blipFill>
+          <a:blip r:embed="rId1">
+            <a:lum bright="-12000" contrast="24000"/>
+          </a:blip>
+          <a:stretch>
+            <a:fillRect/>
+          </a:stretch>
+        </p:blipFill>
+        <p:spPr>
+          <a:xfrm>
+            <a:off x="952500" y="4316095"/>
+            <a:ext cx="11239500" cy="1781175"/>
+          </a:xfrm>
+          <a:prstGeom prst="rect">
+            <a:avLst/>
+          </a:prstGeom>
+        </p:spPr>
+      </p:pic>
+    </p:spTree>
+  </p:cSld>
+  <p:clrMapOvr>
+    <a:masterClrMapping/>
+  </p:clrMapOvr>
+</p:sld>
+</file>
+
+<file path=ppt/slides/slide26.xml><?xml version="1.0" encoding="utf-8"?>
+<p:sld xmlns:a="http://schemas.openxmlformats.org/drawingml/2006/main" xmlns:r="http://schemas.openxmlformats.org/officeDocument/2006/relationships" xmlns:p="http://schemas.openxmlformats.org/presentationml/2006/main">
+  <p:cSld>
+    <p:spTree>
+      <p:nvGrpSpPr>
+        <p:cNvPr id="1" name=""/>
+        <p:cNvGrpSpPr/>
+        <p:nvPr/>
+      </p:nvGrpSpPr>
+      <p:grpSpPr/>
+      <p:sp>
+        <p:nvSpPr>
+          <p:cNvPr id="2" name="Title 1"/>
+          <p:cNvSpPr>
+            <a:spLocks noGrp="1"/>
+          </p:cNvSpPr>
+          <p:nvPr>
+            <p:ph type="title"/>
+          </p:nvPr>
+        </p:nvSpPr>
+        <p:spPr/>
+        <p:txBody>
+          <a:bodyPr>
+            <a:normAutofit/>
+          </a:bodyPr>
+          <a:p>
+            <a:r>
+              <a:rPr lang="en-US">
+                <a:sym typeface="+mn-ea"/>
+              </a:rPr>
+              <a:t>A formalized strand space theory in Isabelle</a:t>
+            </a:r>
+            <a:endParaRPr lang="en-US"/>
+          </a:p>
+        </p:txBody>
+      </p:sp>
+      <p:sp>
+        <p:nvSpPr>
+          <p:cNvPr id="3" name="Content Placeholder 2"/>
+          <p:cNvSpPr>
+            <a:spLocks noGrp="1"/>
+          </p:cNvSpPr>
+          <p:nvPr>
+            <p:ph idx="1"/>
+          </p:nvPr>
+        </p:nvSpPr>
+        <p:spPr/>
+        <p:txBody>
+          <a:bodyPr/>
+          <a:p>
+            <a:r>
+              <a:rPr lang="en-US"/>
+              <a:t>Path</a:t>
+            </a:r>
+            <a:endParaRPr lang="en-US"/>
+          </a:p>
+          <a:p>
+            <a:pPr lvl="1"/>
+            <a:r>
+              <a:rPr lang="en-US">
+                <a:latin typeface="Times New Roman" panose="02020603050405020304" charset="0"/>
+                <a:cs typeface="Times New Roman" panose="02020603050405020304" charset="0"/>
+              </a:rPr>
+              <a:t>a path in a bundle from a node m at which a message g uniquely originates to a node n which contains g as a subterm</a:t>
+            </a:r>
+            <a:endParaRPr lang="en-US">
+              <a:latin typeface="Times New Roman" panose="02020603050405020304" charset="0"/>
+              <a:cs typeface="Times New Roman" panose="02020603050405020304" charset="0"/>
+            </a:endParaRPr>
+          </a:p>
+          <a:p>
+            <a:pPr lvl="1"/>
+            <a:r>
+              <a:rPr lang="en-US">
+                <a:latin typeface="Times New Roman" panose="02020603050405020304" charset="0"/>
+                <a:cs typeface="Times New Roman" panose="02020603050405020304" charset="0"/>
+              </a:rPr>
+              <a:t>shows the existence of the causal precedence from m to n in the bundle</a:t>
+            </a:r>
+            <a:endParaRPr lang="en-US">
+              <a:latin typeface="Times New Roman" panose="02020603050405020304" charset="0"/>
+              <a:cs typeface="Times New Roman" panose="02020603050405020304" charset="0"/>
+            </a:endParaRPr>
+          </a:p>
+          <a:p>
+            <a:pPr lvl="0"/>
+            <a:r>
+              <a:rPr lang="en-US"/>
+              <a:t>Completely Transforming Path</a:t>
+            </a:r>
+            <a:endParaRPr lang="en-US"/>
+          </a:p>
+          <a:p>
+            <a:pPr lvl="0"/>
+            <a:endParaRPr lang="en-US"/>
+          </a:p>
+          <a:p>
+            <a:pPr lvl="0"/>
+            <a:endParaRPr lang="en-US"/>
+          </a:p>
+          <a:p>
+            <a:pPr lvl="0"/>
+            <a:endParaRPr lang="en-US"/>
+          </a:p>
+          <a:p>
+            <a:pPr lvl="1"/>
+            <a:endParaRPr lang="en-US"/>
+          </a:p>
+        </p:txBody>
+      </p:sp>
+      <p:pic>
+        <p:nvPicPr>
+          <p:cNvPr id="4" name="Picture 3"/>
+          <p:cNvPicPr>
+            <a:picLocks noChangeAspect="1"/>
+          </p:cNvPicPr>
+          <p:nvPr/>
+        </p:nvPicPr>
+        <p:blipFill>
+          <a:blip r:embed="rId1">
+            <a:lum bright="-12000" contrast="24000"/>
+          </a:blip>
+          <a:srcRect t="3241"/>
+          <a:stretch>
+            <a:fillRect/>
+          </a:stretch>
+        </p:blipFill>
+        <p:spPr>
+          <a:xfrm>
+            <a:off x="838200" y="3881755"/>
+            <a:ext cx="11122660" cy="1023620"/>
+          </a:xfrm>
+          <a:prstGeom prst="rect">
+            <a:avLst/>
+          </a:prstGeom>
+        </p:spPr>
+      </p:pic>
+    </p:spTree>
+  </p:cSld>
+  <p:clrMapOvr>
+    <a:masterClrMapping/>
+  </p:clrMapOvr>
+</p:sld>
+</file>
+
+<file path=ppt/slides/slide27.xml><?xml version="1.0" encoding="utf-8"?>
+<p:sld xmlns:a="http://schemas.openxmlformats.org/drawingml/2006/main" xmlns:r="http://schemas.openxmlformats.org/officeDocument/2006/relationships" xmlns:p="http://schemas.openxmlformats.org/presentationml/2006/main">
+  <p:cSld>
+    <p:spTree>
+      <p:nvGrpSpPr>
+        <p:cNvPr id="1" name=""/>
+        <p:cNvGrpSpPr/>
+        <p:nvPr/>
+      </p:nvGrpSpPr>
+      <p:grpSpPr/>
+      <p:sp>
+        <p:nvSpPr>
+          <p:cNvPr id="2" name="Title 1"/>
+          <p:cNvSpPr>
+            <a:spLocks noGrp="1"/>
+          </p:cNvSpPr>
+          <p:nvPr>
+            <p:ph type="title"/>
+          </p:nvPr>
+        </p:nvSpPr>
+        <p:spPr/>
+        <p:txBody>
+          <a:bodyPr/>
+          <a:p>
+            <a:r>
+              <a:rPr lang="en-US">
+                <a:sym typeface="+mn-ea"/>
+              </a:rPr>
+              <a:t>A formalized strand space theory in Isabelle</a:t>
+            </a:r>
+            <a:endParaRPr lang="en-US"/>
+          </a:p>
+        </p:txBody>
+      </p:sp>
+      <p:sp>
+        <p:nvSpPr>
+          <p:cNvPr id="3" name="Content Placeholder 2"/>
+          <p:cNvSpPr>
+            <a:spLocks noGrp="1"/>
+          </p:cNvSpPr>
+          <p:nvPr>
+            <p:ph idx="1"/>
+          </p:nvPr>
+        </p:nvSpPr>
+        <p:spPr/>
+        <p:txBody>
+          <a:bodyPr/>
+          <a:p>
+            <a:r>
+              <a:rPr lang="en-US">
+                <a:sym typeface="+mn-ea"/>
+              </a:rPr>
+              <a:t>Completely Transforming Path</a:t>
+            </a:r>
+            <a:endParaRPr lang="en-US">
+              <a:sym typeface="+mn-ea"/>
+            </a:endParaRPr>
+          </a:p>
+          <a:p>
+            <a:pPr lvl="1"/>
+            <a:r>
+              <a:rPr lang="en-US"/>
+              <a:t>a function:  </a:t>
+            </a:r>
+            <a:r>
+              <a:rPr lang="en-US" i="1"/>
+              <a:t>slice_arr_cons s j len </a:t>
+            </a:r>
+            <a:r>
+              <a:rPr lang="en-US"/>
+              <a:t>(returns a consecutive node list [(s, j), ..., (s, j + len)])</a:t>
+            </a:r>
+            <a:endParaRPr lang="en-US"/>
+          </a:p>
+        </p:txBody>
+      </p:sp>
+      <p:pic>
+        <p:nvPicPr>
+          <p:cNvPr id="4" name="Picture 3"/>
+          <p:cNvPicPr>
+            <a:picLocks noChangeAspect="1"/>
+          </p:cNvPicPr>
+          <p:nvPr/>
+        </p:nvPicPr>
+        <p:blipFill>
+          <a:blip r:embed="rId1">
+            <a:lum bright="-12000" contrast="24000"/>
+          </a:blip>
+          <a:stretch>
+            <a:fillRect/>
+          </a:stretch>
+        </p:blipFill>
+        <p:spPr>
+          <a:xfrm>
+            <a:off x="1579245" y="3013075"/>
+            <a:ext cx="8372475" cy="1171575"/>
+          </a:xfrm>
+          <a:prstGeom prst="rect">
+            <a:avLst/>
+          </a:prstGeom>
+        </p:spPr>
+      </p:pic>
+    </p:spTree>
+  </p:cSld>
+  <p:clrMapOvr>
+    <a:masterClrMapping/>
+  </p:clrMapOvr>
+</p:sld>
+</file>
+
+<file path=ppt/slides/slide28.xml><?xml version="1.0" encoding="utf-8"?>
+<p:sld xmlns:a="http://schemas.openxmlformats.org/drawingml/2006/main" xmlns:r="http://schemas.openxmlformats.org/officeDocument/2006/relationships" xmlns:p="http://schemas.openxmlformats.org/presentationml/2006/main">
+  <p:cSld>
+    <p:spTree>
+      <p:nvGrpSpPr>
+        <p:cNvPr id="1" name=""/>
+        <p:cNvGrpSpPr/>
+        <p:nvPr/>
+      </p:nvGrpSpPr>
+      <p:grpSpPr/>
+      <p:sp>
+        <p:nvSpPr>
+          <p:cNvPr id="2" name="Title 1"/>
+          <p:cNvSpPr>
+            <a:spLocks noGrp="1"/>
+          </p:cNvSpPr>
+          <p:nvPr>
+            <p:ph type="title"/>
+          </p:nvPr>
+        </p:nvSpPr>
+        <p:spPr/>
+        <p:txBody>
+          <a:bodyPr/>
+          <a:p>
+            <a:r>
+              <a:rPr lang="en-US">
+                <a:sym typeface="+mn-ea"/>
+              </a:rPr>
+              <a:t>A formalized strand space theory in Isabelle</a:t>
+            </a:r>
+            <a:endParaRPr lang="en-US"/>
+          </a:p>
+        </p:txBody>
+      </p:sp>
+      <p:sp>
+        <p:nvSpPr>
+          <p:cNvPr id="3" name="Content Placeholder 2"/>
+          <p:cNvSpPr>
+            <a:spLocks noGrp="1"/>
+          </p:cNvSpPr>
+          <p:nvPr>
+            <p:ph sz="half" idx="1"/>
+          </p:nvPr>
+        </p:nvSpPr>
+        <p:spPr/>
+        <p:txBody>
+          <a:bodyPr/>
+          <a:p>
+            <a:r>
+              <a:rPr lang="en-US">
+                <a:sym typeface="+mn-ea"/>
+              </a:rPr>
+              <a:t>Completely Transforming Path</a:t>
+            </a:r>
+            <a:endParaRPr lang="en-US">
+              <a:sym typeface="+mn-ea"/>
+            </a:endParaRPr>
+          </a:p>
+          <a:p>
+            <a:pPr lvl="1"/>
+            <a:endParaRPr lang="en-US"/>
+          </a:p>
+        </p:txBody>
+      </p:sp>
+      <p:pic>
+        <p:nvPicPr>
+          <p:cNvPr id="5" name="Picture 4"/>
+          <p:cNvPicPr>
+            <a:picLocks noChangeAspect="1"/>
+          </p:cNvPicPr>
+          <p:nvPr/>
+        </p:nvPicPr>
+        <p:blipFill>
+          <a:blip r:embed="rId1"/>
+          <a:stretch>
+            <a:fillRect/>
+          </a:stretch>
+        </p:blipFill>
+        <p:spPr>
+          <a:xfrm>
+            <a:off x="1194435" y="2223770"/>
+            <a:ext cx="10648950" cy="3159760"/>
+          </a:xfrm>
+          <a:prstGeom prst="rect">
+            <a:avLst/>
+          </a:prstGeom>
+        </p:spPr>
+      </p:pic>
+      <p:sp>
+        <p:nvSpPr>
+          <p:cNvPr id="7" name="Content Placeholder 6"/>
+          <p:cNvSpPr/>
+          <p:nvPr>
+            <p:ph sz="half" idx="2"/>
+          </p:nvPr>
+        </p:nvSpPr>
+        <p:spPr/>
+        <p:txBody>
+          <a:bodyPr/>
+          <a:p>
+            <a:endParaRPr lang="en-US"/>
+          </a:p>
+        </p:txBody>
+      </p:sp>
+    </p:spTree>
+  </p:cSld>
+  <p:clrMapOvr>
+    <a:masterClrMapping/>
+  </p:clrMapOvr>
+</p:sld>
+</file>
+
+<file path=ppt/slides/slide29.xml><?xml version="1.0" encoding="utf-8"?>
+<p:sld xmlns:a="http://schemas.openxmlformats.org/drawingml/2006/main" xmlns:r="http://schemas.openxmlformats.org/officeDocument/2006/relationships" xmlns:p="http://schemas.openxmlformats.org/presentationml/2006/main">
+  <p:cSld>
+    <p:spTree>
+      <p:nvGrpSpPr>
+        <p:cNvPr id="1" name=""/>
+        <p:cNvGrpSpPr/>
+        <p:nvPr/>
+      </p:nvGrpSpPr>
+      <p:grpSpPr/>
+      <p:sp>
+        <p:nvSpPr>
+          <p:cNvPr id="2" name="Title 1"/>
+          <p:cNvSpPr>
+            <a:spLocks noGrp="1"/>
+          </p:cNvSpPr>
+          <p:nvPr>
+            <p:ph type="title"/>
+          </p:nvPr>
+        </p:nvSpPr>
+        <p:spPr/>
+        <p:txBody>
+          <a:bodyPr/>
+          <a:p>
+            <a:r>
+              <a:rPr lang="en-US">
+                <a:sym typeface="+mn-ea"/>
+              </a:rPr>
+              <a:t>A formalized strand space theory in Isabelle</a:t>
+            </a:r>
+            <a:endParaRPr lang="en-US"/>
+          </a:p>
+        </p:txBody>
+      </p:sp>
+      <p:sp>
+        <p:nvSpPr>
+          <p:cNvPr id="3" name="Content Placeholder 2"/>
+          <p:cNvSpPr>
+            <a:spLocks noGrp="1"/>
+          </p:cNvSpPr>
+          <p:nvPr>
+            <p:ph idx="1"/>
+          </p:nvPr>
+        </p:nvSpPr>
+        <p:spPr/>
+        <p:txBody>
+          <a:bodyPr/>
+          <a:p>
+            <a:r>
+              <a:rPr lang="en-US" sz="2800">
+                <a:sym typeface="+mn-ea"/>
+              </a:rPr>
+              <a:t>Completely Transforming Path</a:t>
+            </a:r>
+            <a:endParaRPr lang="en-US" sz="2800">
+              <a:sym typeface="+mn-ea"/>
+            </a:endParaRPr>
+          </a:p>
+          <a:p>
+            <a:pPr lvl="1"/>
+            <a:endParaRPr lang="en-US" sz="2800"/>
+          </a:p>
+          <a:p>
+            <a:endParaRPr lang="en-US"/>
+          </a:p>
+        </p:txBody>
+      </p:sp>
+      <p:pic>
+        <p:nvPicPr>
+          <p:cNvPr id="6" name="Content Placeholder 5"/>
+          <p:cNvPicPr>
+            <a:picLocks noChangeAspect="1"/>
+          </p:cNvPicPr>
+          <p:nvPr>
+            <p:ph sz="half" idx="2"/>
+          </p:nvPr>
+        </p:nvPicPr>
+        <p:blipFill>
+          <a:blip r:embed="rId1">
+            <a:lum bright="-12000" contrast="24000"/>
+          </a:blip>
+          <a:stretch>
+            <a:fillRect/>
+          </a:stretch>
+        </p:blipFill>
+        <p:spPr>
+          <a:xfrm>
+            <a:off x="701675" y="2531745"/>
+            <a:ext cx="10509250" cy="501015"/>
+          </a:xfrm>
+          <a:prstGeom prst="rect">
+            <a:avLst/>
+          </a:prstGeom>
+        </p:spPr>
+      </p:pic>
+      <p:pic>
+        <p:nvPicPr>
+          <p:cNvPr id="4" name="Picture 3"/>
+          <p:cNvPicPr>
+            <a:picLocks noChangeAspect="1"/>
+          </p:cNvPicPr>
+          <p:nvPr/>
+        </p:nvPicPr>
+        <p:blipFill>
+          <a:blip r:embed="rId2">
+            <a:lum bright="-12000" contrast="24000"/>
+          </a:blip>
+          <a:stretch>
+            <a:fillRect/>
+          </a:stretch>
+        </p:blipFill>
+        <p:spPr>
+          <a:xfrm>
+            <a:off x="701675" y="3032760"/>
+            <a:ext cx="11218545" cy="608965"/>
+          </a:xfrm>
+          <a:prstGeom prst="rect">
+            <a:avLst/>
+          </a:prstGeom>
+        </p:spPr>
+      </p:pic>
+      <p:pic>
+        <p:nvPicPr>
+          <p:cNvPr id="5" name="Picture 4"/>
+          <p:cNvPicPr>
+            <a:picLocks noChangeAspect="1"/>
+          </p:cNvPicPr>
+          <p:nvPr/>
+        </p:nvPicPr>
+        <p:blipFill>
+          <a:blip r:embed="rId3">
+            <a:lum bright="-12000" contrast="24000"/>
+          </a:blip>
+          <a:stretch>
+            <a:fillRect/>
+          </a:stretch>
+        </p:blipFill>
+        <p:spPr>
+          <a:xfrm>
+            <a:off x="733425" y="3641725"/>
+            <a:ext cx="11315700" cy="439420"/>
+          </a:xfrm>
+          <a:prstGeom prst="rect">
+            <a:avLst/>
+          </a:prstGeom>
+        </p:spPr>
+      </p:pic>
+      <p:pic>
+        <p:nvPicPr>
+          <p:cNvPr id="7" name="Picture 6"/>
+          <p:cNvPicPr>
+            <a:picLocks noChangeAspect="1"/>
+          </p:cNvPicPr>
+          <p:nvPr/>
+        </p:nvPicPr>
+        <p:blipFill>
+          <a:blip r:embed="rId4"/>
+          <a:stretch>
+            <a:fillRect/>
+          </a:stretch>
+        </p:blipFill>
+        <p:spPr>
+          <a:xfrm>
+            <a:off x="661670" y="4081145"/>
+            <a:ext cx="11458575" cy="1057275"/>
+          </a:xfrm>
+          <a:prstGeom prst="rect">
+            <a:avLst/>
+          </a:prstGeom>
+        </p:spPr>
+      </p:pic>
     </p:spTree>
   </p:cSld>
   <p:clrMapOvr>
@@ -4542,6 +6121,10 @@
         <p:txBody>
           <a:bodyPr/>
           <a:p>
+            <a:r>
+              <a:rPr lang="en-US"/>
+              <a:t>   </a:t>
+            </a:r>
             <a:endParaRPr lang="en-US"/>
           </a:p>
         </p:txBody>
@@ -5874,4 +7457,263 @@
     </a:ext>
   </a:extLst>
 </a:theme>
+</file>
+
+<file path=ppt/theme/theme2.xml><?xml version="1.0" encoding="utf-8"?>
+<a:theme xmlns:a="http://schemas.openxmlformats.org/drawingml/2006/main" name="Office Theme">
+  <a:themeElements>
+    <a:clrScheme name="Office">
+      <a:dk1>
+        <a:sysClr val="windowText" lastClr="000000"/>
+      </a:dk1>
+      <a:lt1>
+        <a:sysClr val="window" lastClr="FFFFFF"/>
+      </a:lt1>
+      <a:dk2>
+        <a:srgbClr val="44546A"/>
+      </a:dk2>
+      <a:lt2>
+        <a:srgbClr val="E7E6E6"/>
+      </a:lt2>
+      <a:accent1>
+        <a:srgbClr val="5B9BD5"/>
+      </a:accent1>
+      <a:accent2>
+        <a:srgbClr val="ED7D31"/>
+      </a:accent2>
+      <a:accent3>
+        <a:srgbClr val="A5A5A5"/>
+      </a:accent3>
+      <a:accent4>
+        <a:srgbClr val="FFC000"/>
+      </a:accent4>
+      <a:accent5>
+        <a:srgbClr val="4472C4"/>
+      </a:accent5>
+      <a:accent6>
+        <a:srgbClr val="70AD47"/>
+      </a:accent6>
+      <a:hlink>
+        <a:srgbClr val="0563C1"/>
+      </a:hlink>
+      <a:folHlink>
+        <a:srgbClr val="954F72"/>
+      </a:folHlink>
+    </a:clrScheme>
+    <a:fontScheme name="Office">
+      <a:majorFont>
+        <a:latin typeface="Calibri Light"/>
+        <a:ea typeface=""/>
+        <a:cs typeface=""/>
+        <a:font script="Jpan" typeface="ＭＳ Ｐゴシック"/>
+        <a:font script="Hang" typeface="맑은 고딕"/>
+        <a:font script="Hans" typeface="宋体"/>
+        <a:font script="Hant" typeface="新細明體"/>
+        <a:font script="Arab" typeface="Times New Roman"/>
+        <a:font script="Hebr" typeface="Times New Roman"/>
+        <a:font script="Thai" typeface="Angsana New"/>
+        <a:font script="Ethi" typeface="Nyala"/>
+        <a:font script="Beng" typeface="Vrinda"/>
+        <a:font script="Gujr" typeface="Shruti"/>
+        <a:font script="Khmr" typeface="MoolBoran"/>
+        <a:font script="Knda" typeface="Tunga"/>
+        <a:font script="Guru" typeface="Raavi"/>
+        <a:font script="Cans" typeface="Euphemia"/>
+        <a:font script="Cher" typeface="Plantagenet Cherokee"/>
+        <a:font script="Yiii" typeface="Microsoft Yi Baiti"/>
+        <a:font script="Tibt" typeface="Microsoft Himalaya"/>
+        <a:font script="Thaa" typeface="MV Boli"/>
+        <a:font script="Deva" typeface="Mangal"/>
+        <a:font script="Telu" typeface="Gautami"/>
+        <a:font script="Taml" typeface="Latha"/>
+        <a:font script="Syrc" typeface="Estrangelo Edessa"/>
+        <a:font script="Orya" typeface="Kalinga"/>
+        <a:font script="Mlym" typeface="Kartika"/>
+        <a:font script="Laoo" typeface="DokChampa"/>
+        <a:font script="Sinh" typeface="Iskoola Pota"/>
+        <a:font script="Mong" typeface="Mongolian Baiti"/>
+        <a:font script="Viet" typeface="Times New Roman"/>
+        <a:font script="Uigh" typeface="Microsoft Uighur"/>
+        <a:font script="Geor" typeface="Sylfaen"/>
+      </a:majorFont>
+      <a:minorFont>
+        <a:latin typeface="Calibri"/>
+        <a:ea typeface=""/>
+        <a:cs typeface=""/>
+        <a:font script="Jpan" typeface="ＭＳ Ｐゴシック"/>
+        <a:font script="Hang" typeface="맑은 고딕"/>
+        <a:font script="Hans" typeface="宋体"/>
+        <a:font script="Hant" typeface="新細明體"/>
+        <a:font script="Arab" typeface="Arial"/>
+        <a:font script="Hebr" typeface="Arial"/>
+        <a:font script="Thai" typeface="Cordia New"/>
+        <a:font script="Ethi" typeface="Nyala"/>
+        <a:font script="Beng" typeface="Vrinda"/>
+        <a:font script="Gujr" typeface="Shruti"/>
+        <a:font script="Khmr" typeface="DaunPenh"/>
+        <a:font script="Knda" typeface="Tunga"/>
+        <a:font script="Guru" typeface="Raavi"/>
+        <a:font script="Cans" typeface="Euphemia"/>
+        <a:font script="Cher" typeface="Plantagenet Cherokee"/>
+        <a:font script="Yiii" typeface="Microsoft Yi Baiti"/>
+        <a:font script="Tibt" typeface="Microsoft Himalaya"/>
+        <a:font script="Thaa" typeface="MV Boli"/>
+        <a:font script="Deva" typeface="Mangal"/>
+        <a:font script="Telu" typeface="Gautami"/>
+        <a:font script="Taml" typeface="Latha"/>
+        <a:font script="Syrc" typeface="Estrangelo Edessa"/>
+        <a:font script="Orya" typeface="Kalinga"/>
+        <a:font script="Mlym" typeface="Kartika"/>
+        <a:font script="Laoo" typeface="DokChampa"/>
+        <a:font script="Sinh" typeface="Iskoola Pota"/>
+        <a:font script="Mong" typeface="Mongolian Baiti"/>
+        <a:font script="Viet" typeface="Arial"/>
+        <a:font script="Uigh" typeface="Microsoft Uighur"/>
+        <a:font script="Geor" typeface="Sylfaen"/>
+      </a:minorFont>
+    </a:fontScheme>
+    <a:fmtScheme name="Office">
+      <a:fillStyleLst>
+        <a:solidFill>
+          <a:schemeClr val="phClr"/>
+        </a:solidFill>
+        <a:gradFill rotWithShape="1">
+          <a:gsLst>
+            <a:gs pos="0">
+              <a:schemeClr val="phClr">
+                <a:lumMod val="110000"/>
+                <a:satMod val="105000"/>
+                <a:tint val="67000"/>
+              </a:schemeClr>
+            </a:gs>
+            <a:gs pos="50000">
+              <a:schemeClr val="phClr">
+                <a:lumMod val="105000"/>
+                <a:satMod val="103000"/>
+                <a:tint val="73000"/>
+              </a:schemeClr>
+            </a:gs>
+            <a:gs pos="100000">
+              <a:schemeClr val="phClr">
+                <a:lumMod val="105000"/>
+                <a:satMod val="109000"/>
+                <a:tint val="81000"/>
+              </a:schemeClr>
+            </a:gs>
+          </a:gsLst>
+          <a:lin ang="5400000" scaled="0"/>
+        </a:gradFill>
+        <a:gradFill rotWithShape="1">
+          <a:gsLst>
+            <a:gs pos="0">
+              <a:schemeClr val="phClr">
+                <a:satMod val="103000"/>
+                <a:lumMod val="102000"/>
+                <a:tint val="94000"/>
+              </a:schemeClr>
+            </a:gs>
+            <a:gs pos="50000">
+              <a:schemeClr val="phClr">
+                <a:satMod val="110000"/>
+                <a:lumMod val="100000"/>
+                <a:shade val="100000"/>
+              </a:schemeClr>
+            </a:gs>
+            <a:gs pos="100000">
+              <a:schemeClr val="phClr">
+                <a:lumMod val="99000"/>
+                <a:satMod val="120000"/>
+                <a:shade val="78000"/>
+              </a:schemeClr>
+            </a:gs>
+          </a:gsLst>
+          <a:lin ang="5400000" scaled="0"/>
+        </a:gradFill>
+      </a:fillStyleLst>
+      <a:lnStyleLst>
+        <a:ln w="6350" cap="flat" cmpd="sng" algn="ctr">
+          <a:solidFill>
+            <a:schemeClr val="phClr"/>
+          </a:solidFill>
+          <a:prstDash val="solid"/>
+          <a:miter lim="800000"/>
+        </a:ln>
+        <a:ln w="12700" cap="flat" cmpd="sng" algn="ctr">
+          <a:solidFill>
+            <a:schemeClr val="phClr"/>
+          </a:solidFill>
+          <a:prstDash val="solid"/>
+          <a:miter lim="800000"/>
+        </a:ln>
+        <a:ln w="19050" cap="flat" cmpd="sng" algn="ctr">
+          <a:solidFill>
+            <a:schemeClr val="phClr"/>
+          </a:solidFill>
+          <a:prstDash val="solid"/>
+          <a:miter lim="800000"/>
+        </a:ln>
+      </a:lnStyleLst>
+      <a:effectStyleLst>
+        <a:effectStyle>
+          <a:effectLst/>
+        </a:effectStyle>
+        <a:effectStyle>
+          <a:effectLst/>
+        </a:effectStyle>
+        <a:effectStyle>
+          <a:effectLst>
+            <a:outerShdw blurRad="57150" dist="19050" dir="5400000" algn="ctr" rotWithShape="0">
+              <a:srgbClr val="000000">
+                <a:alpha val="63000"/>
+              </a:srgbClr>
+            </a:outerShdw>
+          </a:effectLst>
+        </a:effectStyle>
+      </a:effectStyleLst>
+      <a:bgFillStyleLst>
+        <a:solidFill>
+          <a:schemeClr val="phClr"/>
+        </a:solidFill>
+        <a:solidFill>
+          <a:schemeClr val="phClr">
+            <a:tint val="95000"/>
+            <a:satMod val="170000"/>
+          </a:schemeClr>
+        </a:solidFill>
+        <a:gradFill rotWithShape="1">
+          <a:gsLst>
+            <a:gs pos="0">
+              <a:schemeClr val="phClr">
+                <a:tint val="93000"/>
+                <a:satMod val="150000"/>
+                <a:shade val="98000"/>
+                <a:lumMod val="102000"/>
+              </a:schemeClr>
+            </a:gs>
+            <a:gs pos="50000">
+              <a:schemeClr val="phClr">
+                <a:tint val="98000"/>
+                <a:satMod val="130000"/>
+                <a:shade val="90000"/>
+                <a:lumMod val="103000"/>
+              </a:schemeClr>
+            </a:gs>
+            <a:gs pos="100000">
+              <a:schemeClr val="phClr">
+                <a:shade val="63000"/>
+                <a:satMod val="120000"/>
+              </a:schemeClr>
+            </a:gs>
+          </a:gsLst>
+          <a:lin ang="5400000" scaled="0"/>
+        </a:gradFill>
+      </a:bgFillStyleLst>
+    </a:fmtScheme>
+  </a:themeElements>
+  <a:extLst>
+    <a:ext uri="{05A4C25C-085E-4340-85A3-A5531E510DB2}">
+      <thm15:themeFamily xmlns:thm15="http://schemas.microsoft.com/office/thememl/2012/main" name="Office Theme" id="{62F939B6-93AF-4DB8-9C6B-D6C7DFDC589F}" vid="{4A3C46E8-61CC-4603-A589-7422A47A8E4A}"/>
+    </a:ext>
+  </a:extLst>
+</a:theme>
 </file>
--- a/notes7-strand space.pptx
+++ b/notes7-strand space.pptx
@@ -37,6 +37,7 @@
     <p:sldId id="282" r:id="rId30"/>
     <p:sldId id="283" r:id="rId31"/>
     <p:sldId id="284" r:id="rId32"/>
+    <p:sldId id="285" r:id="rId33"/>
   </p:sldIdLst>
   <p:sldSz cx="12192000" cy="6858000"/>
   <p:notesSz cx="6858000" cy="9144000"/>
@@ -5649,7 +5650,7 @@
         </p:nvPicPr>
         <p:blipFill>
           <a:blip r:embed="rId1">
-            <a:lum bright="-12000" contrast="24000"/>
+            <a:lum bright="-18000" contrast="36000"/>
           </a:blip>
           <a:srcRect t="3241"/>
           <a:stretch>
@@ -5658,8 +5659,8 @@
         </p:blipFill>
         <p:spPr>
           <a:xfrm>
-            <a:off x="838200" y="3881755"/>
-            <a:ext cx="11122660" cy="1023620"/>
+            <a:off x="262890" y="4361180"/>
+            <a:ext cx="11577955" cy="1065530"/>
           </a:xfrm>
           <a:prstGeom prst="rect">
             <a:avLst/>
@@ -5828,7 +5829,12 @@
             <p:ph sz="half" idx="1"/>
           </p:nvPr>
         </p:nvSpPr>
-        <p:spPr/>
+        <p:spPr>
+          <a:xfrm>
+            <a:off x="838200" y="1825625"/>
+            <a:ext cx="11005820" cy="4351655"/>
+          </a:xfrm>
+        </p:spPr>
         <p:txBody>
           <a:bodyPr/>
           <a:p>
@@ -5837,6 +5843,42 @@
                 <a:sym typeface="+mn-ea"/>
               </a:rPr>
               <a:t>Completely Transforming Path</a:t>
+            </a:r>
+            <a:endParaRPr lang="en-US">
+              <a:sym typeface="+mn-ea"/>
+            </a:endParaRPr>
+          </a:p>
+          <a:p>
+            <a:pPr lvl="1"/>
+            <a:r>
+              <a:rPr lang="en-US">
+                <a:sym typeface="+mn-ea"/>
+              </a:rPr>
+              <a:t>function: </a:t>
+            </a:r>
+            <a:r>
+              <a:rPr lang="en-US" i="1">
+                <a:sym typeface="+mn-ea"/>
+              </a:rPr>
+              <a:t>last p</a:t>
+            </a:r>
+            <a:r>
+              <a:rPr lang="en-US">
+                <a:sym typeface="+mn-ea"/>
+              </a:rPr>
+              <a:t> (a CTP </a:t>
+            </a:r>
+            <a:r>
+              <a:rPr lang="en-US" i="1">
+                <a:sym typeface="+mn-ea"/>
+              </a:rPr>
+              <a:t>p</a:t>
+            </a:r>
+            <a:r>
+              <a:rPr lang="en-US">
+                <a:sym typeface="+mn-ea"/>
+              </a:rPr>
+              <a:t>'s last element)</a:t>
             </a:r>
             <a:endParaRPr lang="en-US">
               <a:sym typeface="+mn-ea"/>
@@ -5864,7 +5906,7 @@
         </p:blipFill>
         <p:spPr>
           <a:xfrm>
-            <a:off x="1194435" y="2223770"/>
+            <a:off x="1195070" y="2929255"/>
             <a:ext cx="10648950" cy="3159760"/>
           </a:xfrm>
           <a:prstGeom prst="rect">
@@ -5872,22 +5914,6 @@
           </a:prstGeom>
         </p:spPr>
       </p:pic>
-      <p:sp>
-        <p:nvSpPr>
-          <p:cNvPr id="7" name="Content Placeholder 6"/>
-          <p:cNvSpPr/>
-          <p:nvPr>
-            <p:ph sz="half" idx="2"/>
-          </p:nvPr>
-        </p:nvSpPr>
-        <p:spPr/>
-        <p:txBody>
-          <a:bodyPr/>
-          <a:p>
-            <a:endParaRPr lang="en-US"/>
-          </a:p>
-        </p:txBody>
-      </p:sp>
     </p:spTree>
   </p:cSld>
   <p:clrMapOvr>
@@ -6126,6 +6152,60 @@
               <a:t>   </a:t>
             </a:r>
             <a:endParaRPr lang="en-US"/>
+          </a:p>
+        </p:txBody>
+      </p:sp>
+    </p:spTree>
+  </p:cSld>
+  <p:clrMapOvr>
+    <a:masterClrMapping/>
+  </p:clrMapOvr>
+</p:sld>
+</file>
+
+<file path=ppt/slides/slide30.xml><?xml version="1.0" encoding="utf-8"?>
+<p:sld xmlns:a="http://schemas.openxmlformats.org/drawingml/2006/main" xmlns:r="http://schemas.openxmlformats.org/officeDocument/2006/relationships" xmlns:p="http://schemas.openxmlformats.org/presentationml/2006/main">
+  <p:cSld>
+    <p:spTree>
+      <p:nvGrpSpPr>
+        <p:cNvPr id="1" name=""/>
+        <p:cNvGrpSpPr/>
+        <p:nvPr/>
+      </p:nvGrpSpPr>
+      <p:grpSpPr/>
+      <p:sp>
+        <p:nvSpPr>
+          <p:cNvPr id="2" name="标题 1"/>
+          <p:cNvSpPr>
+            <a:spLocks noGrp="1"/>
+          </p:cNvSpPr>
+          <p:nvPr>
+            <p:ph type="title"/>
+          </p:nvPr>
+        </p:nvSpPr>
+        <p:spPr/>
+        <p:txBody>
+          <a:bodyPr/>
+          <a:p>
+            <a:endParaRPr lang="zh-CN" altLang="en-US"/>
+          </a:p>
+        </p:txBody>
+      </p:sp>
+      <p:sp>
+        <p:nvSpPr>
+          <p:cNvPr id="3" name="内容占位符 2"/>
+          <p:cNvSpPr>
+            <a:spLocks noGrp="1"/>
+          </p:cNvSpPr>
+          <p:nvPr>
+            <p:ph idx="1"/>
+          </p:nvPr>
+        </p:nvSpPr>
+        <p:spPr/>
+        <p:txBody>
+          <a:bodyPr/>
+          <a:p>
+            <a:endParaRPr lang="zh-CN" altLang="en-US"/>
           </a:p>
         </p:txBody>
       </p:sp>

--- a/notes7-strand space.pptx
+++ b/notes7-strand space.pptx
@@ -38,6 +38,10 @@
     <p:sldId id="283" r:id="rId31"/>
     <p:sldId id="284" r:id="rId32"/>
     <p:sldId id="285" r:id="rId33"/>
+    <p:sldId id="286" r:id="rId34"/>
+    <p:sldId id="287" r:id="rId35"/>
+    <p:sldId id="288" r:id="rId36"/>
+    <p:sldId id="289" r:id="rId37"/>
   </p:sldIdLst>
   <p:sldSz cx="12192000" cy="6858000"/>
   <p:notesSz cx="6858000" cy="9144000"/>
@@ -4886,7 +4890,7 @@
             <a:pPr lvl="1"/>
             <a:r>
               <a:rPr lang="en-US"/>
-              <a:t>Rule Nil specifies an empty bundle</a:t>
+              <a:t>Rule Nil (specifies an empty bundle)</a:t>
             </a:r>
             <a:endParaRPr lang="en-US"/>
           </a:p>
@@ -6185,8 +6189,16 @@
         </p:nvSpPr>
         <p:spPr/>
         <p:txBody>
-          <a:bodyPr/>
-          <a:p>
+          <a:bodyPr>
+            <a:normAutofit/>
+          </a:bodyPr>
+          <a:p>
+            <a:r>
+              <a:rPr lang="en-US">
+                <a:sym typeface="+mn-ea"/>
+              </a:rPr>
+              <a:t>A formalized strand space theory in Isabelle</a:t>
+            </a:r>
             <a:endParaRPr lang="zh-CN" altLang="en-US"/>
           </a:p>
         </p:txBody>
@@ -6205,10 +6217,655 @@
         <p:txBody>
           <a:bodyPr/>
           <a:p>
-            <a:endParaRPr lang="zh-CN" altLang="en-US"/>
-          </a:p>
-        </p:txBody>
-      </p:sp>
+            <a:r>
+              <a:rPr lang="en-US" altLang="zh-CN"/>
+              <a:t>Proof of Lemma 13</a:t>
+            </a:r>
+            <a:endParaRPr lang="en-US" altLang="zh-CN"/>
+          </a:p>
+          <a:p>
+            <a:pPr lvl="1"/>
+            <a:r>
+              <a:rPr lang="en-US" altLang="zh-CN"/>
+              <a:t>paper-and-pen proof</a:t>
+            </a:r>
+            <a:endParaRPr lang="en-US" altLang="zh-CN"/>
+          </a:p>
+          <a:p>
+            <a:pPr lvl="2"/>
+            <a:r>
+              <a:rPr lang="en-US" altLang="zh-CN" sz="2000"/>
+              <a:t>Case Add_pos1... If n2!=n'...</a:t>
+            </a:r>
+            <a:endParaRPr lang="en-US" altLang="zh-CN"/>
+          </a:p>
+          <a:p>
+            <a:pPr lvl="1"/>
+            <a:r>
+              <a:rPr lang="en-US" altLang="zh-CN"/>
+              <a:t>mechanical proof</a:t>
+            </a:r>
+            <a:endParaRPr lang="en-US" altLang="zh-CN"/>
+          </a:p>
+          <a:p>
+            <a:pPr lvl="2"/>
+            <a:endParaRPr lang="en-US" altLang="zh-CN"/>
+          </a:p>
+        </p:txBody>
+      </p:sp>
+    </p:spTree>
+  </p:cSld>
+  <p:clrMapOvr>
+    <a:masterClrMapping/>
+  </p:clrMapOvr>
+</p:sld>
+</file>
+
+<file path=ppt/slides/slide31.xml><?xml version="1.0" encoding="utf-8"?>
+<p:sld xmlns:a="http://schemas.openxmlformats.org/drawingml/2006/main" xmlns:r="http://schemas.openxmlformats.org/officeDocument/2006/relationships" xmlns:p="http://schemas.openxmlformats.org/presentationml/2006/main">
+  <p:cSld>
+    <p:spTree>
+      <p:nvGrpSpPr>
+        <p:cNvPr id="1" name=""/>
+        <p:cNvGrpSpPr/>
+        <p:nvPr/>
+      </p:nvGrpSpPr>
+      <p:grpSpPr/>
+      <p:sp>
+        <p:nvSpPr>
+          <p:cNvPr id="2" name="Title 1"/>
+          <p:cNvSpPr>
+            <a:spLocks noGrp="1"/>
+          </p:cNvSpPr>
+          <p:nvPr>
+            <p:ph type="title"/>
+          </p:nvPr>
+        </p:nvSpPr>
+        <p:spPr/>
+        <p:txBody>
+          <a:bodyPr>
+            <a:normAutofit/>
+          </a:bodyPr>
+          <a:p>
+            <a:r>
+              <a:rPr lang="en-US">
+                <a:sym typeface="+mn-ea"/>
+              </a:rPr>
+              <a:t>A formalized strand space theory in Isabelle</a:t>
+            </a:r>
+            <a:endParaRPr lang="en-US"/>
+          </a:p>
+        </p:txBody>
+      </p:sp>
+      <p:sp>
+        <p:nvSpPr>
+          <p:cNvPr id="3" name="Content Placeholder 2"/>
+          <p:cNvSpPr>
+            <a:spLocks noGrp="1"/>
+          </p:cNvSpPr>
+          <p:nvPr>
+            <p:ph idx="1"/>
+          </p:nvPr>
+        </p:nvSpPr>
+        <p:spPr/>
+        <p:txBody>
+          <a:bodyPr/>
+          <a:p>
+            <a:r>
+              <a:rPr lang="en-US"/>
+              <a:t>Penetrators</a:t>
+            </a:r>
+            <a:endParaRPr lang="en-US"/>
+          </a:p>
+          <a:p>
+            <a:pPr lvl="1"/>
+            <a:r>
+              <a:rPr lang="en-US" i="1"/>
+              <a:t>bad</a:t>
+            </a:r>
+            <a:r>
+              <a:rPr lang="en-US"/>
+              <a:t>: the set of all the penetrators</a:t>
+            </a:r>
+            <a:endParaRPr lang="en-US"/>
+          </a:p>
+          <a:p>
+            <a:pPr lvl="1"/>
+            <a:r>
+              <a:rPr lang="en-US" i="1"/>
+              <a:t>KP</a:t>
+            </a:r>
+            <a:r>
+              <a:rPr lang="en-US"/>
+              <a:t>: the set of all the keys which is initially known to all the penetrators</a:t>
+            </a:r>
+            <a:endParaRPr lang="en-US"/>
+          </a:p>
+          <a:p>
+            <a:pPr lvl="1"/>
+            <a:r>
+              <a:rPr lang="en-US"/>
+              <a:t>penetrator strands</a:t>
+            </a:r>
+            <a:endParaRPr lang="en-US"/>
+          </a:p>
+          <a:p>
+            <a:pPr lvl="2"/>
+            <a:r>
+              <a:rPr lang="en-US"/>
+              <a:t>T strands (T[g])</a:t>
+            </a:r>
+            <a:endParaRPr lang="en-US"/>
+          </a:p>
+          <a:p>
+            <a:pPr lvl="2"/>
+            <a:r>
+              <a:rPr lang="en-US"/>
+              <a:t>K strands (K[</a:t>
+            </a:r>
+            <a:r>
+              <a:rPr lang="en-US" i="1"/>
+              <a:t>K</a:t>
+            </a:r>
+            <a:r>
+              <a:rPr lang="en-US"/>
+              <a:t>])</a:t>
+            </a:r>
+            <a:endParaRPr lang="en-US"/>
+          </a:p>
+        </p:txBody>
+      </p:sp>
+      <p:pic>
+        <p:nvPicPr>
+          <p:cNvPr id="4" name="Picture 3"/>
+          <p:cNvPicPr>
+            <a:picLocks noChangeAspect="1"/>
+          </p:cNvPicPr>
+          <p:nvPr/>
+        </p:nvPicPr>
+        <p:blipFill>
+          <a:blip r:embed="rId1">
+            <a:lum bright="-12000" contrast="24000"/>
+          </a:blip>
+          <a:stretch>
+            <a:fillRect/>
+          </a:stretch>
+        </p:blipFill>
+        <p:spPr>
+          <a:xfrm>
+            <a:off x="1628140" y="4284980"/>
+            <a:ext cx="7477125" cy="1247775"/>
+          </a:xfrm>
+          <a:prstGeom prst="rect">
+            <a:avLst/>
+          </a:prstGeom>
+        </p:spPr>
+      </p:pic>
+    </p:spTree>
+  </p:cSld>
+  <p:clrMapOvr>
+    <a:masterClrMapping/>
+  </p:clrMapOvr>
+</p:sld>
+</file>
+
+<file path=ppt/slides/slide32.xml><?xml version="1.0" encoding="utf-8"?>
+<p:sld xmlns:a="http://schemas.openxmlformats.org/drawingml/2006/main" xmlns:r="http://schemas.openxmlformats.org/officeDocument/2006/relationships" xmlns:p="http://schemas.openxmlformats.org/presentationml/2006/main">
+  <p:cSld>
+    <p:spTree>
+      <p:nvGrpSpPr>
+        <p:cNvPr id="1" name=""/>
+        <p:cNvGrpSpPr/>
+        <p:nvPr/>
+      </p:nvGrpSpPr>
+      <p:grpSpPr/>
+      <p:sp>
+        <p:nvSpPr>
+          <p:cNvPr id="2" name="Title 1"/>
+          <p:cNvSpPr>
+            <a:spLocks noGrp="1"/>
+          </p:cNvSpPr>
+          <p:nvPr>
+            <p:ph type="title"/>
+          </p:nvPr>
+        </p:nvSpPr>
+        <p:spPr/>
+        <p:txBody>
+          <a:bodyPr/>
+          <a:p>
+            <a:r>
+              <a:rPr lang="en-US">
+                <a:sym typeface="+mn-ea"/>
+              </a:rPr>
+              <a:t>A formalized strand space theory in Isabelle</a:t>
+            </a:r>
+            <a:endParaRPr lang="en-US"/>
+          </a:p>
+        </p:txBody>
+      </p:sp>
+      <p:sp>
+        <p:nvSpPr>
+          <p:cNvPr id="3" name="Content Placeholder 2"/>
+          <p:cNvSpPr>
+            <a:spLocks noGrp="1"/>
+          </p:cNvSpPr>
+          <p:nvPr>
+            <p:ph idx="1"/>
+          </p:nvPr>
+        </p:nvSpPr>
+        <p:spPr>
+          <a:xfrm>
+            <a:off x="838200" y="1825625"/>
+            <a:ext cx="10515600" cy="4351338"/>
+          </a:xfrm>
+        </p:spPr>
+        <p:txBody>
+          <a:bodyPr/>
+          <a:p>
+            <a:r>
+              <a:rPr lang="en-US">
+                <a:sym typeface="+mn-ea"/>
+              </a:rPr>
+              <a:t>Penetrators</a:t>
+            </a:r>
+            <a:endParaRPr lang="en-US">
+              <a:sym typeface="+mn-ea"/>
+            </a:endParaRPr>
+          </a:p>
+          <a:p>
+            <a:pPr lvl="1"/>
+            <a:r>
+              <a:rPr lang="en-US" i="1"/>
+              <a:t>Is_Penetrator_strand s</a:t>
+            </a:r>
+            <a:endParaRPr lang="en-US" i="1"/>
+          </a:p>
+          <a:p>
+            <a:pPr lvl="1"/>
+            <a:r>
+              <a:rPr lang="en-US" i="1"/>
+              <a:t>Is_Regular_strand s = ! Is_Penetrator_strand s</a:t>
+            </a:r>
+            <a:endParaRPr lang="en-US" i="1"/>
+          </a:p>
+          <a:p>
+            <a:pPr lvl="1"/>
+            <a:endParaRPr lang="en-US" i="1"/>
+          </a:p>
+        </p:txBody>
+      </p:sp>
+      <p:pic>
+        <p:nvPicPr>
+          <p:cNvPr id="4" name="Picture 3"/>
+          <p:cNvPicPr>
+            <a:picLocks noChangeAspect="1"/>
+          </p:cNvPicPr>
+          <p:nvPr/>
+        </p:nvPicPr>
+        <p:blipFill>
+          <a:blip r:embed="rId1">
+            <a:lum bright="-12000" contrast="30000"/>
+          </a:blip>
+          <a:stretch>
+            <a:fillRect/>
+          </a:stretch>
+        </p:blipFill>
+        <p:spPr>
+          <a:xfrm>
+            <a:off x="1604010" y="3433445"/>
+            <a:ext cx="7048500" cy="1704975"/>
+          </a:xfrm>
+          <a:prstGeom prst="rect">
+            <a:avLst/>
+          </a:prstGeom>
+        </p:spPr>
+      </p:pic>
+    </p:spTree>
+  </p:cSld>
+  <p:clrMapOvr>
+    <a:masterClrMapping/>
+  </p:clrMapOvr>
+</p:sld>
+</file>
+
+<file path=ppt/slides/slide33.xml><?xml version="1.0" encoding="utf-8"?>
+<p:sld xmlns:a="http://schemas.openxmlformats.org/drawingml/2006/main" xmlns:r="http://schemas.openxmlformats.org/officeDocument/2006/relationships" xmlns:p="http://schemas.openxmlformats.org/presentationml/2006/main">
+  <p:cSld>
+    <p:spTree>
+      <p:nvGrpSpPr>
+        <p:cNvPr id="1" name=""/>
+        <p:cNvGrpSpPr/>
+        <p:nvPr/>
+      </p:nvGrpSpPr>
+      <p:grpSpPr/>
+      <p:sp>
+        <p:nvSpPr>
+          <p:cNvPr id="2" name="Title 1"/>
+          <p:cNvSpPr>
+            <a:spLocks noGrp="1"/>
+          </p:cNvSpPr>
+          <p:nvPr>
+            <p:ph type="title"/>
+          </p:nvPr>
+        </p:nvSpPr>
+        <p:spPr/>
+        <p:txBody>
+          <a:bodyPr/>
+          <a:p>
+            <a:r>
+              <a:rPr lang="en-US">
+                <a:sym typeface="+mn-ea"/>
+              </a:rPr>
+              <a:t>A formalized strand space theory in Isabelle</a:t>
+            </a:r>
+            <a:endParaRPr lang="en-US"/>
+          </a:p>
+        </p:txBody>
+      </p:sp>
+      <p:sp>
+        <p:nvSpPr>
+          <p:cNvPr id="3" name="Content Placeholder 2"/>
+          <p:cNvSpPr>
+            <a:spLocks noGrp="1"/>
+          </p:cNvSpPr>
+          <p:nvPr>
+            <p:ph idx="1"/>
+          </p:nvPr>
+        </p:nvSpPr>
+        <p:spPr/>
+        <p:txBody>
+          <a:bodyPr/>
+          <a:p>
+            <a:r>
+              <a:rPr lang="en-US">
+                <a:sym typeface="+mn-ea"/>
+              </a:rPr>
+              <a:t>Penetrators</a:t>
+            </a:r>
+            <a:endParaRPr lang="en-US">
+              <a:sym typeface="+mn-ea"/>
+            </a:endParaRPr>
+          </a:p>
+          <a:p>
+            <a:pPr lvl="1"/>
+            <a:r>
+              <a:rPr lang="en-US" i="1"/>
+              <a:t>regularK K </a:t>
+            </a:r>
+            <a:r>
+              <a:rPr lang="en-US"/>
+              <a:t>(K cannot be penetrated in a bundle)</a:t>
+            </a:r>
+            <a:endParaRPr lang="en-US"/>
+          </a:p>
+          <a:p>
+            <a:pPr lvl="1"/>
+            <a:r>
+              <a:rPr lang="en-US" i="1"/>
+              <a:t>component t b</a:t>
+            </a:r>
+            <a:r>
+              <a:rPr lang="en-US"/>
+              <a:t> ( t is a basic unit that cannot be analyzed in b by penetrators )</a:t>
+            </a:r>
+            <a:endParaRPr lang="en-US"/>
+          </a:p>
+          <a:p>
+            <a:pPr lvl="1"/>
+            <a:r>
+              <a:rPr lang="en-US" i="1"/>
+              <a:t>a test suite G</a:t>
+            </a:r>
+            <a:endParaRPr lang="en-US" i="1"/>
+          </a:p>
+          <a:p>
+            <a:pPr lvl="1"/>
+            <a:endParaRPr lang="en-US" i="1"/>
+          </a:p>
+        </p:txBody>
+      </p:sp>
+      <p:pic>
+        <p:nvPicPr>
+          <p:cNvPr id="4" name="Picture 3"/>
+          <p:cNvPicPr>
+            <a:picLocks noChangeAspect="1"/>
+          </p:cNvPicPr>
+          <p:nvPr/>
+        </p:nvPicPr>
+        <p:blipFill>
+          <a:blip r:embed="rId1">
+            <a:lum bright="-12000" contrast="24000"/>
+          </a:blip>
+          <a:stretch>
+            <a:fillRect/>
+          </a:stretch>
+        </p:blipFill>
+        <p:spPr>
+          <a:xfrm>
+            <a:off x="742950" y="4114165"/>
+            <a:ext cx="11268075" cy="609600"/>
+          </a:xfrm>
+          <a:prstGeom prst="rect">
+            <a:avLst/>
+          </a:prstGeom>
+        </p:spPr>
+      </p:pic>
+      <p:pic>
+        <p:nvPicPr>
+          <p:cNvPr id="5" name="Picture 4"/>
+          <p:cNvPicPr>
+            <a:picLocks noChangeAspect="1"/>
+          </p:cNvPicPr>
+          <p:nvPr/>
+        </p:nvPicPr>
+        <p:blipFill>
+          <a:blip r:embed="rId2">
+            <a:lum bright="-12000" contrast="24000"/>
+          </a:blip>
+          <a:stretch>
+            <a:fillRect/>
+          </a:stretch>
+        </p:blipFill>
+        <p:spPr>
+          <a:xfrm>
+            <a:off x="742950" y="4815205"/>
+            <a:ext cx="11449050" cy="581025"/>
+          </a:xfrm>
+          <a:prstGeom prst="rect">
+            <a:avLst/>
+          </a:prstGeom>
+        </p:spPr>
+      </p:pic>
+      <p:pic>
+        <p:nvPicPr>
+          <p:cNvPr id="6" name="Picture 5"/>
+          <p:cNvPicPr>
+            <a:picLocks noChangeAspect="1"/>
+          </p:cNvPicPr>
+          <p:nvPr/>
+        </p:nvPicPr>
+        <p:blipFill>
+          <a:blip r:embed="rId3">
+            <a:lum bright="-12000" contrast="24000"/>
+          </a:blip>
+          <a:stretch>
+            <a:fillRect/>
+          </a:stretch>
+        </p:blipFill>
+        <p:spPr>
+          <a:xfrm>
+            <a:off x="742950" y="5534025"/>
+            <a:ext cx="9925050" cy="571500"/>
+          </a:xfrm>
+          <a:prstGeom prst="rect">
+            <a:avLst/>
+          </a:prstGeom>
+        </p:spPr>
+      </p:pic>
+    </p:spTree>
+  </p:cSld>
+  <p:clrMapOvr>
+    <a:masterClrMapping/>
+  </p:clrMapOvr>
+</p:sld>
+</file>
+
+<file path=ppt/slides/slide34.xml><?xml version="1.0" encoding="utf-8"?>
+<p:sld xmlns:a="http://schemas.openxmlformats.org/drawingml/2006/main" xmlns:r="http://schemas.openxmlformats.org/officeDocument/2006/relationships" xmlns:p="http://schemas.openxmlformats.org/presentationml/2006/main">
+  <p:cSld>
+    <p:spTree>
+      <p:nvGrpSpPr>
+        <p:cNvPr id="1" name=""/>
+        <p:cNvGrpSpPr/>
+        <p:nvPr/>
+      </p:nvGrpSpPr>
+      <p:grpSpPr/>
+      <p:sp>
+        <p:nvSpPr>
+          <p:cNvPr id="2" name="Title 1"/>
+          <p:cNvSpPr>
+            <a:spLocks noGrp="1"/>
+          </p:cNvSpPr>
+          <p:nvPr>
+            <p:ph type="title"/>
+          </p:nvPr>
+        </p:nvSpPr>
+        <p:spPr/>
+        <p:txBody>
+          <a:bodyPr/>
+          <a:p>
+            <a:r>
+              <a:rPr lang="en-US">
+                <a:sym typeface="+mn-ea"/>
+              </a:rPr>
+              <a:t>A formalized strand space theory in Isabelle</a:t>
+            </a:r>
+            <a:endParaRPr lang="en-US"/>
+          </a:p>
+        </p:txBody>
+      </p:sp>
+      <p:sp>
+        <p:nvSpPr>
+          <p:cNvPr id="3" name="Content Placeholder 2"/>
+          <p:cNvSpPr>
+            <a:spLocks noGrp="1"/>
+          </p:cNvSpPr>
+          <p:nvPr>
+            <p:ph sz="half" idx="1"/>
+          </p:nvPr>
+        </p:nvSpPr>
+        <p:spPr/>
+        <p:txBody>
+          <a:bodyPr/>
+          <a:p>
+            <a:r>
+              <a:rPr lang="en-US">
+                <a:sym typeface="+mn-ea"/>
+              </a:rPr>
+              <a:t>Penetrators</a:t>
+            </a:r>
+            <a:endParaRPr lang="en-US"/>
+          </a:p>
+        </p:txBody>
+      </p:sp>
+      <p:pic>
+        <p:nvPicPr>
+          <p:cNvPr id="4" name="Content Placeholder 3"/>
+          <p:cNvPicPr>
+            <a:picLocks noChangeAspect="1"/>
+          </p:cNvPicPr>
+          <p:nvPr>
+            <p:ph sz="half" idx="2"/>
+          </p:nvPr>
+        </p:nvPicPr>
+        <p:blipFill>
+          <a:blip r:embed="rId1"/>
+          <a:stretch>
+            <a:fillRect/>
+          </a:stretch>
+        </p:blipFill>
+        <p:spPr>
+          <a:xfrm>
+            <a:off x="1009650" y="2791460"/>
+            <a:ext cx="8811260" cy="434975"/>
+          </a:xfrm>
+          <a:prstGeom prst="rect">
+            <a:avLst/>
+          </a:prstGeom>
+        </p:spPr>
+      </p:pic>
+      <p:pic>
+        <p:nvPicPr>
+          <p:cNvPr id="5" name="Picture 4"/>
+          <p:cNvPicPr>
+            <a:picLocks noChangeAspect="1"/>
+          </p:cNvPicPr>
+          <p:nvPr/>
+        </p:nvPicPr>
+        <p:blipFill>
+          <a:blip r:embed="rId2"/>
+          <a:stretch>
+            <a:fillRect/>
+          </a:stretch>
+        </p:blipFill>
+        <p:spPr>
+          <a:xfrm>
+            <a:off x="1009650" y="3262630"/>
+            <a:ext cx="7007225" cy="418465"/>
+          </a:xfrm>
+          <a:prstGeom prst="rect">
+            <a:avLst/>
+          </a:prstGeom>
+        </p:spPr>
+      </p:pic>
+      <p:pic>
+        <p:nvPicPr>
+          <p:cNvPr id="6" name="Picture 5"/>
+          <p:cNvPicPr>
+            <a:picLocks noChangeAspect="1"/>
+          </p:cNvPicPr>
+          <p:nvPr/>
+        </p:nvPicPr>
+        <p:blipFill>
+          <a:blip r:embed="rId3"/>
+          <a:stretch>
+            <a:fillRect/>
+          </a:stretch>
+        </p:blipFill>
+        <p:spPr>
+          <a:xfrm>
+            <a:off x="1009650" y="3681095"/>
+            <a:ext cx="10344150" cy="1447800"/>
+          </a:xfrm>
+          <a:prstGeom prst="rect">
+            <a:avLst/>
+          </a:prstGeom>
+        </p:spPr>
+      </p:pic>
+      <p:pic>
+        <p:nvPicPr>
+          <p:cNvPr id="7" name="Picture 6"/>
+          <p:cNvPicPr>
+            <a:picLocks noChangeAspect="1"/>
+          </p:cNvPicPr>
+          <p:nvPr/>
+        </p:nvPicPr>
+        <p:blipFill>
+          <a:blip r:embed="rId4"/>
+          <a:stretch>
+            <a:fillRect/>
+          </a:stretch>
+        </p:blipFill>
+        <p:spPr>
+          <a:xfrm>
+            <a:off x="1009650" y="5128895"/>
+            <a:ext cx="10232390" cy="1567180"/>
+          </a:xfrm>
+          <a:prstGeom prst="rect">
+            <a:avLst/>
+          </a:prstGeom>
+        </p:spPr>
+      </p:pic>
     </p:spTree>
   </p:cSld>
   <p:clrMapOvr>

--- a/notes7-strand space.pptx
+++ b/notes7-strand space.pptx
@@ -5,43 +5,51 @@
     <p:sldMasterId id="2147483648" r:id="rId1"/>
   </p:sldMasterIdLst>
   <p:notesMasterIdLst>
-    <p:notesMasterId r:id="rId25"/>
+    <p:notesMasterId r:id="rId24"/>
   </p:notesMasterIdLst>
   <p:sldIdLst>
     <p:sldId id="256" r:id="rId3"/>
     <p:sldId id="257" r:id="rId4"/>
-    <p:sldId id="258" r:id="rId5"/>
-    <p:sldId id="259" r:id="rId6"/>
-    <p:sldId id="260" r:id="rId7"/>
-    <p:sldId id="261" r:id="rId8"/>
-    <p:sldId id="262" r:id="rId9"/>
-    <p:sldId id="263" r:id="rId10"/>
-    <p:sldId id="264" r:id="rId11"/>
-    <p:sldId id="265" r:id="rId12"/>
-    <p:sldId id="266" r:id="rId13"/>
-    <p:sldId id="267" r:id="rId14"/>
-    <p:sldId id="268" r:id="rId15"/>
-    <p:sldId id="269" r:id="rId16"/>
-    <p:sldId id="270" r:id="rId17"/>
-    <p:sldId id="271" r:id="rId18"/>
-    <p:sldId id="272" r:id="rId19"/>
-    <p:sldId id="273" r:id="rId20"/>
-    <p:sldId id="274" r:id="rId21"/>
-    <p:sldId id="275" r:id="rId22"/>
-    <p:sldId id="276" r:id="rId23"/>
-    <p:sldId id="277" r:id="rId24"/>
-    <p:sldId id="278" r:id="rId26"/>
-    <p:sldId id="279" r:id="rId27"/>
-    <p:sldId id="280" r:id="rId28"/>
-    <p:sldId id="281" r:id="rId29"/>
-    <p:sldId id="282" r:id="rId30"/>
-    <p:sldId id="283" r:id="rId31"/>
-    <p:sldId id="284" r:id="rId32"/>
-    <p:sldId id="285" r:id="rId33"/>
-    <p:sldId id="286" r:id="rId34"/>
-    <p:sldId id="287" r:id="rId35"/>
-    <p:sldId id="288" r:id="rId36"/>
-    <p:sldId id="289" r:id="rId37"/>
+    <p:sldId id="259" r:id="rId5"/>
+    <p:sldId id="260" r:id="rId6"/>
+    <p:sldId id="261" r:id="rId7"/>
+    <p:sldId id="262" r:id="rId8"/>
+    <p:sldId id="263" r:id="rId9"/>
+    <p:sldId id="264" r:id="rId10"/>
+    <p:sldId id="265" r:id="rId11"/>
+    <p:sldId id="266" r:id="rId12"/>
+    <p:sldId id="267" r:id="rId13"/>
+    <p:sldId id="268" r:id="rId14"/>
+    <p:sldId id="269" r:id="rId15"/>
+    <p:sldId id="270" r:id="rId16"/>
+    <p:sldId id="271" r:id="rId17"/>
+    <p:sldId id="272" r:id="rId18"/>
+    <p:sldId id="273" r:id="rId19"/>
+    <p:sldId id="274" r:id="rId20"/>
+    <p:sldId id="275" r:id="rId21"/>
+    <p:sldId id="276" r:id="rId22"/>
+    <p:sldId id="277" r:id="rId23"/>
+    <p:sldId id="278" r:id="rId25"/>
+    <p:sldId id="279" r:id="rId26"/>
+    <p:sldId id="280" r:id="rId27"/>
+    <p:sldId id="281" r:id="rId28"/>
+    <p:sldId id="282" r:id="rId29"/>
+    <p:sldId id="283" r:id="rId30"/>
+    <p:sldId id="284" r:id="rId31"/>
+    <p:sldId id="285" r:id="rId32"/>
+    <p:sldId id="286" r:id="rId33"/>
+    <p:sldId id="287" r:id="rId34"/>
+    <p:sldId id="288" r:id="rId35"/>
+    <p:sldId id="289" r:id="rId36"/>
+    <p:sldId id="290" r:id="rId37"/>
+    <p:sldId id="291" r:id="rId38"/>
+    <p:sldId id="292" r:id="rId39"/>
+    <p:sldId id="293" r:id="rId40"/>
+    <p:sldId id="294" r:id="rId41"/>
+    <p:sldId id="295" r:id="rId42"/>
+    <p:sldId id="296" r:id="rId43"/>
+    <p:sldId id="297" r:id="rId44"/>
+    <p:sldId id="298" r:id="rId45"/>
   </p:sldIdLst>
   <p:sldSz cx="12192000" cy="6858000"/>
   <p:notesSz cx="6858000" cy="9144000"/>
@@ -3363,6 +3371,10 @@
           <a:bodyPr/>
           <a:lstStyle/>
           <a:p>
+            <a:r>
+              <a:rPr lang="en-US" dirty="0"/>
+              <a:t>An inductive approach to strand spaces</a:t>
+            </a:r>
             <a:endParaRPr lang="en-US" dirty="0"/>
           </a:p>
         </p:txBody>
@@ -3406,7 +3418,7 @@
       <p:grpSpPr/>
       <p:sp>
         <p:nvSpPr>
-          <p:cNvPr id="5" name="Title 4"/>
+          <p:cNvPr id="2" name="Title 1"/>
           <p:cNvSpPr>
             <a:spLocks noGrp="1"/>
           </p:cNvSpPr>
@@ -3430,7 +3442,7 @@
       </p:sp>
       <p:sp>
         <p:nvSpPr>
-          <p:cNvPr id="6" name="Content Placeholder 5"/>
+          <p:cNvPr id="3" name="Content Placeholder 2"/>
           <p:cNvSpPr>
             <a:spLocks noGrp="1"/>
           </p:cNvSpPr>
@@ -3444,7 +3456,7 @@
           <a:p>
             <a:r>
               <a:rPr lang="en-US"/>
-              <a:t>Protocol modeling using strands</a:t>
+              <a:t>Penetrator</a:t>
             </a:r>
             <a:endParaRPr lang="en-US"/>
           </a:p>
@@ -3452,7 +3464,7 @@
             <a:pPr lvl="1"/>
             <a:r>
               <a:rPr lang="en-US"/>
-              <a:t>role: initiators, responders,servers</a:t>
+              <a:t>bad and regular</a:t>
             </a:r>
             <a:endParaRPr lang="en-US"/>
           </a:p>
@@ -3460,82 +3472,41 @@
             <a:pPr lvl="1"/>
             <a:r>
               <a:rPr lang="en-US"/>
-              <a:t>parameter: names, nonces</a:t>
-            </a:r>
-            <a:endParaRPr lang="en-US"/>
+              <a:t>the set </a:t>
+            </a:r>
+            <a:r>
+              <a:rPr lang="en-US" i="1"/>
+              <a:t>bad</a:t>
+            </a:r>
+            <a:r>
+              <a:rPr lang="zh-CN" altLang="en-US"/>
+              <a:t>：the set of all penetrators</a:t>
+            </a:r>
+            <a:endParaRPr lang="zh-CN" altLang="en-US"/>
           </a:p>
           <a:p>
             <a:pPr lvl="1"/>
             <a:r>
-              <a:rPr lang="en-US"/>
-              <a:t>parameterized strand: role[parameter list]</a:t>
-            </a:r>
-            <a:endParaRPr lang="en-US"/>
+              <a:rPr lang="zh-CN" altLang="en-US"/>
+              <a:t>penetrator strands</a:t>
+            </a:r>
+            <a:endParaRPr lang="zh-CN" altLang="en-US"/>
           </a:p>
           <a:p>
             <a:pPr lvl="1"/>
-            <a:endParaRPr lang="en-US"/>
-          </a:p>
-        </p:txBody>
-      </p:sp>
-      <p:pic>
-        <p:nvPicPr>
-          <p:cNvPr id="7" name="Picture 6"/>
-          <p:cNvPicPr>
-            <a:picLocks noChangeAspect="1"/>
-          </p:cNvPicPr>
-          <p:nvPr/>
-        </p:nvPicPr>
-        <p:blipFill>
-          <a:blip r:embed="rId1"/>
-          <a:stretch>
-            <a:fillRect/>
-          </a:stretch>
-        </p:blipFill>
-        <p:spPr>
-          <a:xfrm>
-            <a:off x="152400" y="4975225"/>
-            <a:ext cx="11887200" cy="1438275"/>
-          </a:xfrm>
-          <a:prstGeom prst="rect">
-            <a:avLst/>
-          </a:prstGeom>
-        </p:spPr>
-      </p:pic>
-      <p:sp>
-        <p:nvSpPr>
-          <p:cNvPr id="8" name="Text Box 7"/>
-          <p:cNvSpPr txBox="1"/>
-          <p:nvPr/>
-        </p:nvSpPr>
-        <p:spPr>
-          <a:xfrm>
-            <a:off x="215900" y="4634865"/>
-            <a:ext cx="4006850" cy="368300"/>
-          </a:xfrm>
-          <a:prstGeom prst="rect">
-            <a:avLst/>
-          </a:prstGeom>
-          <a:noFill/>
-        </p:spPr>
-        <p:txBody>
-          <a:bodyPr wrap="square" rtlCol="0">
-            <a:spAutoFit/>
-          </a:bodyPr>
-          <a:p>
-            <a:r>
-              <a:rPr lang="en-US" b="1"/>
-              <a:t>example</a:t>
-            </a:r>
-            <a:r>
-              <a:rPr lang="zh-CN" altLang="en-US" b="1"/>
-              <a:t>： </a:t>
-            </a:r>
-            <a:r>
-              <a:rPr lang="en-US" b="1"/>
-              <a:t>NSL</a:t>
-            </a:r>
-            <a:endParaRPr lang="en-US" b="1"/>
+            <a:r>
+              <a:rPr lang="zh-CN" altLang="en-US"/>
+              <a:t>KP：a set of keys known to all penetrators initially</a:t>
+            </a:r>
+            <a:endParaRPr lang="zh-CN" altLang="en-US"/>
+          </a:p>
+          <a:p>
+            <a:pPr lvl="1"/>
+            <a:endParaRPr lang="zh-CN" altLang="en-US"/>
+          </a:p>
+          <a:p>
+            <a:pPr lvl="1"/>
+            <a:endParaRPr lang="zh-CN" altLang="en-US"/>
           </a:p>
         </p:txBody>
       </p:sp>
@@ -3548,118 +3519,6 @@
 </file>
 
 <file path=ppt/slides/slide11.xml><?xml version="1.0" encoding="utf-8"?>
-<p:sld xmlns:a="http://schemas.openxmlformats.org/drawingml/2006/main" xmlns:r="http://schemas.openxmlformats.org/officeDocument/2006/relationships" xmlns:p="http://schemas.openxmlformats.org/presentationml/2006/main">
-  <p:cSld>
-    <p:spTree>
-      <p:nvGrpSpPr>
-        <p:cNvPr id="1" name=""/>
-        <p:cNvGrpSpPr/>
-        <p:nvPr/>
-      </p:nvGrpSpPr>
-      <p:grpSpPr/>
-      <p:sp>
-        <p:nvSpPr>
-          <p:cNvPr id="2" name="Title 1"/>
-          <p:cNvSpPr>
-            <a:spLocks noGrp="1"/>
-          </p:cNvSpPr>
-          <p:nvPr>
-            <p:ph type="title"/>
-          </p:nvPr>
-        </p:nvSpPr>
-        <p:spPr/>
-        <p:txBody>
-          <a:bodyPr/>
-          <a:p>
-            <a:r>
-              <a:rPr lang="en-US">
-                <a:sym typeface="+mn-ea"/>
-              </a:rPr>
-              <a:t>Preliminaries</a:t>
-            </a:r>
-            <a:endParaRPr lang="en-US"/>
-          </a:p>
-        </p:txBody>
-      </p:sp>
-      <p:sp>
-        <p:nvSpPr>
-          <p:cNvPr id="3" name="Content Placeholder 2"/>
-          <p:cNvSpPr>
-            <a:spLocks noGrp="1"/>
-          </p:cNvSpPr>
-          <p:nvPr>
-            <p:ph idx="1"/>
-          </p:nvPr>
-        </p:nvSpPr>
-        <p:spPr/>
-        <p:txBody>
-          <a:bodyPr/>
-          <a:p>
-            <a:r>
-              <a:rPr lang="en-US"/>
-              <a:t>Penetrator</a:t>
-            </a:r>
-            <a:endParaRPr lang="en-US"/>
-          </a:p>
-          <a:p>
-            <a:pPr lvl="1"/>
-            <a:r>
-              <a:rPr lang="en-US"/>
-              <a:t>bad and regular</a:t>
-            </a:r>
-            <a:endParaRPr lang="en-US"/>
-          </a:p>
-          <a:p>
-            <a:pPr lvl="1"/>
-            <a:r>
-              <a:rPr lang="en-US"/>
-              <a:t>the set </a:t>
-            </a:r>
-            <a:r>
-              <a:rPr lang="en-US" i="1"/>
-              <a:t>bad</a:t>
-            </a:r>
-            <a:r>
-              <a:rPr lang="zh-CN" altLang="en-US"/>
-              <a:t>：the set of all penetrators</a:t>
-            </a:r>
-            <a:endParaRPr lang="zh-CN" altLang="en-US"/>
-          </a:p>
-          <a:p>
-            <a:pPr lvl="1"/>
-            <a:r>
-              <a:rPr lang="zh-CN" altLang="en-US"/>
-              <a:t>penetrator strands</a:t>
-            </a:r>
-            <a:endParaRPr lang="zh-CN" altLang="en-US"/>
-          </a:p>
-          <a:p>
-            <a:pPr lvl="1"/>
-            <a:r>
-              <a:rPr lang="zh-CN" altLang="en-US"/>
-              <a:t>KP：a set of keys known to all penetrators initially</a:t>
-            </a:r>
-            <a:endParaRPr lang="zh-CN" altLang="en-US"/>
-          </a:p>
-          <a:p>
-            <a:pPr lvl="1"/>
-            <a:endParaRPr lang="zh-CN" altLang="en-US"/>
-          </a:p>
-          <a:p>
-            <a:pPr lvl="1"/>
-            <a:endParaRPr lang="zh-CN" altLang="en-US"/>
-          </a:p>
-        </p:txBody>
-      </p:sp>
-    </p:spTree>
-  </p:cSld>
-  <p:clrMapOvr>
-    <a:masterClrMapping/>
-  </p:clrMapOvr>
-</p:sld>
-</file>
-
-<file path=ppt/slides/slide12.xml><?xml version="1.0" encoding="utf-8"?>
 <p:sld xmlns:a="http://schemas.openxmlformats.org/drawingml/2006/main" xmlns:r="http://schemas.openxmlformats.org/officeDocument/2006/relationships" xmlns:p="http://schemas.openxmlformats.org/presentationml/2006/main">
   <p:cSld>
     <p:spTree>
@@ -3729,6 +3588,150 @@
 </p:sld>
 </file>
 
+<file path=ppt/slides/slide12.xml><?xml version="1.0" encoding="utf-8"?>
+<p:sld xmlns:a="http://schemas.openxmlformats.org/drawingml/2006/main" xmlns:r="http://schemas.openxmlformats.org/officeDocument/2006/relationships" xmlns:p="http://schemas.openxmlformats.org/presentationml/2006/main">
+  <p:cSld>
+    <p:spTree>
+      <p:nvGrpSpPr>
+        <p:cNvPr id="1" name=""/>
+        <p:cNvGrpSpPr/>
+        <p:nvPr/>
+      </p:nvGrpSpPr>
+      <p:grpSpPr/>
+      <p:sp>
+        <p:nvSpPr>
+          <p:cNvPr id="2" name="Title 1"/>
+          <p:cNvSpPr>
+            <a:spLocks noGrp="1"/>
+          </p:cNvSpPr>
+          <p:nvPr>
+            <p:ph type="title"/>
+          </p:nvPr>
+        </p:nvSpPr>
+        <p:spPr/>
+        <p:txBody>
+          <a:bodyPr/>
+          <a:p>
+            <a:r>
+              <a:rPr lang="en-US">
+                <a:sym typeface="+mn-ea"/>
+              </a:rPr>
+              <a:t>Preliminaries</a:t>
+            </a:r>
+            <a:endParaRPr lang="en-US"/>
+          </a:p>
+        </p:txBody>
+      </p:sp>
+      <p:sp>
+        <p:nvSpPr>
+          <p:cNvPr id="3" name="Content Placeholder 2"/>
+          <p:cNvSpPr>
+            <a:spLocks noGrp="1"/>
+          </p:cNvSpPr>
+          <p:nvPr>
+            <p:ph idx="1"/>
+          </p:nvPr>
+        </p:nvSpPr>
+        <p:spPr/>
+        <p:txBody>
+          <a:bodyPr/>
+          <a:p>
+            <a:r>
+              <a:rPr lang="en-US"/>
+              <a:t>Specifying security properties</a:t>
+            </a:r>
+            <a:endParaRPr lang="en-US"/>
+          </a:p>
+          <a:p>
+            <a:pPr lvl="1"/>
+            <a:r>
+              <a:rPr lang="en-US"/>
+              <a:t>authentication</a:t>
+            </a:r>
+            <a:endParaRPr lang="en-US"/>
+          </a:p>
+          <a:p>
+            <a:pPr lvl="2"/>
+            <a:r>
+              <a:rPr lang="en-US" sz="2000"/>
+              <a:t>there is a responder strand Resp[</a:t>
+            </a:r>
+            <a:r>
+              <a:rPr lang="en-US" sz="2000" i="1"/>
+              <a:t>x</a:t>
+            </a:r>
+            <a:r>
+              <a:rPr lang="en-US" sz="2000"/>
+              <a:t>] and the i-th node of the strand is in a bundle b, then there is an initiator strand Init[</a:t>
+            </a:r>
+            <a:r>
+              <a:rPr lang="en-US" sz="2000" i="1"/>
+              <a:t>x</a:t>
+            </a:r>
+            <a:r>
+              <a:rPr lang="en-US" sz="2000"/>
+              <a:t>] and some j-th node of the initiator strand is in b.</a:t>
+            </a:r>
+            <a:endParaRPr lang="en-US" sz="2000"/>
+          </a:p>
+          <a:p>
+            <a:pPr lvl="1"/>
+            <a:r>
+              <a:rPr lang="en-US"/>
+              <a:t>secrecy</a:t>
+            </a:r>
+            <a:endParaRPr lang="en-US"/>
+          </a:p>
+          <a:p>
+            <a:pPr lvl="2"/>
+            <a:r>
+              <a:rPr lang="en-US"/>
+              <a:t>A message </a:t>
+            </a:r>
+            <a:r>
+              <a:rPr lang="en-US" i="1"/>
+              <a:t>g</a:t>
+            </a:r>
+            <a:r>
+              <a:rPr lang="en-US"/>
+              <a:t> is secret for a protocol if in every bundle </a:t>
+            </a:r>
+            <a:r>
+              <a:rPr lang="en-US" i="1"/>
+              <a:t>b</a:t>
+            </a:r>
+            <a:r>
+              <a:rPr lang="en-US"/>
+              <a:t> of the protocol the penetrator cannot receive </a:t>
+            </a:r>
+            <a:r>
+              <a:rPr lang="en-US" i="1"/>
+              <a:t>g </a:t>
+            </a:r>
+            <a:r>
+              <a:rPr lang="en-US"/>
+              <a:t>in cleartext</a:t>
+            </a:r>
+            <a:endParaRPr lang="en-US"/>
+          </a:p>
+          <a:p>
+            <a:pPr lvl="2"/>
+            <a:r>
+              <a:rPr lang="en-US"/>
+              <a:t>For a key K, if Key  K can be kept secret, then K is safe</a:t>
+            </a:r>
+            <a:endParaRPr lang="en-US"/>
+          </a:p>
+        </p:txBody>
+      </p:sp>
+    </p:spTree>
+  </p:cSld>
+  <p:clrMapOvr>
+    <a:masterClrMapping/>
+  </p:clrMapOvr>
+</p:sld>
+</file>
+
 <file path=ppt/slides/slide13.xml><?xml version="1.0" encoding="utf-8"?>
 <p:sld xmlns:a="http://schemas.openxmlformats.org/drawingml/2006/main" xmlns:r="http://schemas.openxmlformats.org/officeDocument/2006/relationships" xmlns:p="http://schemas.openxmlformats.org/presentationml/2006/main">
   <p:cSld>
@@ -3751,7 +3754,9 @@
         </p:nvSpPr>
         <p:spPr/>
         <p:txBody>
-          <a:bodyPr/>
+          <a:bodyPr>
+            <a:normAutofit/>
+          </a:bodyPr>
           <a:p>
             <a:r>
               <a:rPr lang="en-US">
@@ -3779,88 +3784,48 @@
           <a:p>
             <a:r>
               <a:rPr lang="en-US"/>
-              <a:t>Specifying security properties</a:t>
+              <a:t>Authentication tests (</a:t>
+            </a:r>
+            <a:r>
+              <a:rPr lang="en-US" sz="2000"/>
+              <a:t>guarantee the existence of the transforming edges in a bundle,  which is done by a regular agent</a:t>
+            </a:r>
+            <a:r>
+              <a:rPr lang="en-US"/>
+              <a:t>)</a:t>
             </a:r>
             <a:endParaRPr lang="en-US"/>
           </a:p>
           <a:p>
             <a:pPr lvl="1"/>
             <a:r>
+              <a:rPr lang="en-US" sz="2400"/>
+              <a:t>Outgoing tests</a:t>
+            </a:r>
+            <a:endParaRPr lang="en-US" sz="2400"/>
+          </a:p>
+          <a:p>
+            <a:pPr lvl="1"/>
+            <a:r>
               <a:rPr lang="en-US"/>
-              <a:t>authentication</a:t>
-            </a:r>
-            <a:endParaRPr lang="en-US"/>
-          </a:p>
-          <a:p>
-            <a:pPr lvl="2"/>
-            <a:r>
-              <a:rPr lang="en-US" sz="2000"/>
-              <a:t>there is a responder strand Resp[</a:t>
-            </a:r>
-            <a:r>
-              <a:rPr lang="en-US" sz="2000" i="1"/>
-              <a:t>x</a:t>
-            </a:r>
-            <a:r>
-              <a:rPr lang="en-US" sz="2000"/>
-              <a:t>] and the i-th node of the strand is in a bundle b, then there is an initiator strand Init[</a:t>
-            </a:r>
-            <a:r>
-              <a:rPr lang="en-US" sz="2000" i="1"/>
-              <a:t>x</a:t>
-            </a:r>
-            <a:r>
-              <a:rPr lang="en-US" sz="2000"/>
-              <a:t>] and some j-th node of the initiator strand is in b.</a:t>
-            </a:r>
-            <a:endParaRPr lang="en-US" sz="2000"/>
+              <a:t>Incoming tests</a:t>
+            </a:r>
+            <a:endParaRPr lang="en-US" sz="2400"/>
           </a:p>
           <a:p>
             <a:pPr lvl="1"/>
             <a:r>
               <a:rPr lang="en-US"/>
-              <a:t>secrecy</a:t>
-            </a:r>
-            <a:endParaRPr lang="en-US"/>
-          </a:p>
-          <a:p>
-            <a:pPr lvl="2"/>
-            <a:r>
-              <a:rPr lang="en-US"/>
-              <a:t>A message </a:t>
-            </a:r>
-            <a:r>
-              <a:rPr lang="en-US" i="1"/>
-              <a:t>g</a:t>
-            </a:r>
-            <a:r>
-              <a:rPr lang="en-US"/>
-              <a:t> is secret for a protocol if in every bundle </a:t>
-            </a:r>
-            <a:r>
-              <a:rPr lang="en-US" i="1"/>
-              <a:t>b</a:t>
-            </a:r>
-            <a:r>
-              <a:rPr lang="en-US"/>
-              <a:t> of the protocol the penetrator cannot receive </a:t>
-            </a:r>
-            <a:r>
-              <a:rPr lang="en-US" i="1"/>
-              <a:t>g </a:t>
-            </a:r>
-            <a:r>
-              <a:rPr lang="en-US"/>
-              <a:t>in cleartext</a:t>
-            </a:r>
-            <a:endParaRPr lang="en-US"/>
-          </a:p>
-          <a:p>
-            <a:pPr lvl="2"/>
-            <a:r>
-              <a:rPr lang="en-US"/>
-              <a:t>For a key K, if Key  K can be kept secret, then K is safe</a:t>
-            </a:r>
+              <a:t>Unsolicited tests</a:t>
+            </a:r>
+            <a:endParaRPr lang="en-US"/>
+          </a:p>
+          <a:p>
+            <a:pPr lvl="1"/>
+            <a:endParaRPr lang="en-US"/>
+          </a:p>
+          <a:p>
+            <a:pPr lvl="1"/>
             <a:endParaRPr lang="en-US"/>
           </a:p>
         </p:txBody>
@@ -3885,7 +3850,7 @@
       <p:grpSpPr/>
       <p:sp>
         <p:nvSpPr>
-          <p:cNvPr id="2" name="Title 1"/>
+          <p:cNvPr id="2" name="标题 1"/>
           <p:cNvSpPr>
             <a:spLocks noGrp="1"/>
           </p:cNvSpPr>
@@ -3895,23 +3860,27 @@
         </p:nvSpPr>
         <p:spPr/>
         <p:txBody>
-          <a:bodyPr>
-            <a:normAutofit/>
-          </a:bodyPr>
-          <a:p>
-            <a:r>
-              <a:rPr lang="en-US">
-                <a:sym typeface="+mn-ea"/>
-              </a:rPr>
-              <a:t>Preliminaries</a:t>
-            </a:r>
-            <a:endParaRPr lang="en-US"/>
-          </a:p>
-        </p:txBody>
-      </p:sp>
-      <p:sp>
-        <p:nvSpPr>
-          <p:cNvPr id="3" name="Content Placeholder 2"/>
+          <a:bodyPr/>
+          <a:p>
+            <a:r>
+              <a:rPr lang="zh-CN" altLang="en-US"/>
+              <a:t>Motivations and </a:t>
+            </a:r>
+            <a:r>
+              <a:rPr lang="en-US" altLang="zh-CN"/>
+              <a:t>C</a:t>
+            </a:r>
+            <a:r>
+              <a:rPr lang="zh-CN" altLang="en-US"/>
+              <a:t>ontributions</a:t>
+            </a:r>
+            <a:endParaRPr lang="zh-CN" altLang="en-US"/>
+          </a:p>
+        </p:txBody>
+      </p:sp>
+      <p:sp>
+        <p:nvSpPr>
+          <p:cNvPr id="3" name="内容占位符 2"/>
           <p:cNvSpPr>
             <a:spLocks noGrp="1"/>
           </p:cNvSpPr>
@@ -3924,50 +3893,38 @@
           <a:bodyPr/>
           <a:p>
             <a:r>
-              <a:rPr lang="en-US"/>
-              <a:t>Authentication tests (</a:t>
-            </a:r>
-            <a:r>
-              <a:rPr lang="en-US" sz="2000"/>
-              <a:t>guarantee the existence of the transforming edges in a bundle,  which is done by a regular agent</a:t>
-            </a:r>
-            <a:r>
-              <a:rPr lang="en-US"/>
-              <a:t>)</a:t>
-            </a:r>
-            <a:endParaRPr lang="en-US"/>
+              <a:rPr lang="en-US" altLang="zh-CN"/>
+              <a:t>motivations</a:t>
+            </a:r>
+            <a:endParaRPr lang="en-US" altLang="zh-CN"/>
           </a:p>
           <a:p>
             <a:pPr lvl="1"/>
             <a:r>
-              <a:rPr lang="en-US" sz="2400"/>
-              <a:t>Outgoing tests</a:t>
-            </a:r>
-            <a:endParaRPr lang="en-US" sz="2400"/>
+              <a:rPr lang="en-US" altLang="zh-CN"/>
+              <a:t> a better definition of bundles to formalize the operational semantic protocol steps</a:t>
+            </a:r>
+            <a:endParaRPr lang="en-US" altLang="zh-CN"/>
           </a:p>
           <a:p>
             <a:pPr lvl="1"/>
             <a:r>
-              <a:rPr lang="en-US"/>
-              <a:t>Incoming tests</a:t>
-            </a:r>
-            <a:endParaRPr lang="en-US" sz="2400"/>
+              <a:rPr lang="en-US" altLang="zh-CN"/>
+              <a:t>many definitions and proofs of the strand space method are informal and complicated(rule induction)</a:t>
+            </a:r>
+            <a:endParaRPr lang="en-US" altLang="zh-CN"/>
           </a:p>
           <a:p>
             <a:pPr lvl="1"/>
             <a:r>
-              <a:rPr lang="en-US"/>
-              <a:t>Unsolicited tests</a:t>
-            </a:r>
-            <a:endParaRPr lang="en-US"/>
+              <a:rPr lang="en-US" altLang="zh-CN"/>
+              <a:t>proofs of authentication tests are extremely complicated</a:t>
+            </a:r>
+            <a:endParaRPr lang="en-US" altLang="zh-CN"/>
           </a:p>
           <a:p>
             <a:pPr lvl="1"/>
-            <a:endParaRPr lang="en-US"/>
-          </a:p>
-          <a:p>
-            <a:pPr lvl="1"/>
-            <a:endParaRPr lang="en-US"/>
+            <a:endParaRPr lang="en-US" altLang="zh-CN"/>
           </a:p>
         </p:txBody>
       </p:sp>
@@ -3991,7 +3948,7 @@
       <p:grpSpPr/>
       <p:sp>
         <p:nvSpPr>
-          <p:cNvPr id="2" name="标题 1"/>
+          <p:cNvPr id="2" name="Title 1"/>
           <p:cNvSpPr>
             <a:spLocks noGrp="1"/>
           </p:cNvSpPr>
@@ -4004,24 +3961,30 @@
           <a:bodyPr/>
           <a:p>
             <a:r>
-              <a:rPr lang="zh-CN" altLang="en-US"/>
+              <a:rPr lang="zh-CN" altLang="en-US">
+                <a:sym typeface="+mn-ea"/>
+              </a:rPr>
               <a:t>Motivations and </a:t>
             </a:r>
             <a:r>
-              <a:rPr lang="en-US" altLang="zh-CN"/>
+              <a:rPr lang="en-US" altLang="zh-CN">
+                <a:sym typeface="+mn-ea"/>
+              </a:rPr>
               <a:t>C</a:t>
             </a:r>
             <a:r>
-              <a:rPr lang="zh-CN" altLang="en-US"/>
+              <a:rPr lang="zh-CN" altLang="en-US">
+                <a:sym typeface="+mn-ea"/>
+              </a:rPr>
               <a:t>ontributions</a:t>
             </a:r>
-            <a:endParaRPr lang="zh-CN" altLang="en-US"/>
-          </a:p>
-        </p:txBody>
-      </p:sp>
-      <p:sp>
-        <p:nvSpPr>
-          <p:cNvPr id="3" name="内容占位符 2"/>
+            <a:endParaRPr lang="en-US"/>
+          </a:p>
+        </p:txBody>
+      </p:sp>
+      <p:sp>
+        <p:nvSpPr>
+          <p:cNvPr id="3" name="Content Placeholder 2"/>
           <p:cNvSpPr>
             <a:spLocks noGrp="1"/>
           </p:cNvSpPr>
@@ -4034,38 +3997,86 @@
           <a:bodyPr/>
           <a:p>
             <a:r>
-              <a:rPr lang="en-US" altLang="zh-CN"/>
-              <a:t>motivations</a:t>
-            </a:r>
-            <a:endParaRPr lang="en-US" altLang="zh-CN"/>
+              <a:rPr lang="zh-CN" altLang="en-US">
+                <a:sym typeface="+mn-ea"/>
+              </a:rPr>
+              <a:t>contributions</a:t>
+            </a:r>
+            <a:endParaRPr lang="zh-CN" altLang="en-US">
+              <a:sym typeface="+mn-ea"/>
+            </a:endParaRPr>
           </a:p>
           <a:p>
             <a:pPr lvl="1"/>
             <a:r>
-              <a:rPr lang="en-US" altLang="zh-CN"/>
-              <a:t> a better definition of bundles to formalize the operational semantic protocol steps</a:t>
-            </a:r>
-            <a:endParaRPr lang="en-US" altLang="zh-CN"/>
+              <a:rPr lang="zh-CN" altLang="en-US">
+                <a:sym typeface="+mn-ea"/>
+              </a:rPr>
+              <a:t>improve the strand space theory</a:t>
+            </a:r>
+            <a:endParaRPr lang="zh-CN" altLang="en-US">
+              <a:sym typeface="+mn-ea"/>
+            </a:endParaRPr>
+          </a:p>
+          <a:p>
+            <a:pPr lvl="2"/>
+            <a:r>
+              <a:rPr lang="en-US"/>
+              <a:t>inductive definition for bundles</a:t>
+            </a:r>
+            <a:endParaRPr lang="en-US"/>
+          </a:p>
+          <a:p>
+            <a:pPr lvl="2"/>
+            <a:r>
+              <a:rPr lang="en-US"/>
+              <a:t>redefine the subterm relation and introduce test suite formally</a:t>
+            </a:r>
+            <a:endParaRPr lang="en-US"/>
+          </a:p>
+          <a:p>
+            <a:pPr lvl="2"/>
+            <a:r>
+              <a:rPr lang="en-US"/>
+              <a:t>A generalized version of authentication tests </a:t>
+            </a:r>
+            <a:endParaRPr lang="en-US"/>
           </a:p>
           <a:p>
             <a:pPr lvl="1"/>
             <a:r>
-              <a:rPr lang="en-US" altLang="zh-CN"/>
-              <a:t>many definitions and proofs of the strand space method are informal and complicated(rule induction)</a:t>
-            </a:r>
-            <a:endParaRPr lang="en-US" altLang="zh-CN"/>
+              <a:rPr lang="en-US"/>
+              <a:t>formalize the newly extended strand space theory in a theorem prover</a:t>
+            </a:r>
+            <a:endParaRPr lang="en-US" sz="2400"/>
+          </a:p>
+          <a:p>
+            <a:pPr lvl="2"/>
+            <a:r>
+              <a:rPr lang="en-US"/>
+              <a:t>A formal theory </a:t>
+            </a:r>
+            <a:r>
+              <a:rPr lang="en-US" i="1"/>
+              <a:t>strand.thy </a:t>
+            </a:r>
+            <a:r>
+              <a:rPr lang="en-US"/>
+              <a:t>in Isabelle/HOL</a:t>
+            </a:r>
+            <a:endParaRPr lang="en-US"/>
+          </a:p>
+          <a:p>
+            <a:pPr lvl="2"/>
+            <a:r>
+              <a:rPr lang="en-US"/>
+              <a:t>applicable generally for real-world protocol analysis</a:t>
+            </a:r>
+            <a:endParaRPr lang="en-US"/>
           </a:p>
           <a:p>
             <a:pPr lvl="1"/>
-            <a:r>
-              <a:rPr lang="en-US" altLang="zh-CN"/>
-              <a:t>proofs of authentication tests are extremely complicated</a:t>
-            </a:r>
-            <a:endParaRPr lang="en-US" altLang="zh-CN"/>
-          </a:p>
-          <a:p>
-            <a:pPr lvl="1"/>
-            <a:endParaRPr lang="en-US" altLang="zh-CN"/>
+            <a:endParaRPr lang="en-US"/>
           </a:p>
         </p:txBody>
       </p:sp>
@@ -4078,158 +4089,6 @@
 </file>
 
 <file path=ppt/slides/slide16.xml><?xml version="1.0" encoding="utf-8"?>
-<p:sld xmlns:a="http://schemas.openxmlformats.org/drawingml/2006/main" xmlns:r="http://schemas.openxmlformats.org/officeDocument/2006/relationships" xmlns:p="http://schemas.openxmlformats.org/presentationml/2006/main">
-  <p:cSld>
-    <p:spTree>
-      <p:nvGrpSpPr>
-        <p:cNvPr id="1" name=""/>
-        <p:cNvGrpSpPr/>
-        <p:nvPr/>
-      </p:nvGrpSpPr>
-      <p:grpSpPr/>
-      <p:sp>
-        <p:nvSpPr>
-          <p:cNvPr id="2" name="Title 1"/>
-          <p:cNvSpPr>
-            <a:spLocks noGrp="1"/>
-          </p:cNvSpPr>
-          <p:nvPr>
-            <p:ph type="title"/>
-          </p:nvPr>
-        </p:nvSpPr>
-        <p:spPr/>
-        <p:txBody>
-          <a:bodyPr/>
-          <a:p>
-            <a:r>
-              <a:rPr lang="zh-CN" altLang="en-US">
-                <a:sym typeface="+mn-ea"/>
-              </a:rPr>
-              <a:t>Motivations and </a:t>
-            </a:r>
-            <a:r>
-              <a:rPr lang="en-US" altLang="zh-CN">
-                <a:sym typeface="+mn-ea"/>
-              </a:rPr>
-              <a:t>C</a:t>
-            </a:r>
-            <a:r>
-              <a:rPr lang="zh-CN" altLang="en-US">
-                <a:sym typeface="+mn-ea"/>
-              </a:rPr>
-              <a:t>ontributions</a:t>
-            </a:r>
-            <a:endParaRPr lang="en-US"/>
-          </a:p>
-        </p:txBody>
-      </p:sp>
-      <p:sp>
-        <p:nvSpPr>
-          <p:cNvPr id="3" name="Content Placeholder 2"/>
-          <p:cNvSpPr>
-            <a:spLocks noGrp="1"/>
-          </p:cNvSpPr>
-          <p:nvPr>
-            <p:ph idx="1"/>
-          </p:nvPr>
-        </p:nvSpPr>
-        <p:spPr/>
-        <p:txBody>
-          <a:bodyPr/>
-          <a:p>
-            <a:r>
-              <a:rPr lang="zh-CN" altLang="en-US">
-                <a:sym typeface="+mn-ea"/>
-              </a:rPr>
-              <a:t>contributions</a:t>
-            </a:r>
-            <a:endParaRPr lang="zh-CN" altLang="en-US">
-              <a:sym typeface="+mn-ea"/>
-            </a:endParaRPr>
-          </a:p>
-          <a:p>
-            <a:pPr lvl="1"/>
-            <a:r>
-              <a:rPr lang="zh-CN" altLang="en-US">
-                <a:sym typeface="+mn-ea"/>
-              </a:rPr>
-              <a:t>improve the strand space theory</a:t>
-            </a:r>
-            <a:endParaRPr lang="zh-CN" altLang="en-US">
-              <a:sym typeface="+mn-ea"/>
-            </a:endParaRPr>
-          </a:p>
-          <a:p>
-            <a:pPr lvl="2"/>
-            <a:r>
-              <a:rPr lang="en-US"/>
-              <a:t>inductive definition for bundles</a:t>
-            </a:r>
-            <a:endParaRPr lang="en-US"/>
-          </a:p>
-          <a:p>
-            <a:pPr lvl="2"/>
-            <a:r>
-              <a:rPr lang="en-US"/>
-              <a:t>redefine the subterm relation and introduce test suite formally</a:t>
-            </a:r>
-            <a:endParaRPr lang="en-US"/>
-          </a:p>
-          <a:p>
-            <a:pPr lvl="2"/>
-            <a:r>
-              <a:rPr lang="en-US"/>
-              <a:t>A generalized version of authentication tests </a:t>
-            </a:r>
-            <a:endParaRPr lang="en-US"/>
-          </a:p>
-          <a:p>
-            <a:pPr lvl="1"/>
-            <a:r>
-              <a:rPr lang="en-US"/>
-              <a:t>formalize the newly extended strand space theory in a theorem prover</a:t>
-            </a:r>
-            <a:endParaRPr lang="en-US" sz="2400"/>
-          </a:p>
-          <a:p>
-            <a:pPr lvl="2"/>
-            <a:r>
-              <a:rPr lang="en-US"/>
-              <a:t>A formal theory </a:t>
-            </a:r>
-            <a:r>
-              <a:rPr lang="en-US" i="1"/>
-              <a:t>strand.thy </a:t>
-            </a:r>
-            <a:r>
-              <a:rPr lang="en-US"/>
-              <a:t>in Isabelle/HOL</a:t>
-            </a:r>
-            <a:endParaRPr lang="en-US"/>
-          </a:p>
-          <a:p>
-            <a:pPr lvl="2"/>
-            <a:r>
-              <a:rPr lang="en-US"/>
-              <a:t>applicable generally for real-world protocol analysis</a:t>
-            </a:r>
-            <a:endParaRPr lang="en-US"/>
-          </a:p>
-          <a:p>
-            <a:pPr lvl="1"/>
-            <a:endParaRPr lang="en-US"/>
-          </a:p>
-        </p:txBody>
-      </p:sp>
-    </p:spTree>
-  </p:cSld>
-  <p:clrMapOvr>
-    <a:masterClrMapping/>
-  </p:clrMapOvr>
-</p:sld>
-</file>
-
-<file path=ppt/slides/slide17.xml><?xml version="1.0" encoding="utf-8"?>
 <p:sld xmlns:a="http://schemas.openxmlformats.org/drawingml/2006/main" xmlns:r="http://schemas.openxmlformats.org/officeDocument/2006/relationships" xmlns:p="http://schemas.openxmlformats.org/presentationml/2006/main">
   <p:cSld>
     <p:spTree>
@@ -4338,7 +4197,7 @@
 </p:sld>
 </file>
 
-<file path=ppt/slides/slide18.xml><?xml version="1.0" encoding="utf-8"?>
+<file path=ppt/slides/slide17.xml><?xml version="1.0" encoding="utf-8"?>
 <p:sld xmlns:a="http://schemas.openxmlformats.org/drawingml/2006/main" xmlns:r="http://schemas.openxmlformats.org/officeDocument/2006/relationships" xmlns:p="http://schemas.openxmlformats.org/presentationml/2006/main">
   <p:cSld>
     <p:spTree>
@@ -4430,7 +4289,7 @@
 </p:sld>
 </file>
 
-<file path=ppt/slides/slide19.xml><?xml version="1.0" encoding="utf-8"?>
+<file path=ppt/slides/slide18.xml><?xml version="1.0" encoding="utf-8"?>
 <p:sld xmlns:a="http://schemas.openxmlformats.org/drawingml/2006/main" xmlns:r="http://schemas.openxmlformats.org/officeDocument/2006/relationships" xmlns:p="http://schemas.openxmlformats.org/presentationml/2006/main">
   <p:cSld>
     <p:spTree>
@@ -4522,101 +4381,7 @@
 </p:sld>
 </file>
 
-<file path=ppt/slides/slide2.xml><?xml version="1.0" encoding="utf-8"?>
-<p:sld xmlns:a="http://schemas.openxmlformats.org/drawingml/2006/main" xmlns:r="http://schemas.openxmlformats.org/officeDocument/2006/relationships" xmlns:p="http://schemas.openxmlformats.org/presentationml/2006/main">
-  <p:cSld>
-    <p:spTree>
-      <p:nvGrpSpPr>
-        <p:cNvPr id="1" name=""/>
-        <p:cNvGrpSpPr/>
-        <p:nvPr/>
-      </p:nvGrpSpPr>
-      <p:grpSpPr/>
-      <p:sp>
-        <p:nvSpPr>
-          <p:cNvPr id="2" name="Title 1"/>
-          <p:cNvSpPr>
-            <a:spLocks noGrp="1"/>
-          </p:cNvSpPr>
-          <p:nvPr>
-            <p:ph type="title"/>
-          </p:nvPr>
-        </p:nvSpPr>
-        <p:spPr/>
-        <p:txBody>
-          <a:bodyPr/>
-          <a:p>
-            <a:r>
-              <a:rPr lang="en-US"/>
-              <a:t>security protocol analysis</a:t>
-            </a:r>
-            <a:endParaRPr lang="en-US"/>
-          </a:p>
-        </p:txBody>
-      </p:sp>
-      <p:sp>
-        <p:nvSpPr>
-          <p:cNvPr id="3" name="Content Placeholder 2"/>
-          <p:cNvSpPr>
-            <a:spLocks noGrp="1"/>
-          </p:cNvSpPr>
-          <p:nvPr>
-            <p:ph idx="1"/>
-          </p:nvPr>
-        </p:nvSpPr>
-        <p:spPr/>
-        <p:txBody>
-          <a:bodyPr/>
-          <a:p>
-            <a:r>
-              <a:rPr lang="en-US"/>
-              <a:t>formal approaches</a:t>
-            </a:r>
-            <a:endParaRPr lang="en-US"/>
-          </a:p>
-          <a:p>
-            <a:pPr lvl="1"/>
-            <a:r>
-              <a:rPr lang="en-US"/>
-              <a:t>BAN logic</a:t>
-            </a:r>
-            <a:endParaRPr lang="en-US"/>
-          </a:p>
-          <a:p>
-            <a:pPr lvl="1"/>
-            <a:r>
-              <a:rPr lang="en-US"/>
-              <a:t>model checking</a:t>
-            </a:r>
-            <a:endParaRPr lang="en-US"/>
-          </a:p>
-          <a:p>
-            <a:pPr lvl="1"/>
-            <a:r>
-              <a:rPr lang="en-US"/>
-              <a:t>Paulson’s inductive method</a:t>
-            </a:r>
-            <a:endParaRPr lang="en-US"/>
-          </a:p>
-          <a:p>
-            <a:pPr lvl="1"/>
-            <a:r>
-              <a:rPr lang="en-US"/>
-              <a:t>the strand space method</a:t>
-            </a:r>
-            <a:endParaRPr lang="en-US"/>
-          </a:p>
-        </p:txBody>
-      </p:sp>
-    </p:spTree>
-  </p:cSld>
-  <p:clrMapOvr>
-    <a:masterClrMapping/>
-  </p:clrMapOvr>
-</p:sld>
-</file>
-
-<file path=ppt/slides/slide20.xml><?xml version="1.0" encoding="utf-8"?>
+<file path=ppt/slides/slide19.xml><?xml version="1.0" encoding="utf-8"?>
 <p:sld xmlns:a="http://schemas.openxmlformats.org/drawingml/2006/main" xmlns:r="http://schemas.openxmlformats.org/officeDocument/2006/relationships" xmlns:p="http://schemas.openxmlformats.org/presentationml/2006/main">
   <p:cSld>
     <p:spTree>
@@ -4716,7 +4481,101 @@
 </p:sld>
 </file>
 
-<file path=ppt/slides/slide21.xml><?xml version="1.0" encoding="utf-8"?>
+<file path=ppt/slides/slide2.xml><?xml version="1.0" encoding="utf-8"?>
+<p:sld xmlns:a="http://schemas.openxmlformats.org/drawingml/2006/main" xmlns:r="http://schemas.openxmlformats.org/officeDocument/2006/relationships" xmlns:p="http://schemas.openxmlformats.org/presentationml/2006/main">
+  <p:cSld>
+    <p:spTree>
+      <p:nvGrpSpPr>
+        <p:cNvPr id="1" name=""/>
+        <p:cNvGrpSpPr/>
+        <p:nvPr/>
+      </p:nvGrpSpPr>
+      <p:grpSpPr/>
+      <p:sp>
+        <p:nvSpPr>
+          <p:cNvPr id="2" name="Title 1"/>
+          <p:cNvSpPr>
+            <a:spLocks noGrp="1"/>
+          </p:cNvSpPr>
+          <p:nvPr>
+            <p:ph type="title"/>
+          </p:nvPr>
+        </p:nvSpPr>
+        <p:spPr/>
+        <p:txBody>
+          <a:bodyPr/>
+          <a:p>
+            <a:r>
+              <a:rPr lang="en-US"/>
+              <a:t>security protocol analysis</a:t>
+            </a:r>
+            <a:endParaRPr lang="en-US"/>
+          </a:p>
+        </p:txBody>
+      </p:sp>
+      <p:sp>
+        <p:nvSpPr>
+          <p:cNvPr id="3" name="Content Placeholder 2"/>
+          <p:cNvSpPr>
+            <a:spLocks noGrp="1"/>
+          </p:cNvSpPr>
+          <p:nvPr>
+            <p:ph idx="1"/>
+          </p:nvPr>
+        </p:nvSpPr>
+        <p:spPr/>
+        <p:txBody>
+          <a:bodyPr/>
+          <a:p>
+            <a:r>
+              <a:rPr lang="en-US"/>
+              <a:t>formal approaches</a:t>
+            </a:r>
+            <a:endParaRPr lang="en-US"/>
+          </a:p>
+          <a:p>
+            <a:pPr lvl="1"/>
+            <a:r>
+              <a:rPr lang="en-US"/>
+              <a:t>BAN logic</a:t>
+            </a:r>
+            <a:endParaRPr lang="en-US"/>
+          </a:p>
+          <a:p>
+            <a:pPr lvl="1"/>
+            <a:r>
+              <a:rPr lang="en-US"/>
+              <a:t>model checking</a:t>
+            </a:r>
+            <a:endParaRPr lang="en-US"/>
+          </a:p>
+          <a:p>
+            <a:pPr lvl="1"/>
+            <a:r>
+              <a:rPr lang="en-US"/>
+              <a:t>Paulson’s inductive method</a:t>
+            </a:r>
+            <a:endParaRPr lang="en-US"/>
+          </a:p>
+          <a:p>
+            <a:pPr lvl="1"/>
+            <a:r>
+              <a:rPr lang="en-US"/>
+              <a:t>the strand space method</a:t>
+            </a:r>
+            <a:endParaRPr lang="en-US"/>
+          </a:p>
+        </p:txBody>
+      </p:sp>
+    </p:spTree>
+  </p:cSld>
+  <p:clrMapOvr>
+    <a:masterClrMapping/>
+  </p:clrMapOvr>
+</p:sld>
+</file>
+
+<file path=ppt/slides/slide20.xml><?xml version="1.0" encoding="utf-8"?>
 <p:sld xmlns:a="http://schemas.openxmlformats.org/drawingml/2006/main" xmlns:r="http://schemas.openxmlformats.org/officeDocument/2006/relationships" xmlns:p="http://schemas.openxmlformats.org/presentationml/2006/main">
   <p:cSld>
     <p:spTree>
@@ -4832,6 +4691,138 @@
 </p:sld>
 </file>
 
+<file path=ppt/slides/slide21.xml><?xml version="1.0" encoding="utf-8"?>
+<p:sld xmlns:a="http://schemas.openxmlformats.org/drawingml/2006/main" xmlns:r="http://schemas.openxmlformats.org/officeDocument/2006/relationships" xmlns:p="http://schemas.openxmlformats.org/presentationml/2006/main">
+  <p:cSld>
+    <p:spTree>
+      <p:nvGrpSpPr>
+        <p:cNvPr id="1" name=""/>
+        <p:cNvGrpSpPr/>
+        <p:nvPr/>
+      </p:nvGrpSpPr>
+      <p:grpSpPr/>
+      <p:sp>
+        <p:nvSpPr>
+          <p:cNvPr id="5" name="Title 4"/>
+          <p:cNvSpPr>
+            <a:spLocks noGrp="1"/>
+          </p:cNvSpPr>
+          <p:nvPr>
+            <p:ph type="title"/>
+          </p:nvPr>
+        </p:nvSpPr>
+        <p:spPr/>
+        <p:txBody>
+          <a:bodyPr/>
+          <a:p>
+            <a:r>
+              <a:rPr lang="en-US">
+                <a:sym typeface="+mn-ea"/>
+              </a:rPr>
+              <a:t>A formalized strand space theory in Isabelle</a:t>
+            </a:r>
+            <a:endParaRPr lang="en-US"/>
+          </a:p>
+        </p:txBody>
+      </p:sp>
+      <p:sp>
+        <p:nvSpPr>
+          <p:cNvPr id="6" name="Content Placeholder 5"/>
+          <p:cNvSpPr>
+            <a:spLocks noGrp="1"/>
+          </p:cNvSpPr>
+          <p:nvPr>
+            <p:ph idx="1"/>
+          </p:nvPr>
+        </p:nvSpPr>
+        <p:spPr/>
+        <p:txBody>
+          <a:bodyPr/>
+          <a:p>
+            <a:r>
+              <a:rPr lang="en-US"/>
+              <a:t>Bundles——inductive definition </a:t>
+            </a:r>
+            <a:endParaRPr lang="en-US"/>
+          </a:p>
+          <a:p>
+            <a:pPr lvl="1"/>
+            <a:r>
+              <a:rPr lang="en-US"/>
+              <a:t>Rule Nil (specifies an empty bundle)</a:t>
+            </a:r>
+            <a:endParaRPr lang="en-US"/>
+          </a:p>
+          <a:p>
+            <a:pPr lvl="1"/>
+            <a:r>
+              <a:rPr lang="en-US"/>
+              <a:t>Rule Add_Pos1</a:t>
+            </a:r>
+            <a:endParaRPr lang="en-US"/>
+          </a:p>
+          <a:p>
+            <a:pPr lvl="1"/>
+            <a:r>
+              <a:rPr lang="en-US"/>
+              <a:t>Rule Add_Pos2</a:t>
+            </a:r>
+            <a:endParaRPr lang="en-US"/>
+          </a:p>
+          <a:p>
+            <a:pPr lvl="1"/>
+            <a:r>
+              <a:rPr lang="en-US">
+                <a:sym typeface="+mn-ea"/>
+              </a:rPr>
+              <a:t>Rule Add_Neg1</a:t>
+            </a:r>
+            <a:endParaRPr lang="en-US">
+              <a:sym typeface="+mn-ea"/>
+            </a:endParaRPr>
+          </a:p>
+          <a:p>
+            <a:pPr lvl="1"/>
+            <a:r>
+              <a:rPr lang="en-US">
+                <a:sym typeface="+mn-ea"/>
+              </a:rPr>
+              <a:t>Rule Add_Neg2</a:t>
+            </a:r>
+            <a:endParaRPr lang="en-US">
+              <a:sym typeface="+mn-ea"/>
+            </a:endParaRPr>
+          </a:p>
+          <a:p>
+            <a:pPr lvl="0"/>
+            <a:r>
+              <a:rPr lang="en-US"/>
+              <a:t>P holds for every bundles -- inductive principle</a:t>
+            </a:r>
+            <a:endParaRPr lang="en-US"/>
+          </a:p>
+          <a:p>
+            <a:pPr lvl="1"/>
+            <a:r>
+              <a:rPr lang="en-US"/>
+              <a:t>elimination rule </a:t>
+            </a:r>
+            <a:r>
+              <a:rPr lang="en-US" i="1"/>
+              <a:t>bundles.induct</a:t>
+            </a:r>
+            <a:endParaRPr lang="en-US" i="1"/>
+          </a:p>
+        </p:txBody>
+      </p:sp>
+    </p:spTree>
+  </p:cSld>
+  <p:clrMapOvr>
+    <a:masterClrMapping/>
+  </p:clrMapOvr>
+</p:sld>
+</file>
+
 <file path=ppt/slides/slide22.xml><?xml version="1.0" encoding="utf-8"?>
 <p:sld xmlns:a="http://schemas.openxmlformats.org/drawingml/2006/main" xmlns:r="http://schemas.openxmlformats.org/officeDocument/2006/relationships" xmlns:p="http://schemas.openxmlformats.org/presentationml/2006/main">
   <p:cSld>
@@ -4844,7 +4835,7 @@
       <p:grpSpPr/>
       <p:sp>
         <p:nvSpPr>
-          <p:cNvPr id="5" name="Title 4"/>
+          <p:cNvPr id="2" name="Title 1"/>
           <p:cNvSpPr>
             <a:spLocks noGrp="1"/>
           </p:cNvSpPr>
@@ -4868,138 +4859,6 @@
       </p:sp>
       <p:sp>
         <p:nvSpPr>
-          <p:cNvPr id="6" name="Content Placeholder 5"/>
-          <p:cNvSpPr>
-            <a:spLocks noGrp="1"/>
-          </p:cNvSpPr>
-          <p:nvPr>
-            <p:ph idx="1"/>
-          </p:nvPr>
-        </p:nvSpPr>
-        <p:spPr/>
-        <p:txBody>
-          <a:bodyPr/>
-          <a:p>
-            <a:r>
-              <a:rPr lang="en-US"/>
-              <a:t>Bundles——inductive definition </a:t>
-            </a:r>
-            <a:endParaRPr lang="en-US"/>
-          </a:p>
-          <a:p>
-            <a:pPr lvl="1"/>
-            <a:r>
-              <a:rPr lang="en-US"/>
-              <a:t>Rule Nil (specifies an empty bundle)</a:t>
-            </a:r>
-            <a:endParaRPr lang="en-US"/>
-          </a:p>
-          <a:p>
-            <a:pPr lvl="1"/>
-            <a:r>
-              <a:rPr lang="en-US"/>
-              <a:t>Rule Add_Pos1</a:t>
-            </a:r>
-            <a:endParaRPr lang="en-US"/>
-          </a:p>
-          <a:p>
-            <a:pPr lvl="1"/>
-            <a:r>
-              <a:rPr lang="en-US"/>
-              <a:t>Rule Add_Pos2</a:t>
-            </a:r>
-            <a:endParaRPr lang="en-US"/>
-          </a:p>
-          <a:p>
-            <a:pPr lvl="1"/>
-            <a:r>
-              <a:rPr lang="en-US">
-                <a:sym typeface="+mn-ea"/>
-              </a:rPr>
-              <a:t>Rule Add_Neg1</a:t>
-            </a:r>
-            <a:endParaRPr lang="en-US">
-              <a:sym typeface="+mn-ea"/>
-            </a:endParaRPr>
-          </a:p>
-          <a:p>
-            <a:pPr lvl="1"/>
-            <a:r>
-              <a:rPr lang="en-US">
-                <a:sym typeface="+mn-ea"/>
-              </a:rPr>
-              <a:t>Rule Add_Neg2</a:t>
-            </a:r>
-            <a:endParaRPr lang="en-US">
-              <a:sym typeface="+mn-ea"/>
-            </a:endParaRPr>
-          </a:p>
-          <a:p>
-            <a:pPr lvl="0"/>
-            <a:r>
-              <a:rPr lang="en-US"/>
-              <a:t>P holds for every bundles -- inductive principle</a:t>
-            </a:r>
-            <a:endParaRPr lang="en-US"/>
-          </a:p>
-          <a:p>
-            <a:pPr lvl="1"/>
-            <a:r>
-              <a:rPr lang="en-US"/>
-              <a:t>elimination rule </a:t>
-            </a:r>
-            <a:r>
-              <a:rPr lang="en-US" i="1"/>
-              <a:t>bundles.induct</a:t>
-            </a:r>
-            <a:endParaRPr lang="en-US" i="1"/>
-          </a:p>
-        </p:txBody>
-      </p:sp>
-    </p:spTree>
-  </p:cSld>
-  <p:clrMapOvr>
-    <a:masterClrMapping/>
-  </p:clrMapOvr>
-</p:sld>
-</file>
-
-<file path=ppt/slides/slide23.xml><?xml version="1.0" encoding="utf-8"?>
-<p:sld xmlns:a="http://schemas.openxmlformats.org/drawingml/2006/main" xmlns:r="http://schemas.openxmlformats.org/officeDocument/2006/relationships" xmlns:p="http://schemas.openxmlformats.org/presentationml/2006/main">
-  <p:cSld>
-    <p:spTree>
-      <p:nvGrpSpPr>
-        <p:cNvPr id="1" name=""/>
-        <p:cNvGrpSpPr/>
-        <p:nvPr/>
-      </p:nvGrpSpPr>
-      <p:grpSpPr/>
-      <p:sp>
-        <p:nvSpPr>
-          <p:cNvPr id="2" name="Title 1"/>
-          <p:cNvSpPr>
-            <a:spLocks noGrp="1"/>
-          </p:cNvSpPr>
-          <p:nvPr>
-            <p:ph type="title"/>
-          </p:nvPr>
-        </p:nvSpPr>
-        <p:spPr/>
-        <p:txBody>
-          <a:bodyPr/>
-          <a:p>
-            <a:r>
-              <a:rPr lang="en-US">
-                <a:sym typeface="+mn-ea"/>
-              </a:rPr>
-              <a:t>A formalized strand space theory in Isabelle</a:t>
-            </a:r>
-            <a:endParaRPr lang="en-US"/>
-          </a:p>
-        </p:txBody>
-      </p:sp>
-      <p:sp>
-        <p:nvSpPr>
           <p:cNvPr id="3" name="Content Placeholder 2"/>
           <p:cNvSpPr>
             <a:spLocks noGrp="1"/>
@@ -5008,7 +4867,12 @@
             <p:ph sz="half" idx="1"/>
           </p:nvPr>
         </p:nvSpPr>
-        <p:spPr/>
+        <p:spPr>
+          <a:xfrm>
+            <a:off x="838200" y="1487805"/>
+            <a:ext cx="9922510" cy="4689475"/>
+          </a:xfrm>
+        </p:spPr>
         <p:txBody>
           <a:bodyPr/>
           <a:p>
@@ -5230,7 +5094,7 @@
 </p:sld>
 </file>
 
-<file path=ppt/slides/slide24.xml><?xml version="1.0" encoding="utf-8"?>
+<file path=ppt/slides/slide23.xml><?xml version="1.0" encoding="utf-8"?>
 <p:sld xmlns:a="http://schemas.openxmlformats.org/drawingml/2006/main" xmlns:r="http://schemas.openxmlformats.org/officeDocument/2006/relationships" xmlns:p="http://schemas.openxmlformats.org/presentationml/2006/main">
   <p:cSld>
     <p:spTree>
@@ -5410,7 +5274,7 @@
 </p:sld>
 </file>
 
-<file path=ppt/slides/slide25.xml><?xml version="1.0" encoding="utf-8"?>
+<file path=ppt/slides/slide24.xml><?xml version="1.0" encoding="utf-8"?>
 <p:sld xmlns:a="http://schemas.openxmlformats.org/drawingml/2006/main" xmlns:r="http://schemas.openxmlformats.org/officeDocument/2006/relationships" xmlns:p="http://schemas.openxmlformats.org/presentationml/2006/main">
   <p:cSld>
     <p:spTree>
@@ -5534,7 +5398,7 @@
 </p:sld>
 </file>
 
-<file path=ppt/slides/slide26.xml><?xml version="1.0" encoding="utf-8"?>
+<file path=ppt/slides/slide25.xml><?xml version="1.0" encoding="utf-8"?>
 <p:sld xmlns:a="http://schemas.openxmlformats.org/drawingml/2006/main" xmlns:r="http://schemas.openxmlformats.org/officeDocument/2006/relationships" xmlns:p="http://schemas.openxmlformats.org/presentationml/2006/main">
   <p:cSld>
     <p:spTree>
@@ -5679,7 +5543,7 @@
 </p:sld>
 </file>
 
-<file path=ppt/slides/slide27.xml><?xml version="1.0" encoding="utf-8"?>
+<file path=ppt/slides/slide26.xml><?xml version="1.0" encoding="utf-8"?>
 <p:sld xmlns:a="http://schemas.openxmlformats.org/drawingml/2006/main" xmlns:r="http://schemas.openxmlformats.org/officeDocument/2006/relationships" xmlns:p="http://schemas.openxmlformats.org/presentationml/2006/main">
   <p:cSld>
     <p:spTree>
@@ -5789,7 +5653,7 @@
 </p:sld>
 </file>
 
-<file path=ppt/slides/slide28.xml><?xml version="1.0" encoding="utf-8"?>
+<file path=ppt/slides/slide27.xml><?xml version="1.0" encoding="utf-8"?>
 <p:sld xmlns:a="http://schemas.openxmlformats.org/drawingml/2006/main" xmlns:r="http://schemas.openxmlformats.org/officeDocument/2006/relationships" xmlns:p="http://schemas.openxmlformats.org/presentationml/2006/main">
   <p:cSld>
     <p:spTree>
@@ -5926,7 +5790,7 @@
 </p:sld>
 </file>
 
-<file path=ppt/slides/slide29.xml><?xml version="1.0" encoding="utf-8"?>
+<file path=ppt/slides/slide28.xml><?xml version="1.0" encoding="utf-8"?>
 <p:sld xmlns:a="http://schemas.openxmlformats.org/drawingml/2006/main" xmlns:r="http://schemas.openxmlformats.org/officeDocument/2006/relationships" xmlns:p="http://schemas.openxmlformats.org/presentationml/2006/main">
   <p:cSld>
     <p:spTree>
@@ -6105,6 +5969,100 @@
 </p:sld>
 </file>
 
+<file path=ppt/slides/slide29.xml><?xml version="1.0" encoding="utf-8"?>
+<p:sld xmlns:a="http://schemas.openxmlformats.org/drawingml/2006/main" xmlns:r="http://schemas.openxmlformats.org/officeDocument/2006/relationships" xmlns:p="http://schemas.openxmlformats.org/presentationml/2006/main">
+  <p:cSld>
+    <p:spTree>
+      <p:nvGrpSpPr>
+        <p:cNvPr id="1" name=""/>
+        <p:cNvGrpSpPr/>
+        <p:nvPr/>
+      </p:nvGrpSpPr>
+      <p:grpSpPr/>
+      <p:sp>
+        <p:nvSpPr>
+          <p:cNvPr id="2" name="标题 1"/>
+          <p:cNvSpPr>
+            <a:spLocks noGrp="1"/>
+          </p:cNvSpPr>
+          <p:nvPr>
+            <p:ph type="title"/>
+          </p:nvPr>
+        </p:nvSpPr>
+        <p:spPr/>
+        <p:txBody>
+          <a:bodyPr>
+            <a:normAutofit/>
+          </a:bodyPr>
+          <a:p>
+            <a:r>
+              <a:rPr lang="en-US">
+                <a:sym typeface="+mn-ea"/>
+              </a:rPr>
+              <a:t>A formalized strand space theory in Isabelle</a:t>
+            </a:r>
+            <a:endParaRPr lang="zh-CN" altLang="en-US"/>
+          </a:p>
+        </p:txBody>
+      </p:sp>
+      <p:sp>
+        <p:nvSpPr>
+          <p:cNvPr id="3" name="内容占位符 2"/>
+          <p:cNvSpPr>
+            <a:spLocks noGrp="1"/>
+          </p:cNvSpPr>
+          <p:nvPr>
+            <p:ph idx="1"/>
+          </p:nvPr>
+        </p:nvSpPr>
+        <p:spPr/>
+        <p:txBody>
+          <a:bodyPr/>
+          <a:p>
+            <a:r>
+              <a:rPr lang="en-US" altLang="zh-CN"/>
+              <a:t>Proof of Lemma 13</a:t>
+            </a:r>
+            <a:endParaRPr lang="en-US" altLang="zh-CN"/>
+          </a:p>
+          <a:p>
+            <a:pPr lvl="1"/>
+            <a:r>
+              <a:rPr lang="en-US" altLang="zh-CN"/>
+              <a:t>paper-and-pen proof</a:t>
+            </a:r>
+            <a:endParaRPr lang="en-US" altLang="zh-CN"/>
+          </a:p>
+          <a:p>
+            <a:pPr lvl="2"/>
+            <a:r>
+              <a:rPr lang="en-US" altLang="zh-CN" sz="2000"/>
+              <a:t>Case Add_pos1... If n2!=n'...</a:t>
+            </a:r>
+            <a:endParaRPr lang="en-US" altLang="zh-CN"/>
+          </a:p>
+          <a:p>
+            <a:pPr lvl="1"/>
+            <a:r>
+              <a:rPr lang="en-US" altLang="zh-CN"/>
+              <a:t>mechanical proof</a:t>
+            </a:r>
+            <a:endParaRPr lang="en-US" altLang="zh-CN"/>
+          </a:p>
+          <a:p>
+            <a:pPr lvl="2"/>
+            <a:endParaRPr lang="en-US" altLang="zh-CN"/>
+          </a:p>
+        </p:txBody>
+      </p:sp>
+    </p:spTree>
+  </p:cSld>
+  <p:clrMapOvr>
+    <a:masterClrMapping/>
+  </p:clrMapOvr>
+</p:sld>
+</file>
+
 <file path=ppt/slides/slide3.xml><?xml version="1.0" encoding="utf-8"?>
 <p:sld xmlns:a="http://schemas.openxmlformats.org/drawingml/2006/main" xmlns:r="http://schemas.openxmlformats.org/officeDocument/2006/relationships" xmlns:p="http://schemas.openxmlformats.org/presentationml/2006/main">
   <p:cSld>
@@ -6131,7 +6089,7 @@
           <a:p>
             <a:r>
               <a:rPr lang="en-US"/>
-              <a:t>strand space method</a:t>
+              <a:t>Contents</a:t>
             </a:r>
             <a:endParaRPr lang="en-US"/>
           </a:p>
@@ -6153,7 +6111,44 @@
           <a:p>
             <a:r>
               <a:rPr lang="en-US"/>
-              <a:t>   </a:t>
+              <a:t>strand space theory</a:t>
+            </a:r>
+            <a:endParaRPr lang="en-US"/>
+          </a:p>
+          <a:p>
+            <a:r>
+              <a:rPr lang="en-US"/>
+              <a:t>the difficulties, motivations, contributions</a:t>
+            </a:r>
+            <a:endParaRPr lang="en-US"/>
+          </a:p>
+          <a:p>
+            <a:r>
+              <a:rPr lang="en-US"/>
+              <a:t>formalized strand space theory (in a theorem prover)</a:t>
+            </a:r>
+            <a:endParaRPr lang="en-US"/>
+          </a:p>
+          <a:p>
+            <a:r>
+              <a:rPr lang="en-US"/>
+              <a:t>formalize and prove protocol properties</a:t>
+            </a:r>
+            <a:endParaRPr lang="en-US"/>
+          </a:p>
+          <a:p>
+            <a:pPr lvl="1"/>
+            <a:r>
+              <a:rPr lang="en-US"/>
+              <a:t>Needham–Schroeder–Lowe (NSL) protocol</a:t>
+            </a:r>
+            <a:endParaRPr lang="en-US"/>
+          </a:p>
+          <a:p>
+            <a:pPr lvl="1"/>
+            <a:r>
+              <a:rPr lang="en-US"/>
+              <a:t> Otway–Rees protocol</a:t>
             </a:r>
             <a:endParaRPr lang="en-US"/>
           </a:p>
@@ -6168,100 +6163,6 @@
 </file>
 
 <file path=ppt/slides/slide30.xml><?xml version="1.0" encoding="utf-8"?>
-<p:sld xmlns:a="http://schemas.openxmlformats.org/drawingml/2006/main" xmlns:r="http://schemas.openxmlformats.org/officeDocument/2006/relationships" xmlns:p="http://schemas.openxmlformats.org/presentationml/2006/main">
-  <p:cSld>
-    <p:spTree>
-      <p:nvGrpSpPr>
-        <p:cNvPr id="1" name=""/>
-        <p:cNvGrpSpPr/>
-        <p:nvPr/>
-      </p:nvGrpSpPr>
-      <p:grpSpPr/>
-      <p:sp>
-        <p:nvSpPr>
-          <p:cNvPr id="2" name="标题 1"/>
-          <p:cNvSpPr>
-            <a:spLocks noGrp="1"/>
-          </p:cNvSpPr>
-          <p:nvPr>
-            <p:ph type="title"/>
-          </p:nvPr>
-        </p:nvSpPr>
-        <p:spPr/>
-        <p:txBody>
-          <a:bodyPr>
-            <a:normAutofit/>
-          </a:bodyPr>
-          <a:p>
-            <a:r>
-              <a:rPr lang="en-US">
-                <a:sym typeface="+mn-ea"/>
-              </a:rPr>
-              <a:t>A formalized strand space theory in Isabelle</a:t>
-            </a:r>
-            <a:endParaRPr lang="zh-CN" altLang="en-US"/>
-          </a:p>
-        </p:txBody>
-      </p:sp>
-      <p:sp>
-        <p:nvSpPr>
-          <p:cNvPr id="3" name="内容占位符 2"/>
-          <p:cNvSpPr>
-            <a:spLocks noGrp="1"/>
-          </p:cNvSpPr>
-          <p:nvPr>
-            <p:ph idx="1"/>
-          </p:nvPr>
-        </p:nvSpPr>
-        <p:spPr/>
-        <p:txBody>
-          <a:bodyPr/>
-          <a:p>
-            <a:r>
-              <a:rPr lang="en-US" altLang="zh-CN"/>
-              <a:t>Proof of Lemma 13</a:t>
-            </a:r>
-            <a:endParaRPr lang="en-US" altLang="zh-CN"/>
-          </a:p>
-          <a:p>
-            <a:pPr lvl="1"/>
-            <a:r>
-              <a:rPr lang="en-US" altLang="zh-CN"/>
-              <a:t>paper-and-pen proof</a:t>
-            </a:r>
-            <a:endParaRPr lang="en-US" altLang="zh-CN"/>
-          </a:p>
-          <a:p>
-            <a:pPr lvl="2"/>
-            <a:r>
-              <a:rPr lang="en-US" altLang="zh-CN" sz="2000"/>
-              <a:t>Case Add_pos1... If n2!=n'...</a:t>
-            </a:r>
-            <a:endParaRPr lang="en-US" altLang="zh-CN"/>
-          </a:p>
-          <a:p>
-            <a:pPr lvl="1"/>
-            <a:r>
-              <a:rPr lang="en-US" altLang="zh-CN"/>
-              <a:t>mechanical proof</a:t>
-            </a:r>
-            <a:endParaRPr lang="en-US" altLang="zh-CN"/>
-          </a:p>
-          <a:p>
-            <a:pPr lvl="2"/>
-            <a:endParaRPr lang="en-US" altLang="zh-CN"/>
-          </a:p>
-        </p:txBody>
-      </p:sp>
-    </p:spTree>
-  </p:cSld>
-  <p:clrMapOvr>
-    <a:masterClrMapping/>
-  </p:clrMapOvr>
-</p:sld>
-</file>
-
-<file path=ppt/slides/slide31.xml><?xml version="1.0" encoding="utf-8"?>
 <p:sld xmlns:a="http://schemas.openxmlformats.org/drawingml/2006/main" xmlns:r="http://schemas.openxmlformats.org/officeDocument/2006/relationships" xmlns:p="http://schemas.openxmlformats.org/presentationml/2006/main">
   <p:cSld>
     <p:spTree>
@@ -6409,7 +6310,7 @@
 </p:sld>
 </file>
 
-<file path=ppt/slides/slide32.xml><?xml version="1.0" encoding="utf-8"?>
+<file path=ppt/slides/slide31.xml><?xml version="1.0" encoding="utf-8"?>
 <p:sld xmlns:a="http://schemas.openxmlformats.org/drawingml/2006/main" xmlns:r="http://schemas.openxmlformats.org/officeDocument/2006/relationships" xmlns:p="http://schemas.openxmlformats.org/presentationml/2006/main">
   <p:cSld>
     <p:spTree>
@@ -6528,7 +6429,7 @@
 </p:sld>
 </file>
 
-<file path=ppt/slides/slide33.xml><?xml version="1.0" encoding="utf-8"?>
+<file path=ppt/slides/slide32.xml><?xml version="1.0" encoding="utf-8"?>
 <p:sld xmlns:a="http://schemas.openxmlformats.org/drawingml/2006/main" xmlns:r="http://schemas.openxmlformats.org/officeDocument/2006/relationships" xmlns:p="http://schemas.openxmlformats.org/presentationml/2006/main">
   <p:cSld>
     <p:spTree>
@@ -6614,7 +6515,11 @@
             <a:pPr lvl="1"/>
             <a:r>
               <a:rPr lang="en-US" i="1"/>
-              <a:t>a test suite G</a:t>
+              <a:t>a test suite G </a:t>
+            </a:r>
+            <a:r>
+              <a:rPr lang="en-US"/>
+              <a:t>(message set)</a:t>
             </a:r>
             <a:endParaRPr lang="en-US" i="1"/>
           </a:p>
@@ -6710,7 +6615,7 @@
 </p:sld>
 </file>
 
-<file path=ppt/slides/slide34.xml><?xml version="1.0" encoding="utf-8"?>
+<file path=ppt/slides/slide33.xml><?xml version="1.0" encoding="utf-8"?>
 <p:sld xmlns:a="http://schemas.openxmlformats.org/drawingml/2006/main" xmlns:r="http://schemas.openxmlformats.org/officeDocument/2006/relationships" xmlns:p="http://schemas.openxmlformats.org/presentationml/2006/main">
   <p:cSld>
     <p:spTree>
@@ -6874,7 +6779,7 @@
 </p:sld>
 </file>
 
-<file path=ppt/slides/slide4.xml><?xml version="1.0" encoding="utf-8"?>
+<file path=ppt/slides/slide34.xml><?xml version="1.0" encoding="utf-8"?>
 <p:sld xmlns:a="http://schemas.openxmlformats.org/drawingml/2006/main" xmlns:r="http://schemas.openxmlformats.org/officeDocument/2006/relationships" xmlns:p="http://schemas.openxmlformats.org/presentationml/2006/main">
   <p:cSld>
     <p:spTree>
@@ -6886,7 +6791,7 @@
       <p:grpSpPr/>
       <p:sp>
         <p:nvSpPr>
-          <p:cNvPr id="2" name="Title 1"/>
+          <p:cNvPr id="2" name="标题 1"/>
           <p:cNvSpPr>
             <a:spLocks noGrp="1"/>
           </p:cNvSpPr>
@@ -6899,72 +6804,41 @@
           <a:bodyPr/>
           <a:p>
             <a:r>
-              <a:rPr lang="en-US"/>
-              <a:t>Contents</a:t>
-            </a:r>
-            <a:endParaRPr lang="en-US"/>
-          </a:p>
-        </p:txBody>
-      </p:sp>
-      <p:sp>
-        <p:nvSpPr>
-          <p:cNvPr id="3" name="Content Placeholder 2"/>
-          <p:cNvSpPr>
-            <a:spLocks noGrp="1"/>
-          </p:cNvSpPr>
+              <a:rPr lang="zh-CN" altLang="en-US"/>
+              <a:t>Generalized authentication tests</a:t>
+            </a:r>
+            <a:endParaRPr lang="zh-CN" altLang="en-US"/>
+          </a:p>
+        </p:txBody>
+      </p:sp>
+      <p:pic>
+        <p:nvPicPr>
+          <p:cNvPr id="4" name="内容占位符 3"/>
+          <p:cNvPicPr>
+            <a:picLocks noChangeAspect="1"/>
+          </p:cNvPicPr>
           <p:nvPr>
             <p:ph idx="1"/>
           </p:nvPr>
-        </p:nvSpPr>
-        <p:spPr/>
-        <p:txBody>
-          <a:bodyPr/>
-          <a:p>
-            <a:r>
-              <a:rPr lang="en-US"/>
-              <a:t>strand space theory</a:t>
-            </a:r>
-            <a:endParaRPr lang="en-US"/>
-          </a:p>
-          <a:p>
-            <a:r>
-              <a:rPr lang="en-US"/>
-              <a:t>the difficulties, motivations, contributions</a:t>
-            </a:r>
-            <a:endParaRPr lang="en-US"/>
-          </a:p>
-          <a:p>
-            <a:r>
-              <a:rPr lang="en-US"/>
-              <a:t>formalized strand space theory (in a theorem prover)</a:t>
-            </a:r>
-            <a:endParaRPr lang="en-US"/>
-          </a:p>
-          <a:p>
-            <a:r>
-              <a:rPr lang="en-US"/>
-              <a:t>formalize and prove protocol properties</a:t>
-            </a:r>
-            <a:endParaRPr lang="en-US"/>
-          </a:p>
-          <a:p>
-            <a:pPr lvl="1"/>
-            <a:r>
-              <a:rPr lang="en-US"/>
-              <a:t>Needham–Schroeder–Lowe (NSL) protocol</a:t>
-            </a:r>
-            <a:endParaRPr lang="en-US"/>
-          </a:p>
-          <a:p>
-            <a:pPr lvl="1"/>
-            <a:r>
-              <a:rPr lang="en-US"/>
-              <a:t> Otway–Rees protocol</a:t>
-            </a:r>
-            <a:endParaRPr lang="en-US"/>
-          </a:p>
-        </p:txBody>
-      </p:sp>
+        </p:nvPicPr>
+        <p:blipFill>
+          <a:blip r:embed="rId1">
+            <a:lum bright="-12000" contrast="24000"/>
+          </a:blip>
+          <a:stretch>
+            <a:fillRect/>
+          </a:stretch>
+        </p:blipFill>
+        <p:spPr>
+          <a:xfrm>
+            <a:off x="838200" y="1856740"/>
+            <a:ext cx="8656320" cy="2552700"/>
+          </a:xfrm>
+          <a:prstGeom prst="rect">
+            <a:avLst/>
+          </a:prstGeom>
+        </p:spPr>
+      </p:pic>
     </p:spTree>
   </p:cSld>
   <p:clrMapOvr>
@@ -6973,7 +6847,573 @@
 </p:sld>
 </file>
 
-<file path=ppt/slides/slide5.xml><?xml version="1.0" encoding="utf-8"?>
+<file path=ppt/slides/slide35.xml><?xml version="1.0" encoding="utf-8"?>
+<p:sld xmlns:a="http://schemas.openxmlformats.org/drawingml/2006/main" xmlns:r="http://schemas.openxmlformats.org/officeDocument/2006/relationships" xmlns:p="http://schemas.openxmlformats.org/presentationml/2006/main">
+  <p:cSld>
+    <p:spTree>
+      <p:nvGrpSpPr>
+        <p:cNvPr id="1" name=""/>
+        <p:cNvGrpSpPr/>
+        <p:nvPr/>
+      </p:nvGrpSpPr>
+      <p:grpSpPr/>
+      <p:sp>
+        <p:nvSpPr>
+          <p:cNvPr id="2" name="标题 1"/>
+          <p:cNvSpPr>
+            <a:spLocks noGrp="1"/>
+          </p:cNvSpPr>
+          <p:nvPr>
+            <p:ph type="title"/>
+          </p:nvPr>
+        </p:nvSpPr>
+        <p:spPr/>
+        <p:txBody>
+          <a:bodyPr/>
+          <a:p>
+            <a:r>
+              <a:rPr lang="zh-CN" altLang="en-US"/>
+              <a:t>Unsolicited authentication tests</a:t>
+            </a:r>
+            <a:endParaRPr lang="zh-CN" altLang="en-US"/>
+          </a:p>
+        </p:txBody>
+      </p:sp>
+      <p:pic>
+        <p:nvPicPr>
+          <p:cNvPr id="4" name="内容占位符 3"/>
+          <p:cNvPicPr>
+            <a:picLocks noChangeAspect="1"/>
+          </p:cNvPicPr>
+          <p:nvPr>
+            <p:ph idx="1"/>
+          </p:nvPr>
+        </p:nvPicPr>
+        <p:blipFill>
+          <a:blip r:embed="rId1">
+            <a:lum bright="-12000" contrast="24000"/>
+          </a:blip>
+          <a:stretch>
+            <a:fillRect/>
+          </a:stretch>
+        </p:blipFill>
+        <p:spPr>
+          <a:xfrm>
+            <a:off x="1057910" y="2089785"/>
+            <a:ext cx="7909560" cy="2276475"/>
+          </a:xfrm>
+          <a:prstGeom prst="rect">
+            <a:avLst/>
+          </a:prstGeom>
+        </p:spPr>
+      </p:pic>
+      <p:sp>
+        <p:nvSpPr>
+          <p:cNvPr id="3" name="文本框 2"/>
+          <p:cNvSpPr txBox="1"/>
+          <p:nvPr/>
+        </p:nvSpPr>
+        <p:spPr>
+          <a:xfrm>
+            <a:off x="1142365" y="5135880"/>
+            <a:ext cx="7662545" cy="368300"/>
+          </a:xfrm>
+          <a:prstGeom prst="rect">
+            <a:avLst/>
+          </a:prstGeom>
+          <a:noFill/>
+        </p:spPr>
+        <p:txBody>
+          <a:bodyPr wrap="square" rtlCol="0">
+            <a:spAutoFit/>
+          </a:bodyPr>
+          <a:p>
+            <a:r>
+              <a:rPr lang="en-US" altLang="zh-CN"/>
+              <a:t>outgoing authentication tests</a:t>
+            </a:r>
+            <a:endParaRPr lang="en-US" altLang="zh-CN"/>
+          </a:p>
+        </p:txBody>
+      </p:sp>
+    </p:spTree>
+  </p:cSld>
+  <p:clrMapOvr>
+    <a:masterClrMapping/>
+  </p:clrMapOvr>
+</p:sld>
+</file>
+
+<file path=ppt/slides/slide36.xml><?xml version="1.0" encoding="utf-8"?>
+<p:sld xmlns:a="http://schemas.openxmlformats.org/drawingml/2006/main" xmlns:r="http://schemas.openxmlformats.org/officeDocument/2006/relationships" xmlns:p="http://schemas.openxmlformats.org/presentationml/2006/main">
+  <p:cSld>
+    <p:spTree>
+      <p:nvGrpSpPr>
+        <p:cNvPr id="1" name=""/>
+        <p:cNvGrpSpPr/>
+        <p:nvPr/>
+      </p:nvGrpSpPr>
+      <p:grpSpPr/>
+      <p:sp>
+        <p:nvSpPr>
+          <p:cNvPr id="2" name="标题 1"/>
+          <p:cNvSpPr>
+            <a:spLocks noGrp="1"/>
+          </p:cNvSpPr>
+          <p:nvPr>
+            <p:ph type="title"/>
+          </p:nvPr>
+        </p:nvSpPr>
+        <p:spPr/>
+        <p:txBody>
+          <a:bodyPr/>
+          <a:p>
+            <a:r>
+              <a:rPr lang="en-US" altLang="zh-CN"/>
+              <a:t>Incoming authentication tests</a:t>
+            </a:r>
+            <a:endParaRPr lang="en-US" altLang="zh-CN"/>
+          </a:p>
+        </p:txBody>
+      </p:sp>
+      <p:pic>
+        <p:nvPicPr>
+          <p:cNvPr id="4" name="内容占位符 3"/>
+          <p:cNvPicPr>
+            <a:picLocks noChangeAspect="1"/>
+          </p:cNvPicPr>
+          <p:nvPr>
+            <p:ph idx="1"/>
+          </p:nvPr>
+        </p:nvPicPr>
+        <p:blipFill>
+          <a:blip r:embed="rId1">
+            <a:lum bright="-12000" contrast="24000"/>
+          </a:blip>
+          <a:stretch>
+            <a:fillRect/>
+          </a:stretch>
+        </p:blipFill>
+        <p:spPr>
+          <a:xfrm>
+            <a:off x="993140" y="2301240"/>
+            <a:ext cx="9620885" cy="2720975"/>
+          </a:xfrm>
+          <a:prstGeom prst="rect">
+            <a:avLst/>
+          </a:prstGeom>
+        </p:spPr>
+      </p:pic>
+    </p:spTree>
+  </p:cSld>
+  <p:clrMapOvr>
+    <a:masterClrMapping/>
+  </p:clrMapOvr>
+</p:sld>
+</file>
+
+<file path=ppt/slides/slide37.xml><?xml version="1.0" encoding="utf-8"?>
+<p:sld xmlns:a="http://schemas.openxmlformats.org/drawingml/2006/main" xmlns:r="http://schemas.openxmlformats.org/officeDocument/2006/relationships" xmlns:p="http://schemas.openxmlformats.org/presentationml/2006/main">
+  <p:cSld>
+    <p:spTree>
+      <p:nvGrpSpPr>
+        <p:cNvPr id="1" name=""/>
+        <p:cNvGrpSpPr/>
+        <p:nvPr/>
+      </p:nvGrpSpPr>
+      <p:grpSpPr/>
+      <p:sp>
+        <p:nvSpPr>
+          <p:cNvPr id="2" name="标题 1"/>
+          <p:cNvSpPr>
+            <a:spLocks noGrp="1"/>
+          </p:cNvSpPr>
+          <p:nvPr>
+            <p:ph type="title"/>
+          </p:nvPr>
+        </p:nvSpPr>
+        <p:spPr/>
+        <p:txBody>
+          <a:bodyPr/>
+          <a:p>
+            <a:r>
+              <a:rPr lang="en-US" altLang="zh-CN"/>
+              <a:t>Application</a:t>
+            </a:r>
+            <a:endParaRPr lang="en-US" altLang="zh-CN"/>
+          </a:p>
+        </p:txBody>
+      </p:sp>
+      <p:sp>
+        <p:nvSpPr>
+          <p:cNvPr id="3" name="内容占位符 2"/>
+          <p:cNvSpPr>
+            <a:spLocks noGrp="1"/>
+          </p:cNvSpPr>
+          <p:nvPr>
+            <p:ph idx="1"/>
+          </p:nvPr>
+        </p:nvSpPr>
+        <p:spPr/>
+        <p:txBody>
+          <a:bodyPr/>
+          <a:p>
+            <a:r>
+              <a:rPr lang="en-US" altLang="zh-CN"/>
+              <a:t>prove the secrecy of a long term key K, which is not a part of any message</a:t>
+            </a:r>
+            <a:endParaRPr lang="en-US" altLang="zh-CN"/>
+          </a:p>
+          <a:p>
+            <a:endParaRPr lang="en-US" altLang="zh-CN"/>
+          </a:p>
+          <a:p>
+            <a:endParaRPr lang="en-US" altLang="zh-CN"/>
+          </a:p>
+          <a:p>
+            <a:r>
+              <a:rPr lang="en-US" altLang="zh-CN"/>
+              <a:t>prove the secrecy of an atom a which is a part of a message</a:t>
+            </a:r>
+            <a:endParaRPr lang="en-US" altLang="zh-CN"/>
+          </a:p>
+          <a:p>
+            <a:endParaRPr lang="en-US" altLang="zh-CN"/>
+          </a:p>
+        </p:txBody>
+      </p:sp>
+      <p:pic>
+        <p:nvPicPr>
+          <p:cNvPr id="5" name="图片 4"/>
+          <p:cNvPicPr>
+            <a:picLocks noChangeAspect="1"/>
+          </p:cNvPicPr>
+          <p:nvPr/>
+        </p:nvPicPr>
+        <p:blipFill>
+          <a:blip r:embed="rId1">
+            <a:lum bright="-12000" contrast="24000"/>
+          </a:blip>
+          <a:stretch>
+            <a:fillRect/>
+          </a:stretch>
+        </p:blipFill>
+        <p:spPr>
+          <a:xfrm>
+            <a:off x="2473960" y="2970530"/>
+            <a:ext cx="6985000" cy="534670"/>
+          </a:xfrm>
+          <a:prstGeom prst="rect">
+            <a:avLst/>
+          </a:prstGeom>
+        </p:spPr>
+      </p:pic>
+      <p:pic>
+        <p:nvPicPr>
+          <p:cNvPr id="6" name="图片 5"/>
+          <p:cNvPicPr>
+            <a:picLocks noChangeAspect="1"/>
+          </p:cNvPicPr>
+          <p:nvPr/>
+        </p:nvPicPr>
+        <p:blipFill>
+          <a:blip r:embed="rId2">
+            <a:lum bright="-12000" contrast="24000"/>
+          </a:blip>
+          <a:stretch>
+            <a:fillRect/>
+          </a:stretch>
+        </p:blipFill>
+        <p:spPr>
+          <a:xfrm>
+            <a:off x="1399540" y="4712970"/>
+            <a:ext cx="9639300" cy="567055"/>
+          </a:xfrm>
+          <a:prstGeom prst="rect">
+            <a:avLst/>
+          </a:prstGeom>
+        </p:spPr>
+      </p:pic>
+    </p:spTree>
+  </p:cSld>
+  <p:clrMapOvr>
+    <a:masterClrMapping/>
+  </p:clrMapOvr>
+</p:sld>
+</file>
+
+<file path=ppt/slides/slide38.xml><?xml version="1.0" encoding="utf-8"?>
+<p:sld xmlns:a="http://schemas.openxmlformats.org/drawingml/2006/main" xmlns:r="http://schemas.openxmlformats.org/officeDocument/2006/relationships" xmlns:p="http://schemas.openxmlformats.org/presentationml/2006/main">
+  <p:cSld>
+    <p:spTree>
+      <p:nvGrpSpPr>
+        <p:cNvPr id="1" name=""/>
+        <p:cNvGrpSpPr/>
+        <p:nvPr/>
+      </p:nvGrpSpPr>
+      <p:grpSpPr/>
+      <p:sp>
+        <p:nvSpPr>
+          <p:cNvPr id="2" name="标题 1"/>
+          <p:cNvSpPr>
+            <a:spLocks noGrp="1"/>
+          </p:cNvSpPr>
+          <p:nvPr>
+            <p:ph type="title"/>
+          </p:nvPr>
+        </p:nvSpPr>
+        <p:spPr/>
+        <p:txBody>
+          <a:bodyPr/>
+          <a:p>
+            <a:r>
+              <a:rPr lang="zh-CN" altLang="en-US"/>
+              <a:t>Needham–Schroeder–Lowe protocol</a:t>
+            </a:r>
+            <a:endParaRPr lang="zh-CN" altLang="en-US"/>
+          </a:p>
+        </p:txBody>
+      </p:sp>
+      <p:sp>
+        <p:nvSpPr>
+          <p:cNvPr id="3" name="内容占位符 2"/>
+          <p:cNvSpPr>
+            <a:spLocks noGrp="1"/>
+          </p:cNvSpPr>
+          <p:nvPr>
+            <p:ph idx="1"/>
+          </p:nvPr>
+        </p:nvSpPr>
+        <p:spPr/>
+        <p:txBody>
+          <a:bodyPr/>
+          <a:p>
+            <a:r>
+              <a:rPr lang="zh-CN" altLang="en-US"/>
+              <a:t>define an initiator and a responder strands of NSL protocol</a:t>
+            </a:r>
+            <a:endParaRPr lang="zh-CN" altLang="en-US"/>
+          </a:p>
+          <a:p>
+            <a:r>
+              <a:rPr lang="zh-CN" altLang="en-US"/>
+              <a:t>define the strand space of NSL protocol</a:t>
+            </a:r>
+            <a:endParaRPr lang="zh-CN" altLang="en-US"/>
+          </a:p>
+          <a:p>
+            <a:endParaRPr lang="zh-CN" altLang="en-US"/>
+          </a:p>
+        </p:txBody>
+      </p:sp>
+      <p:pic>
+        <p:nvPicPr>
+          <p:cNvPr id="4" name="图片 3"/>
+          <p:cNvPicPr>
+            <a:picLocks noChangeAspect="1"/>
+          </p:cNvPicPr>
+          <p:nvPr/>
+        </p:nvPicPr>
+        <p:blipFill>
+          <a:blip r:embed="rId1">
+            <a:lum bright="-12000" contrast="24000"/>
+          </a:blip>
+          <a:stretch>
+            <a:fillRect/>
+          </a:stretch>
+        </p:blipFill>
+        <p:spPr>
+          <a:xfrm>
+            <a:off x="683260" y="3027680"/>
+            <a:ext cx="6419850" cy="2581275"/>
+          </a:xfrm>
+          <a:prstGeom prst="rect">
+            <a:avLst/>
+          </a:prstGeom>
+        </p:spPr>
+      </p:pic>
+      <p:pic>
+        <p:nvPicPr>
+          <p:cNvPr id="5" name="图片 4"/>
+          <p:cNvPicPr>
+            <a:picLocks noChangeAspect="1"/>
+          </p:cNvPicPr>
+          <p:nvPr/>
+        </p:nvPicPr>
+        <p:blipFill>
+          <a:blip r:embed="rId2">
+            <a:lum bright="-6000" contrast="18000"/>
+          </a:blip>
+          <a:stretch>
+            <a:fillRect/>
+          </a:stretch>
+        </p:blipFill>
+        <p:spPr>
+          <a:xfrm>
+            <a:off x="683260" y="5878195"/>
+            <a:ext cx="6972300" cy="742950"/>
+          </a:xfrm>
+          <a:prstGeom prst="rect">
+            <a:avLst/>
+          </a:prstGeom>
+        </p:spPr>
+      </p:pic>
+    </p:spTree>
+  </p:cSld>
+  <p:clrMapOvr>
+    <a:masterClrMapping/>
+  </p:clrMapOvr>
+</p:sld>
+</file>
+
+<file path=ppt/slides/slide39.xml><?xml version="1.0" encoding="utf-8"?>
+<p:sld xmlns:a="http://schemas.openxmlformats.org/drawingml/2006/main" xmlns:r="http://schemas.openxmlformats.org/officeDocument/2006/relationships" xmlns:p="http://schemas.openxmlformats.org/presentationml/2006/main">
+  <p:cSld>
+    <p:spTree>
+      <p:nvGrpSpPr>
+        <p:cNvPr id="1" name=""/>
+        <p:cNvGrpSpPr/>
+        <p:nvPr/>
+      </p:nvGrpSpPr>
+      <p:grpSpPr/>
+      <p:sp>
+        <p:nvSpPr>
+          <p:cNvPr id="2" name="标题 1"/>
+          <p:cNvSpPr>
+            <a:spLocks noGrp="1"/>
+          </p:cNvSpPr>
+          <p:nvPr>
+            <p:ph type="title"/>
+          </p:nvPr>
+        </p:nvSpPr>
+        <p:spPr/>
+        <p:txBody>
+          <a:bodyPr/>
+          <a:p>
+            <a:r>
+              <a:rPr lang="zh-CN" altLang="en-US">
+                <a:sym typeface="+mn-ea"/>
+              </a:rPr>
+              <a:t>Needham–Schroeder–Lowe protocol</a:t>
+            </a:r>
+            <a:endParaRPr lang="zh-CN" altLang="en-US"/>
+          </a:p>
+        </p:txBody>
+      </p:sp>
+      <p:sp>
+        <p:nvSpPr>
+          <p:cNvPr id="3" name="内容占位符 2"/>
+          <p:cNvSpPr>
+            <a:spLocks noGrp="1"/>
+          </p:cNvSpPr>
+          <p:nvPr>
+            <p:ph idx="1"/>
+          </p:nvPr>
+        </p:nvSpPr>
+        <p:spPr/>
+        <p:txBody>
+          <a:bodyPr/>
+          <a:p>
+            <a:r>
+              <a:rPr lang="zh-CN" altLang="en-US">
+                <a:sym typeface="+mn-ea"/>
+              </a:rPr>
+              <a:t>prove the secrecy property on any regular key</a:t>
+            </a:r>
+            <a:endParaRPr lang="zh-CN" altLang="en-US"/>
+          </a:p>
+          <a:p>
+            <a:endParaRPr lang="zh-CN" altLang="en-US"/>
+          </a:p>
+        </p:txBody>
+      </p:sp>
+      <p:pic>
+        <p:nvPicPr>
+          <p:cNvPr id="4" name="图片 3"/>
+          <p:cNvPicPr>
+            <a:picLocks noChangeAspect="1"/>
+          </p:cNvPicPr>
+          <p:nvPr/>
+        </p:nvPicPr>
+        <p:blipFill>
+          <a:blip r:embed="rId1">
+            <a:lum bright="-12000" contrast="24000"/>
+          </a:blip>
+          <a:stretch>
+            <a:fillRect/>
+          </a:stretch>
+        </p:blipFill>
+        <p:spPr>
+          <a:xfrm>
+            <a:off x="413385" y="2705100"/>
+            <a:ext cx="8031480" cy="478790"/>
+          </a:xfrm>
+          <a:prstGeom prst="rect">
+            <a:avLst/>
+          </a:prstGeom>
+        </p:spPr>
+      </p:pic>
+      <p:pic>
+        <p:nvPicPr>
+          <p:cNvPr id="5" name="图片 4"/>
+          <p:cNvPicPr>
+            <a:picLocks noChangeAspect="1"/>
+          </p:cNvPicPr>
+          <p:nvPr/>
+        </p:nvPicPr>
+        <p:blipFill>
+          <a:blip r:embed="rId2">
+            <a:lum bright="-12000" contrast="24000"/>
+          </a:blip>
+          <a:stretch>
+            <a:fillRect/>
+          </a:stretch>
+        </p:blipFill>
+        <p:spPr>
+          <a:xfrm>
+            <a:off x="413385" y="3404870"/>
+            <a:ext cx="6993255" cy="416560"/>
+          </a:xfrm>
+          <a:prstGeom prst="rect">
+            <a:avLst/>
+          </a:prstGeom>
+        </p:spPr>
+      </p:pic>
+      <p:pic>
+        <p:nvPicPr>
+          <p:cNvPr id="6" name="图片 5"/>
+          <p:cNvPicPr>
+            <a:picLocks noChangeAspect="1"/>
+          </p:cNvPicPr>
+          <p:nvPr/>
+        </p:nvPicPr>
+        <p:blipFill>
+          <a:blip r:embed="rId3">
+            <a:lum bright="-12000" contrast="24000"/>
+          </a:blip>
+          <a:stretch>
+            <a:fillRect/>
+          </a:stretch>
+        </p:blipFill>
+        <p:spPr>
+          <a:xfrm>
+            <a:off x="413385" y="4098925"/>
+            <a:ext cx="11778615" cy="608330"/>
+          </a:xfrm>
+          <a:prstGeom prst="rect">
+            <a:avLst/>
+          </a:prstGeom>
+        </p:spPr>
+      </p:pic>
+    </p:spTree>
+  </p:cSld>
+  <p:clrMapOvr>
+    <a:masterClrMapping/>
+  </p:clrMapOvr>
+</p:sld>
+</file>
+
+<file path=ppt/slides/slide4.xml><?xml version="1.0" encoding="utf-8"?>
 <p:sld xmlns:a="http://schemas.openxmlformats.org/drawingml/2006/main" xmlns:r="http://schemas.openxmlformats.org/officeDocument/2006/relationships" xmlns:p="http://schemas.openxmlformats.org/presentationml/2006/main">
   <p:cSld>
     <p:spTree>
@@ -7063,7 +7503,280 @@
 </p:sld>
 </file>
 
-<file path=ppt/slides/slide6.xml><?xml version="1.0" encoding="utf-8"?>
+<file path=ppt/slides/slide40.xml><?xml version="1.0" encoding="utf-8"?>
+<p:sld xmlns:a="http://schemas.openxmlformats.org/drawingml/2006/main" xmlns:r="http://schemas.openxmlformats.org/officeDocument/2006/relationships" xmlns:p="http://schemas.openxmlformats.org/presentationml/2006/main">
+  <p:cSld>
+    <p:spTree>
+      <p:nvGrpSpPr>
+        <p:cNvPr id="1" name=""/>
+        <p:cNvGrpSpPr/>
+        <p:nvPr/>
+      </p:nvGrpSpPr>
+      <p:grpSpPr/>
+      <p:sp>
+        <p:nvSpPr>
+          <p:cNvPr id="2" name="标题 1"/>
+          <p:cNvSpPr>
+            <a:spLocks noGrp="1"/>
+          </p:cNvSpPr>
+          <p:nvPr>
+            <p:ph type="title"/>
+          </p:nvPr>
+        </p:nvSpPr>
+        <p:spPr/>
+        <p:txBody>
+          <a:bodyPr/>
+          <a:p>
+            <a:r>
+              <a:rPr lang="zh-CN" altLang="en-US">
+                <a:sym typeface="+mn-ea"/>
+              </a:rPr>
+              <a:t>Needham–Schroeder–Lowe protocol</a:t>
+            </a:r>
+            <a:endParaRPr lang="zh-CN" altLang="en-US"/>
+          </a:p>
+        </p:txBody>
+      </p:sp>
+      <p:sp>
+        <p:nvSpPr>
+          <p:cNvPr id="3" name="内容占位符 2"/>
+          <p:cNvSpPr>
+            <a:spLocks noGrp="1"/>
+          </p:cNvSpPr>
+          <p:nvPr>
+            <p:ph idx="1"/>
+          </p:nvPr>
+        </p:nvSpPr>
+        <p:spPr/>
+        <p:txBody>
+          <a:bodyPr/>
+          <a:p>
+            <a:r>
+              <a:rPr lang="zh-CN" altLang="en-US"/>
+              <a:t>Initiator</a:t>
+            </a:r>
+            <a:r>
+              <a:rPr lang="en-US" altLang="zh-CN"/>
+              <a:t>'</a:t>
+            </a:r>
+            <a:r>
+              <a:rPr lang="zh-CN" altLang="en-US"/>
+              <a:t>s  </a:t>
+            </a:r>
+            <a:r>
+              <a:rPr lang="en-US" altLang="zh-CN"/>
+              <a:t>and responder’s </a:t>
+            </a:r>
+            <a:r>
+              <a:rPr lang="zh-CN" altLang="en-US"/>
+              <a:t>authentication guarantee</a:t>
+            </a:r>
+            <a:endParaRPr lang="zh-CN" altLang="en-US"/>
+          </a:p>
+          <a:p>
+            <a:endParaRPr lang="zh-CN" altLang="en-US"/>
+          </a:p>
+          <a:p>
+            <a:endParaRPr lang="zh-CN" altLang="en-US"/>
+          </a:p>
+          <a:p>
+            <a:endParaRPr lang="zh-CN" altLang="en-US"/>
+          </a:p>
+          <a:p>
+            <a:endParaRPr lang="zh-CN" altLang="en-US"/>
+          </a:p>
+          <a:p>
+            <a:pPr lvl="1"/>
+            <a:endParaRPr lang="zh-CN" altLang="en-US"/>
+          </a:p>
+        </p:txBody>
+      </p:sp>
+      <p:pic>
+        <p:nvPicPr>
+          <p:cNvPr id="4" name="图片 3"/>
+          <p:cNvPicPr>
+            <a:picLocks noChangeAspect="1"/>
+          </p:cNvPicPr>
+          <p:nvPr/>
+        </p:nvPicPr>
+        <p:blipFill>
+          <a:blip r:embed="rId1">
+            <a:lum bright="-12000" contrast="24000"/>
+          </a:blip>
+          <a:stretch>
+            <a:fillRect/>
+          </a:stretch>
+        </p:blipFill>
+        <p:spPr>
+          <a:xfrm>
+            <a:off x="1814195" y="3129280"/>
+            <a:ext cx="7124700" cy="1247775"/>
+          </a:xfrm>
+          <a:prstGeom prst="rect">
+            <a:avLst/>
+          </a:prstGeom>
+        </p:spPr>
+      </p:pic>
+    </p:spTree>
+  </p:cSld>
+  <p:clrMapOvr>
+    <a:masterClrMapping/>
+  </p:clrMapOvr>
+</p:sld>
+</file>
+
+<file path=ppt/slides/slide41.xml><?xml version="1.0" encoding="utf-8"?>
+<p:sld xmlns:a="http://schemas.openxmlformats.org/drawingml/2006/main" xmlns:r="http://schemas.openxmlformats.org/officeDocument/2006/relationships" xmlns:p="http://schemas.openxmlformats.org/presentationml/2006/main">
+  <p:cSld>
+    <p:spTree>
+      <p:nvGrpSpPr>
+        <p:cNvPr id="1" name=""/>
+        <p:cNvGrpSpPr/>
+        <p:nvPr/>
+      </p:nvGrpSpPr>
+      <p:grpSpPr/>
+      <p:sp>
+        <p:nvSpPr>
+          <p:cNvPr id="2" name="标题 1"/>
+          <p:cNvSpPr>
+            <a:spLocks noGrp="1"/>
+          </p:cNvSpPr>
+          <p:nvPr>
+            <p:ph type="title"/>
+          </p:nvPr>
+        </p:nvSpPr>
+        <p:spPr/>
+        <p:txBody>
+          <a:bodyPr/>
+          <a:p>
+            <a:r>
+              <a:rPr lang="zh-CN" altLang="en-US">
+                <a:sym typeface="+mn-ea"/>
+              </a:rPr>
+              <a:t>Needham–Schroeder–Lowe protocol</a:t>
+            </a:r>
+            <a:endParaRPr lang="zh-CN" altLang="en-US"/>
+          </a:p>
+        </p:txBody>
+      </p:sp>
+      <p:sp>
+        <p:nvSpPr>
+          <p:cNvPr id="3" name="内容占位符 2"/>
+          <p:cNvSpPr>
+            <a:spLocks noGrp="1"/>
+          </p:cNvSpPr>
+          <p:nvPr>
+            <p:ph idx="1"/>
+          </p:nvPr>
+        </p:nvSpPr>
+        <p:spPr/>
+        <p:txBody>
+          <a:bodyPr/>
+          <a:p>
+            <a:r>
+              <a:rPr lang="en-US" altLang="zh-CN"/>
+              <a:t>prove the secrecy of the nonce Nb which is originated by a responder</a:t>
+            </a:r>
+            <a:endParaRPr lang="en-US" altLang="zh-CN"/>
+          </a:p>
+          <a:p>
+            <a:endParaRPr lang="en-US" altLang="zh-CN"/>
+          </a:p>
+        </p:txBody>
+      </p:sp>
+      <p:pic>
+        <p:nvPicPr>
+          <p:cNvPr id="4" name="图片 3"/>
+          <p:cNvPicPr>
+            <a:picLocks noChangeAspect="1"/>
+          </p:cNvPicPr>
+          <p:nvPr/>
+        </p:nvPicPr>
+        <p:blipFill>
+          <a:blip r:embed="rId1">
+            <a:lum bright="-12000" contrast="18000"/>
+          </a:blip>
+          <a:stretch>
+            <a:fillRect/>
+          </a:stretch>
+        </p:blipFill>
+        <p:spPr>
+          <a:xfrm>
+            <a:off x="2077720" y="2872105"/>
+            <a:ext cx="7077075" cy="1114425"/>
+          </a:xfrm>
+          <a:prstGeom prst="rect">
+            <a:avLst/>
+          </a:prstGeom>
+        </p:spPr>
+      </p:pic>
+    </p:spTree>
+  </p:cSld>
+  <p:clrMapOvr>
+    <a:masterClrMapping/>
+  </p:clrMapOvr>
+</p:sld>
+</file>
+
+<file path=ppt/slides/slide42.xml><?xml version="1.0" encoding="utf-8"?>
+<p:sld xmlns:a="http://schemas.openxmlformats.org/drawingml/2006/main" xmlns:r="http://schemas.openxmlformats.org/officeDocument/2006/relationships" xmlns:p="http://schemas.openxmlformats.org/presentationml/2006/main">
+  <p:cSld>
+    <p:spTree>
+      <p:nvGrpSpPr>
+        <p:cNvPr id="1" name=""/>
+        <p:cNvGrpSpPr/>
+        <p:nvPr/>
+      </p:nvGrpSpPr>
+      <p:grpSpPr/>
+      <p:sp>
+        <p:nvSpPr>
+          <p:cNvPr id="2" name="标题 1"/>
+          <p:cNvSpPr>
+            <a:spLocks noGrp="1"/>
+          </p:cNvSpPr>
+          <p:nvPr>
+            <p:ph type="title"/>
+          </p:nvPr>
+        </p:nvSpPr>
+        <p:spPr/>
+        <p:txBody>
+          <a:bodyPr/>
+          <a:p>
+            <a:r>
+              <a:rPr lang="zh-CN" altLang="en-US"/>
+              <a:t>the Otway–Rees protocol</a:t>
+            </a:r>
+            <a:endParaRPr lang="zh-CN" altLang="en-US"/>
+          </a:p>
+        </p:txBody>
+      </p:sp>
+      <p:sp>
+        <p:nvSpPr>
+          <p:cNvPr id="3" name="内容占位符 2"/>
+          <p:cNvSpPr>
+            <a:spLocks noGrp="1"/>
+          </p:cNvSpPr>
+          <p:nvPr>
+            <p:ph idx="1"/>
+          </p:nvPr>
+        </p:nvSpPr>
+        <p:spPr/>
+        <p:txBody>
+          <a:bodyPr/>
+          <a:p>
+            <a:endParaRPr lang="zh-CN" altLang="en-US"/>
+          </a:p>
+        </p:txBody>
+      </p:sp>
+    </p:spTree>
+  </p:cSld>
+  <p:clrMapOvr>
+    <a:masterClrMapping/>
+  </p:clrMapOvr>
+</p:sld>
+</file>
+
+<file path=ppt/slides/slide5.xml><?xml version="1.0" encoding="utf-8"?>
 <p:sld xmlns:a="http://schemas.openxmlformats.org/drawingml/2006/main" xmlns:r="http://schemas.openxmlformats.org/officeDocument/2006/relationships" xmlns:p="http://schemas.openxmlformats.org/presentationml/2006/main">
   <p:cSld>
     <p:spTree>
@@ -7242,7 +7955,7 @@
 </p:sld>
 </file>
 
-<file path=ppt/slides/slide7.xml><?xml version="1.0" encoding="utf-8"?>
+<file path=ppt/slides/slide6.xml><?xml version="1.0" encoding="utf-8"?>
 <p:sld xmlns:a="http://schemas.openxmlformats.org/drawingml/2006/main" xmlns:r="http://schemas.openxmlformats.org/officeDocument/2006/relationships" xmlns:p="http://schemas.openxmlformats.org/presentationml/2006/main">
   <p:cSld>
     <p:spTree>
@@ -7404,7 +8117,7 @@
 </p:sld>
 </file>
 
-<file path=ppt/slides/slide8.xml><?xml version="1.0" encoding="utf-8"?>
+<file path=ppt/slides/slide7.xml><?xml version="1.0" encoding="utf-8"?>
 <p:sld xmlns:a="http://schemas.openxmlformats.org/drawingml/2006/main" xmlns:r="http://schemas.openxmlformats.org/officeDocument/2006/relationships" xmlns:p="http://schemas.openxmlformats.org/presentationml/2006/main">
   <p:cSld>
     <p:spTree>
@@ -7768,7 +8481,7 @@
 </p:sld>
 </file>
 
-<file path=ppt/slides/slide9.xml><?xml version="1.0" encoding="utf-8"?>
+<file path=ppt/slides/slide8.xml><?xml version="1.0" encoding="utf-8"?>
 <p:sld xmlns:a="http://schemas.openxmlformats.org/drawingml/2006/main" xmlns:r="http://schemas.openxmlformats.org/officeDocument/2006/relationships" xmlns:p="http://schemas.openxmlformats.org/presentationml/2006/main">
   <p:cSld>
     <p:spTree>
@@ -7929,6 +8642,159 @@
           </a:prstGeom>
         </p:spPr>
       </p:pic>
+    </p:spTree>
+  </p:cSld>
+  <p:clrMapOvr>
+    <a:masterClrMapping/>
+  </p:clrMapOvr>
+</p:sld>
+</file>
+
+<file path=ppt/slides/slide9.xml><?xml version="1.0" encoding="utf-8"?>
+<p:sld xmlns:a="http://schemas.openxmlformats.org/drawingml/2006/main" xmlns:r="http://schemas.openxmlformats.org/officeDocument/2006/relationships" xmlns:p="http://schemas.openxmlformats.org/presentationml/2006/main">
+  <p:cSld>
+    <p:spTree>
+      <p:nvGrpSpPr>
+        <p:cNvPr id="1" name=""/>
+        <p:cNvGrpSpPr/>
+        <p:nvPr/>
+      </p:nvGrpSpPr>
+      <p:grpSpPr/>
+      <p:sp>
+        <p:nvSpPr>
+          <p:cNvPr id="5" name="Title 4"/>
+          <p:cNvSpPr>
+            <a:spLocks noGrp="1"/>
+          </p:cNvSpPr>
+          <p:nvPr>
+            <p:ph type="title"/>
+          </p:nvPr>
+        </p:nvSpPr>
+        <p:spPr/>
+        <p:txBody>
+          <a:bodyPr/>
+          <a:p>
+            <a:r>
+              <a:rPr lang="en-US">
+                <a:sym typeface="+mn-ea"/>
+              </a:rPr>
+              <a:t>Preliminaries</a:t>
+            </a:r>
+            <a:endParaRPr lang="en-US"/>
+          </a:p>
+        </p:txBody>
+      </p:sp>
+      <p:sp>
+        <p:nvSpPr>
+          <p:cNvPr id="6" name="Content Placeholder 5"/>
+          <p:cNvSpPr>
+            <a:spLocks noGrp="1"/>
+          </p:cNvSpPr>
+          <p:nvPr>
+            <p:ph idx="1"/>
+          </p:nvPr>
+        </p:nvSpPr>
+        <p:spPr/>
+        <p:txBody>
+          <a:bodyPr/>
+          <a:p>
+            <a:r>
+              <a:rPr lang="en-US"/>
+              <a:t>Protocol modeling using strands</a:t>
+            </a:r>
+            <a:endParaRPr lang="en-US"/>
+          </a:p>
+          <a:p>
+            <a:pPr lvl="1"/>
+            <a:r>
+              <a:rPr lang="en-US"/>
+              <a:t>role: initiators, responders,servers</a:t>
+            </a:r>
+            <a:endParaRPr lang="en-US"/>
+          </a:p>
+          <a:p>
+            <a:pPr lvl="1"/>
+            <a:r>
+              <a:rPr lang="en-US"/>
+              <a:t>parameter: names, nonces</a:t>
+            </a:r>
+            <a:endParaRPr lang="en-US"/>
+          </a:p>
+          <a:p>
+            <a:pPr lvl="1"/>
+            <a:r>
+              <a:rPr lang="en-US"/>
+              <a:t>parameterized strand: role[parameter list]</a:t>
+            </a:r>
+            <a:endParaRPr lang="en-US"/>
+          </a:p>
+          <a:p>
+            <a:pPr lvl="1"/>
+            <a:endParaRPr lang="en-US"/>
+          </a:p>
+        </p:txBody>
+      </p:sp>
+      <p:pic>
+        <p:nvPicPr>
+          <p:cNvPr id="7" name="Picture 6"/>
+          <p:cNvPicPr>
+            <a:picLocks noChangeAspect="1"/>
+          </p:cNvPicPr>
+          <p:nvPr/>
+        </p:nvPicPr>
+        <p:blipFill>
+          <a:blip r:embed="rId1"/>
+          <a:stretch>
+            <a:fillRect/>
+          </a:stretch>
+        </p:blipFill>
+        <p:spPr>
+          <a:xfrm>
+            <a:off x="152400" y="4975225"/>
+            <a:ext cx="11887200" cy="1438275"/>
+          </a:xfrm>
+          <a:prstGeom prst="rect">
+            <a:avLst/>
+          </a:prstGeom>
+        </p:spPr>
+      </p:pic>
+      <p:sp>
+        <p:nvSpPr>
+          <p:cNvPr id="8" name="Text Box 7"/>
+          <p:cNvSpPr txBox="1"/>
+          <p:nvPr/>
+        </p:nvSpPr>
+        <p:spPr>
+          <a:xfrm>
+            <a:off x="215900" y="4634865"/>
+            <a:ext cx="4006850" cy="368300"/>
+          </a:xfrm>
+          <a:prstGeom prst="rect">
+            <a:avLst/>
+          </a:prstGeom>
+          <a:noFill/>
+        </p:spPr>
+        <p:txBody>
+          <a:bodyPr wrap="square" rtlCol="0">
+            <a:spAutoFit/>
+          </a:bodyPr>
+          <a:p>
+            <a:r>
+              <a:rPr lang="en-US" b="1"/>
+              <a:t>example</a:t>
+            </a:r>
+            <a:r>
+              <a:rPr lang="zh-CN" altLang="en-US" b="1"/>
+              <a:t>： </a:t>
+            </a:r>
+            <a:r>
+              <a:rPr lang="en-US" b="1"/>
+              <a:t>NSL</a:t>
+            </a:r>
+            <a:endParaRPr lang="en-US" b="1"/>
+          </a:p>
+        </p:txBody>
+      </p:sp>
     </p:spTree>
   </p:cSld>
   <p:clrMapOvr>
